--- a/Esercitazione_2/esercitazione2.pptx
+++ b/Esercitazione_2/esercitazione2.pptx
@@ -246,7 +246,7 @@
           <a:p>
             <a:fld id="{B55857BA-F4AF-4FDB-9BD7-33CC67AEAE19}" type="datetimeFigureOut">
               <a:rPr lang="it-IT" smtClean="0"/>
-              <a:t>23/10/2021</a:t>
+              <a:t>25/10/2021</a:t>
             </a:fld>
             <a:endParaRPr lang="it-IT"/>
           </a:p>
@@ -424,7 +424,7 @@
           <a:p>
             <a:fld id="{1FCC0C39-E717-4206-B48F-03024D75E04C}" type="datetimeFigureOut">
               <a:rPr lang="it-IT" noProof="0" smtClean="0"/>
-              <a:t>23/10/2021</a:t>
+              <a:t>25/10/2021</a:t>
             </a:fld>
             <a:endParaRPr lang="it-IT" noProof="0"/>
           </a:p>
@@ -826,7 +826,7 @@
           <a:noFill/>
           <a:extLst>
             <a:ext uri="{909E8E84-426E-40dd-AFC4-6F175D3DCCD1}">
-              <a14:hiddenFill xmlns:a14="http://schemas.microsoft.com/office/drawing/2010/main" xmlns="">
+              <a14:hiddenFill xmlns="" xmlns:a14="http://schemas.microsoft.com/office/drawing/2010/main">
                 <a:solidFill>
                   <a:srgbClr val="FFFFFF"/>
                 </a:solidFill>
@@ -886,7 +886,7 @@
             </a:ln>
             <a:extLst>
               <a:ext uri="{91240B29-F687-4f45-9708-019B960494DF}">
-                <a14:hiddenLine xmlns:a14="http://schemas.microsoft.com/office/drawing/2010/main" xmlns="" w="9525">
+                <a14:hiddenLine xmlns="" xmlns:a14="http://schemas.microsoft.com/office/drawing/2010/main" w="9525">
                   <a:solidFill>
                     <a:srgbClr val="000000"/>
                   </a:solidFill>
@@ -976,7 +976,7 @@
             </a:ln>
             <a:extLst>
               <a:ext uri="{91240B29-F687-4f45-9708-019B960494DF}">
-                <a14:hiddenLine xmlns:a14="http://schemas.microsoft.com/office/drawing/2010/main" xmlns="" w="9525">
+                <a14:hiddenLine xmlns="" xmlns:a14="http://schemas.microsoft.com/office/drawing/2010/main" w="9525">
                   <a:solidFill>
                     <a:srgbClr val="000000"/>
                   </a:solidFill>
@@ -1066,7 +1066,7 @@
             </a:ln>
             <a:extLst>
               <a:ext uri="{91240B29-F687-4f45-9708-019B960494DF}">
-                <a14:hiddenLine xmlns:a14="http://schemas.microsoft.com/office/drawing/2010/main" xmlns="" w="9525">
+                <a14:hiddenLine xmlns="" xmlns:a14="http://schemas.microsoft.com/office/drawing/2010/main" w="9525">
                   <a:solidFill>
                     <a:srgbClr val="000000"/>
                   </a:solidFill>
@@ -1100,7 +1100,7 @@
             </a:ln>
             <a:extLst>
               <a:ext uri="{91240B29-F687-4f45-9708-019B960494DF}">
-                <a14:hiddenLine xmlns:a14="http://schemas.microsoft.com/office/drawing/2010/main" xmlns="" w="9525">
+                <a14:hiddenLine xmlns="" xmlns:a14="http://schemas.microsoft.com/office/drawing/2010/main" w="9525">
                   <a:solidFill>
                     <a:srgbClr val="000000"/>
                   </a:solidFill>
@@ -1190,7 +1190,7 @@
             </a:ln>
             <a:extLst>
               <a:ext uri="{91240B29-F687-4f45-9708-019B960494DF}">
-                <a14:hiddenLine xmlns:a14="http://schemas.microsoft.com/office/drawing/2010/main" xmlns="" w="9525">
+                <a14:hiddenLine xmlns="" xmlns:a14="http://schemas.microsoft.com/office/drawing/2010/main" w="9525">
                   <a:solidFill>
                     <a:srgbClr val="000000"/>
                   </a:solidFill>
@@ -1252,7 +1252,7 @@
             </a:ln>
             <a:extLst>
               <a:ext uri="{91240B29-F687-4f45-9708-019B960494DF}">
-                <a14:hiddenLine xmlns:a14="http://schemas.microsoft.com/office/drawing/2010/main" xmlns="" w="9525">
+                <a14:hiddenLine xmlns="" xmlns:a14="http://schemas.microsoft.com/office/drawing/2010/main" w="9525">
                   <a:solidFill>
                     <a:srgbClr val="000000"/>
                   </a:solidFill>
@@ -1314,7 +1314,7 @@
             </a:ln>
             <a:extLst>
               <a:ext uri="{91240B29-F687-4f45-9708-019B960494DF}">
-                <a14:hiddenLine xmlns:a14="http://schemas.microsoft.com/office/drawing/2010/main" xmlns="" w="9525">
+                <a14:hiddenLine xmlns="" xmlns:a14="http://schemas.microsoft.com/office/drawing/2010/main" w="9525">
                   <a:solidFill>
                     <a:srgbClr val="000000"/>
                   </a:solidFill>
@@ -1404,7 +1404,7 @@
             </a:ln>
             <a:extLst>
               <a:ext uri="{91240B29-F687-4f45-9708-019B960494DF}">
-                <a14:hiddenLine xmlns:a14="http://schemas.microsoft.com/office/drawing/2010/main" xmlns="" w="9525">
+                <a14:hiddenLine xmlns="" xmlns:a14="http://schemas.microsoft.com/office/drawing/2010/main" w="9525">
                   <a:solidFill>
                     <a:srgbClr val="000000"/>
                   </a:solidFill>
@@ -1466,7 +1466,7 @@
             </a:ln>
             <a:extLst>
               <a:ext uri="{91240B29-F687-4f45-9708-019B960494DF}">
-                <a14:hiddenLine xmlns:a14="http://schemas.microsoft.com/office/drawing/2010/main" xmlns="" w="9525">
+                <a14:hiddenLine xmlns="" xmlns:a14="http://schemas.microsoft.com/office/drawing/2010/main" w="9525">
                   <a:solidFill>
                     <a:srgbClr val="000000"/>
                   </a:solidFill>
@@ -1528,7 +1528,7 @@
             </a:ln>
             <a:extLst>
               <a:ext uri="{91240B29-F687-4f45-9708-019B960494DF}">
-                <a14:hiddenLine xmlns:a14="http://schemas.microsoft.com/office/drawing/2010/main" xmlns="" w="9525">
+                <a14:hiddenLine xmlns="" xmlns:a14="http://schemas.microsoft.com/office/drawing/2010/main" w="9525">
                   <a:solidFill>
                     <a:srgbClr val="000000"/>
                   </a:solidFill>
@@ -1618,7 +1618,7 @@
             </a:ln>
             <a:extLst>
               <a:ext uri="{91240B29-F687-4f45-9708-019B960494DF}">
-                <a14:hiddenLine xmlns:a14="http://schemas.microsoft.com/office/drawing/2010/main" xmlns="" w="9525">
+                <a14:hiddenLine xmlns="" xmlns:a14="http://schemas.microsoft.com/office/drawing/2010/main" w="9525">
                   <a:solidFill>
                     <a:srgbClr val="000000"/>
                   </a:solidFill>
@@ -1708,7 +1708,7 @@
             </a:ln>
             <a:extLst>
               <a:ext uri="{91240B29-F687-4f45-9708-019B960494DF}">
-                <a14:hiddenLine xmlns:a14="http://schemas.microsoft.com/office/drawing/2010/main" xmlns="" w="9525">
+                <a14:hiddenLine xmlns="" xmlns:a14="http://schemas.microsoft.com/office/drawing/2010/main" w="9525">
                   <a:solidFill>
                     <a:srgbClr val="000000"/>
                   </a:solidFill>
@@ -1770,7 +1770,7 @@
             </a:ln>
             <a:extLst>
               <a:ext uri="{91240B29-F687-4f45-9708-019B960494DF}">
-                <a14:hiddenLine xmlns:a14="http://schemas.microsoft.com/office/drawing/2010/main" xmlns="" w="9525">
+                <a14:hiddenLine xmlns="" xmlns:a14="http://schemas.microsoft.com/office/drawing/2010/main" w="9525">
                   <a:solidFill>
                     <a:srgbClr val="000000"/>
                   </a:solidFill>
@@ -1880,7 +1880,7 @@
             </a:ln>
             <a:extLst>
               <a:ext uri="{91240B29-F687-4f45-9708-019B960494DF}">
-                <a14:hiddenLine xmlns:a14="http://schemas.microsoft.com/office/drawing/2010/main" xmlns="" w="9525">
+                <a14:hiddenLine xmlns="" xmlns:a14="http://schemas.microsoft.com/office/drawing/2010/main" w="9525">
                   <a:solidFill>
                     <a:srgbClr val="000000"/>
                   </a:solidFill>
@@ -1942,7 +1942,7 @@
             </a:ln>
             <a:extLst>
               <a:ext uri="{91240B29-F687-4f45-9708-019B960494DF}">
-                <a14:hiddenLine xmlns:a14="http://schemas.microsoft.com/office/drawing/2010/main" xmlns="" w="9525">
+                <a14:hiddenLine xmlns="" xmlns:a14="http://schemas.microsoft.com/office/drawing/2010/main" w="9525">
                   <a:solidFill>
                     <a:srgbClr val="000000"/>
                   </a:solidFill>
@@ -2032,7 +2032,7 @@
             </a:ln>
             <a:extLst>
               <a:ext uri="{91240B29-F687-4f45-9708-019B960494DF}">
-                <a14:hiddenLine xmlns:a14="http://schemas.microsoft.com/office/drawing/2010/main" xmlns="" w="9525">
+                <a14:hiddenLine xmlns="" xmlns:a14="http://schemas.microsoft.com/office/drawing/2010/main" w="9525">
                   <a:solidFill>
                     <a:srgbClr val="000000"/>
                   </a:solidFill>
@@ -2122,7 +2122,7 @@
             </a:ln>
             <a:extLst>
               <a:ext uri="{91240B29-F687-4f45-9708-019B960494DF}">
-                <a14:hiddenLine xmlns:a14="http://schemas.microsoft.com/office/drawing/2010/main" xmlns="" w="9525">
+                <a14:hiddenLine xmlns="" xmlns:a14="http://schemas.microsoft.com/office/drawing/2010/main" w="9525">
                   <a:solidFill>
                     <a:srgbClr val="000000"/>
                   </a:solidFill>
@@ -2184,7 +2184,7 @@
             </a:ln>
             <a:extLst>
               <a:ext uri="{91240B29-F687-4f45-9708-019B960494DF}">
-                <a14:hiddenLine xmlns:a14="http://schemas.microsoft.com/office/drawing/2010/main" xmlns="" w="9525">
+                <a14:hiddenLine xmlns="" xmlns:a14="http://schemas.microsoft.com/office/drawing/2010/main" w="9525">
                   <a:solidFill>
                     <a:srgbClr val="000000"/>
                   </a:solidFill>
@@ -2274,7 +2274,7 @@
             </a:ln>
             <a:extLst>
               <a:ext uri="{91240B29-F687-4f45-9708-019B960494DF}">
-                <a14:hiddenLine xmlns:a14="http://schemas.microsoft.com/office/drawing/2010/main" xmlns="" w="9525">
+                <a14:hiddenLine xmlns="" xmlns:a14="http://schemas.microsoft.com/office/drawing/2010/main" w="9525">
                   <a:solidFill>
                     <a:srgbClr val="000000"/>
                   </a:solidFill>
@@ -2364,7 +2364,7 @@
             </a:ln>
             <a:extLst>
               <a:ext uri="{91240B29-F687-4f45-9708-019B960494DF}">
-                <a14:hiddenLine xmlns:a14="http://schemas.microsoft.com/office/drawing/2010/main" xmlns="" w="9525">
+                <a14:hiddenLine xmlns="" xmlns:a14="http://schemas.microsoft.com/office/drawing/2010/main" w="9525">
                   <a:solidFill>
                     <a:srgbClr val="000000"/>
                   </a:solidFill>
@@ -2420,7 +2420,7 @@
             </a:ln>
             <a:extLst>
               <a:ext uri="{91240B29-F687-4f45-9708-019B960494DF}">
-                <a14:hiddenLine xmlns:a14="http://schemas.microsoft.com/office/drawing/2010/main" xmlns="" w="9525">
+                <a14:hiddenLine xmlns="" xmlns:a14="http://schemas.microsoft.com/office/drawing/2010/main" w="9525">
                   <a:solidFill>
                     <a:srgbClr val="000000"/>
                   </a:solidFill>
@@ -2510,7 +2510,7 @@
             </a:ln>
             <a:extLst>
               <a:ext uri="{91240B29-F687-4f45-9708-019B960494DF}">
-                <a14:hiddenLine xmlns:a14="http://schemas.microsoft.com/office/drawing/2010/main" xmlns="" w="9525">
+                <a14:hiddenLine xmlns="" xmlns:a14="http://schemas.microsoft.com/office/drawing/2010/main" w="9525">
                   <a:solidFill>
                     <a:srgbClr val="000000"/>
                   </a:solidFill>
@@ -2566,7 +2566,7 @@
             </a:ln>
             <a:extLst>
               <a:ext uri="{91240B29-F687-4f45-9708-019B960494DF}">
-                <a14:hiddenLine xmlns:a14="http://schemas.microsoft.com/office/drawing/2010/main" xmlns="" w="9525">
+                <a14:hiddenLine xmlns="" xmlns:a14="http://schemas.microsoft.com/office/drawing/2010/main" w="9525">
                   <a:solidFill>
                     <a:srgbClr val="000000"/>
                   </a:solidFill>
@@ -2656,7 +2656,7 @@
             </a:ln>
             <a:extLst>
               <a:ext uri="{91240B29-F687-4f45-9708-019B960494DF}">
-                <a14:hiddenLine xmlns:a14="http://schemas.microsoft.com/office/drawing/2010/main" xmlns="" w="9525">
+                <a14:hiddenLine xmlns="" xmlns:a14="http://schemas.microsoft.com/office/drawing/2010/main" w="9525">
                   <a:solidFill>
                     <a:srgbClr val="000000"/>
                   </a:solidFill>
@@ -2724,7 +2724,7 @@
             </a:ln>
             <a:extLst>
               <a:ext uri="{91240B29-F687-4f45-9708-019B960494DF}">
-                <a14:hiddenLine xmlns:a14="http://schemas.microsoft.com/office/drawing/2010/main" xmlns="" w="9525">
+                <a14:hiddenLine xmlns="" xmlns:a14="http://schemas.microsoft.com/office/drawing/2010/main" w="9525">
                   <a:solidFill>
                     <a:srgbClr val="000000"/>
                   </a:solidFill>
@@ -2814,7 +2814,7 @@
             </a:ln>
             <a:extLst>
               <a:ext uri="{91240B29-F687-4f45-9708-019B960494DF}">
-                <a14:hiddenLine xmlns:a14="http://schemas.microsoft.com/office/drawing/2010/main" xmlns="" w="9525">
+                <a14:hiddenLine xmlns="" xmlns:a14="http://schemas.microsoft.com/office/drawing/2010/main" w="9525">
                   <a:solidFill>
                     <a:srgbClr val="000000"/>
                   </a:solidFill>
@@ -2882,7 +2882,7 @@
             </a:ln>
             <a:extLst>
               <a:ext uri="{91240B29-F687-4f45-9708-019B960494DF}">
-                <a14:hiddenLine xmlns:a14="http://schemas.microsoft.com/office/drawing/2010/main" xmlns="" w="9525">
+                <a14:hiddenLine xmlns="" xmlns:a14="http://schemas.microsoft.com/office/drawing/2010/main" w="9525">
                   <a:solidFill>
                     <a:srgbClr val="000000"/>
                   </a:solidFill>
@@ -2972,7 +2972,7 @@
             </a:ln>
             <a:extLst>
               <a:ext uri="{91240B29-F687-4f45-9708-019B960494DF}">
-                <a14:hiddenLine xmlns:a14="http://schemas.microsoft.com/office/drawing/2010/main" xmlns="" w="9525">
+                <a14:hiddenLine xmlns="" xmlns:a14="http://schemas.microsoft.com/office/drawing/2010/main" w="9525">
                   <a:solidFill>
                     <a:srgbClr val="000000"/>
                   </a:solidFill>
@@ -3006,7 +3006,7 @@
             </a:ln>
             <a:extLst>
               <a:ext uri="{91240B29-F687-4f45-9708-019B960494DF}">
-                <a14:hiddenLine xmlns:a14="http://schemas.microsoft.com/office/drawing/2010/main" xmlns="" w="9525">
+                <a14:hiddenLine xmlns="" xmlns:a14="http://schemas.microsoft.com/office/drawing/2010/main" w="9525">
                   <a:solidFill>
                     <a:srgbClr val="000000"/>
                   </a:solidFill>
@@ -3096,7 +3096,7 @@
             </a:ln>
             <a:extLst>
               <a:ext uri="{91240B29-F687-4f45-9708-019B960494DF}">
-                <a14:hiddenLine xmlns:a14="http://schemas.microsoft.com/office/drawing/2010/main" xmlns="" w="9525">
+                <a14:hiddenLine xmlns="" xmlns:a14="http://schemas.microsoft.com/office/drawing/2010/main" w="9525">
                   <a:solidFill>
                     <a:srgbClr val="000000"/>
                   </a:solidFill>
@@ -3158,7 +3158,7 @@
             </a:ln>
             <a:extLst>
               <a:ext uri="{91240B29-F687-4f45-9708-019B960494DF}">
-                <a14:hiddenLine xmlns:a14="http://schemas.microsoft.com/office/drawing/2010/main" xmlns="" w="9525">
+                <a14:hiddenLine xmlns="" xmlns:a14="http://schemas.microsoft.com/office/drawing/2010/main" w="9525">
                   <a:solidFill>
                     <a:srgbClr val="000000"/>
                   </a:solidFill>
@@ -3220,7 +3220,7 @@
             </a:ln>
             <a:extLst>
               <a:ext uri="{91240B29-F687-4f45-9708-019B960494DF}">
-                <a14:hiddenLine xmlns:a14="http://schemas.microsoft.com/office/drawing/2010/main" xmlns="" w="9525">
+                <a14:hiddenLine xmlns="" xmlns:a14="http://schemas.microsoft.com/office/drawing/2010/main" w="9525">
                   <a:solidFill>
                     <a:srgbClr val="000000"/>
                   </a:solidFill>
@@ -3310,7 +3310,7 @@
             </a:ln>
             <a:extLst>
               <a:ext uri="{91240B29-F687-4f45-9708-019B960494DF}">
-                <a14:hiddenLine xmlns:a14="http://schemas.microsoft.com/office/drawing/2010/main" xmlns="" w="9525">
+                <a14:hiddenLine xmlns="" xmlns:a14="http://schemas.microsoft.com/office/drawing/2010/main" w="9525">
                   <a:solidFill>
                     <a:srgbClr val="000000"/>
                   </a:solidFill>
@@ -3378,7 +3378,7 @@
             </a:ln>
             <a:extLst>
               <a:ext uri="{91240B29-F687-4f45-9708-019B960494DF}">
-                <a14:hiddenLine xmlns:a14="http://schemas.microsoft.com/office/drawing/2010/main" xmlns="" w="9525">
+                <a14:hiddenLine xmlns="" xmlns:a14="http://schemas.microsoft.com/office/drawing/2010/main" w="9525">
                   <a:solidFill>
                     <a:srgbClr val="000000"/>
                   </a:solidFill>
@@ -3440,7 +3440,7 @@
             </a:ln>
             <a:extLst>
               <a:ext uri="{91240B29-F687-4f45-9708-019B960494DF}">
-                <a14:hiddenLine xmlns:a14="http://schemas.microsoft.com/office/drawing/2010/main" xmlns="" w="9525">
+                <a14:hiddenLine xmlns="" xmlns:a14="http://schemas.microsoft.com/office/drawing/2010/main" w="9525">
                   <a:solidFill>
                     <a:srgbClr val="000000"/>
                   </a:solidFill>
@@ -3530,7 +3530,7 @@
             </a:ln>
             <a:extLst>
               <a:ext uri="{91240B29-F687-4f45-9708-019B960494DF}">
-                <a14:hiddenLine xmlns:a14="http://schemas.microsoft.com/office/drawing/2010/main" xmlns="" w="9525">
+                <a14:hiddenLine xmlns="" xmlns:a14="http://schemas.microsoft.com/office/drawing/2010/main" w="9525">
                   <a:solidFill>
                     <a:srgbClr val="000000"/>
                   </a:solidFill>
@@ -3592,7 +3592,7 @@
             </a:ln>
             <a:extLst>
               <a:ext uri="{91240B29-F687-4f45-9708-019B960494DF}">
-                <a14:hiddenLine xmlns:a14="http://schemas.microsoft.com/office/drawing/2010/main" xmlns="" w="9525">
+                <a14:hiddenLine xmlns="" xmlns:a14="http://schemas.microsoft.com/office/drawing/2010/main" w="9525">
                   <a:solidFill>
                     <a:srgbClr val="000000"/>
                   </a:solidFill>
@@ -3682,7 +3682,7 @@
             </a:ln>
             <a:extLst>
               <a:ext uri="{91240B29-F687-4f45-9708-019B960494DF}">
-                <a14:hiddenLine xmlns:a14="http://schemas.microsoft.com/office/drawing/2010/main" xmlns="" w="9525">
+                <a14:hiddenLine xmlns="" xmlns:a14="http://schemas.microsoft.com/office/drawing/2010/main" w="9525">
                   <a:solidFill>
                     <a:srgbClr val="000000"/>
                   </a:solidFill>
@@ -3744,7 +3744,7 @@
             </a:ln>
             <a:extLst>
               <a:ext uri="{91240B29-F687-4f45-9708-019B960494DF}">
-                <a14:hiddenLine xmlns:a14="http://schemas.microsoft.com/office/drawing/2010/main" xmlns="" w="9525">
+                <a14:hiddenLine xmlns="" xmlns:a14="http://schemas.microsoft.com/office/drawing/2010/main" w="9525">
                   <a:solidFill>
                     <a:srgbClr val="000000"/>
                   </a:solidFill>
@@ -3834,7 +3834,7 @@
             </a:ln>
             <a:extLst>
               <a:ext uri="{91240B29-F687-4f45-9708-019B960494DF}">
-                <a14:hiddenLine xmlns:a14="http://schemas.microsoft.com/office/drawing/2010/main" xmlns="" w="9525">
+                <a14:hiddenLine xmlns="" xmlns:a14="http://schemas.microsoft.com/office/drawing/2010/main" w="9525">
                   <a:solidFill>
                     <a:srgbClr val="000000"/>
                   </a:solidFill>
@@ -3868,7 +3868,7 @@
             </a:ln>
             <a:extLst>
               <a:ext uri="{91240B29-F687-4f45-9708-019B960494DF}">
-                <a14:hiddenLine xmlns:a14="http://schemas.microsoft.com/office/drawing/2010/main" xmlns="" w="9525">
+                <a14:hiddenLine xmlns="" xmlns:a14="http://schemas.microsoft.com/office/drawing/2010/main" w="9525">
                   <a:solidFill>
                     <a:srgbClr val="000000"/>
                   </a:solidFill>
@@ -3933,7 +3933,7 @@
             </a:ln>
             <a:extLst>
               <a:ext uri="{91240B29-F687-4f45-9708-019B960494DF}">
-                <a14:hiddenLine xmlns:a14="http://schemas.microsoft.com/office/drawing/2010/main" xmlns="" w="9525">
+                <a14:hiddenLine xmlns="" xmlns:a14="http://schemas.microsoft.com/office/drawing/2010/main" w="9525">
                   <a:solidFill>
                     <a:srgbClr val="000000"/>
                   </a:solidFill>
@@ -4023,7 +4023,7 @@
             </a:ln>
             <a:extLst>
               <a:ext uri="{91240B29-F687-4f45-9708-019B960494DF}">
-                <a14:hiddenLine xmlns:a14="http://schemas.microsoft.com/office/drawing/2010/main" xmlns="" w="9525">
+                <a14:hiddenLine xmlns="" xmlns:a14="http://schemas.microsoft.com/office/drawing/2010/main" w="9525">
                   <a:solidFill>
                     <a:srgbClr val="000000"/>
                   </a:solidFill>
@@ -4085,7 +4085,7 @@
             </a:ln>
             <a:extLst>
               <a:ext uri="{91240B29-F687-4f45-9708-019B960494DF}">
-                <a14:hiddenLine xmlns:a14="http://schemas.microsoft.com/office/drawing/2010/main" xmlns="" w="9525">
+                <a14:hiddenLine xmlns="" xmlns:a14="http://schemas.microsoft.com/office/drawing/2010/main" w="9525">
                   <a:solidFill>
                     <a:srgbClr val="000000"/>
                   </a:solidFill>
@@ -4175,7 +4175,7 @@
             </a:ln>
             <a:extLst>
               <a:ext uri="{91240B29-F687-4f45-9708-019B960494DF}">
-                <a14:hiddenLine xmlns:a14="http://schemas.microsoft.com/office/drawing/2010/main" xmlns="" w="9525">
+                <a14:hiddenLine xmlns="" xmlns:a14="http://schemas.microsoft.com/office/drawing/2010/main" w="9525">
                   <a:solidFill>
                     <a:srgbClr val="000000"/>
                   </a:solidFill>
@@ -4265,7 +4265,7 @@
             </a:ln>
             <a:extLst>
               <a:ext uri="{91240B29-F687-4f45-9708-019B960494DF}">
-                <a14:hiddenLine xmlns:a14="http://schemas.microsoft.com/office/drawing/2010/main" xmlns="" w="9525">
+                <a14:hiddenLine xmlns="" xmlns:a14="http://schemas.microsoft.com/office/drawing/2010/main" w="9525">
                   <a:solidFill>
                     <a:srgbClr val="000000"/>
                   </a:solidFill>
@@ -4330,7 +4330,7 @@
             </a:ln>
             <a:extLst>
               <a:ext uri="{91240B29-F687-4f45-9708-019B960494DF}">
-                <a14:hiddenLine xmlns:a14="http://schemas.microsoft.com/office/drawing/2010/main" xmlns="" w="9525">
+                <a14:hiddenLine xmlns="" xmlns:a14="http://schemas.microsoft.com/office/drawing/2010/main" w="9525">
                   <a:solidFill>
                     <a:srgbClr val="000000"/>
                   </a:solidFill>
@@ -4392,7 +4392,7 @@
             </a:ln>
             <a:extLst>
               <a:ext uri="{91240B29-F687-4f45-9708-019B960494DF}">
-                <a14:hiddenLine xmlns:a14="http://schemas.microsoft.com/office/drawing/2010/main" xmlns="" w="9525">
+                <a14:hiddenLine xmlns="" xmlns:a14="http://schemas.microsoft.com/office/drawing/2010/main" w="9525">
                   <a:solidFill>
                     <a:srgbClr val="000000"/>
                   </a:solidFill>
@@ -4482,7 +4482,7 @@
             </a:ln>
             <a:extLst>
               <a:ext uri="{91240B29-F687-4f45-9708-019B960494DF}">
-                <a14:hiddenLine xmlns:a14="http://schemas.microsoft.com/office/drawing/2010/main" xmlns="" w="9525">
+                <a14:hiddenLine xmlns="" xmlns:a14="http://schemas.microsoft.com/office/drawing/2010/main" w="9525">
                   <a:solidFill>
                     <a:srgbClr val="000000"/>
                   </a:solidFill>
@@ -4572,7 +4572,7 @@
             </a:ln>
             <a:extLst>
               <a:ext uri="{91240B29-F687-4f45-9708-019B960494DF}">
-                <a14:hiddenLine xmlns:a14="http://schemas.microsoft.com/office/drawing/2010/main" xmlns="" w="9525">
+                <a14:hiddenLine xmlns="" xmlns:a14="http://schemas.microsoft.com/office/drawing/2010/main" w="9525">
                   <a:solidFill>
                     <a:srgbClr val="000000"/>
                   </a:solidFill>
@@ -4634,7 +4634,7 @@
             </a:ln>
             <a:extLst>
               <a:ext uri="{91240B29-F687-4f45-9708-019B960494DF}">
-                <a14:hiddenLine xmlns:a14="http://schemas.microsoft.com/office/drawing/2010/main" xmlns="" w="9525">
+                <a14:hiddenLine xmlns="" xmlns:a14="http://schemas.microsoft.com/office/drawing/2010/main" w="9525">
                   <a:solidFill>
                     <a:srgbClr val="000000"/>
                   </a:solidFill>
@@ -4754,7 +4754,7 @@
             </a:ln>
             <a:extLst>
               <a:ext uri="{91240B29-F687-4f45-9708-019B960494DF}">
-                <a14:hiddenLine xmlns:a14="http://schemas.microsoft.com/office/drawing/2010/main" xmlns="" w="9525">
+                <a14:hiddenLine xmlns="" xmlns:a14="http://schemas.microsoft.com/office/drawing/2010/main" w="9525">
                   <a:solidFill>
                     <a:srgbClr val="000000"/>
                   </a:solidFill>
@@ -4822,7 +4822,7 @@
             </a:ln>
             <a:extLst>
               <a:ext uri="{91240B29-F687-4f45-9708-019B960494DF}">
-                <a14:hiddenLine xmlns:a14="http://schemas.microsoft.com/office/drawing/2010/main" xmlns="" w="9525">
+                <a14:hiddenLine xmlns="" xmlns:a14="http://schemas.microsoft.com/office/drawing/2010/main" w="9525">
                   <a:solidFill>
                     <a:srgbClr val="000000"/>
                   </a:solidFill>
@@ -4912,7 +4912,7 @@
             </a:ln>
             <a:extLst>
               <a:ext uri="{91240B29-F687-4f45-9708-019B960494DF}">
-                <a14:hiddenLine xmlns:a14="http://schemas.microsoft.com/office/drawing/2010/main" xmlns="" w="9525">
+                <a14:hiddenLine xmlns="" xmlns:a14="http://schemas.microsoft.com/office/drawing/2010/main" w="9525">
                   <a:solidFill>
                     <a:srgbClr val="000000"/>
                   </a:solidFill>
@@ -5053,7 +5053,7 @@
             <a:pPr rtl="0"/>
             <a:fld id="{1C643BD2-0FF5-4D4F-A02E-7B8F55F6B93A}" type="datetime1">
               <a:rPr lang="it-IT" noProof="0" smtClean="0"/>
-              <a:t>23/10/2021</a:t>
+              <a:t>25/10/2021</a:t>
             </a:fld>
             <a:endParaRPr lang="it-IT" noProof="0"/>
           </a:p>
@@ -5323,7 +5323,7 @@
             <a:pPr rtl="0"/>
             <a:fld id="{7BDB2C96-31DB-42CA-B735-888F8442C060}" type="datetime1">
               <a:rPr lang="it-IT" noProof="0" smtClean="0"/>
-              <a:t>23/10/2021</a:t>
+              <a:t>25/10/2021</a:t>
             </a:fld>
             <a:endParaRPr lang="it-IT" noProof="0"/>
           </a:p>
@@ -5522,7 +5522,7 @@
             <a:pPr rtl="0"/>
             <a:fld id="{D4E36D17-AA2F-4AF1-BF53-7374B6B48AA3}" type="datetime1">
               <a:rPr lang="it-IT" noProof="0" smtClean="0"/>
-              <a:t>23/10/2021</a:t>
+              <a:t>25/10/2021</a:t>
             </a:fld>
             <a:endParaRPr lang="it-IT" noProof="0" dirty="0"/>
           </a:p>
@@ -5790,7 +5790,7 @@
             <a:pPr rtl="0"/>
             <a:fld id="{A8D57629-2414-43DF-8237-25F1839CB631}" type="datetime1">
               <a:rPr lang="it-IT" noProof="0" smtClean="0"/>
-              <a:t>23/10/2021</a:t>
+              <a:t>25/10/2021</a:t>
             </a:fld>
             <a:endParaRPr lang="it-IT" noProof="0"/>
           </a:p>
@@ -6227,7 +6227,7 @@
             <a:pPr rtl="0"/>
             <a:fld id="{D4E36D17-AA2F-4AF1-BF53-7374B6B48AA3}" type="datetime1">
               <a:rPr lang="it-IT" noProof="0" smtClean="0"/>
-              <a:t>23/10/2021</a:t>
+              <a:t>25/10/2021</a:t>
             </a:fld>
             <a:endParaRPr lang="it-IT" noProof="0" dirty="0"/>
           </a:p>
@@ -6778,7 +6778,7 @@
             <a:pPr rtl="0"/>
             <a:fld id="{E6F3975A-1E10-4491-8C70-639F2F2A236C}" type="datetime1">
               <a:rPr lang="it-IT" noProof="0" smtClean="0"/>
-              <a:t>23/10/2021</a:t>
+              <a:t>25/10/2021</a:t>
             </a:fld>
             <a:endParaRPr lang="it-IT" noProof="0"/>
           </a:p>
@@ -7501,7 +7501,7 @@
             <a:pPr rtl="0"/>
             <a:fld id="{D4E36D17-AA2F-4AF1-BF53-7374B6B48AA3}" type="datetime1">
               <a:rPr lang="it-IT" noProof="0" smtClean="0"/>
-              <a:t>23/10/2021</a:t>
+              <a:t>25/10/2021</a:t>
             </a:fld>
             <a:endParaRPr lang="it-IT" noProof="0" dirty="0"/>
           </a:p>
@@ -7676,7 +7676,7 @@
             <a:pPr rtl="0"/>
             <a:fld id="{A00213E8-22E0-4CAA-B4A5-4C5A65A6E563}" type="datetime1">
               <a:rPr lang="it-IT" noProof="0" smtClean="0"/>
-              <a:t>23/10/2021</a:t>
+              <a:t>25/10/2021</a:t>
             </a:fld>
             <a:endParaRPr lang="it-IT" noProof="0"/>
           </a:p>
@@ -7859,7 +7859,7 @@
             <a:pPr rtl="0"/>
             <a:fld id="{D4E36D17-AA2F-4AF1-BF53-7374B6B48AA3}" type="datetime1">
               <a:rPr lang="it-IT" noProof="0" smtClean="0"/>
-              <a:t>23/10/2021</a:t>
+              <a:t>25/10/2021</a:t>
             </a:fld>
             <a:endParaRPr lang="it-IT" noProof="0" dirty="0"/>
           </a:p>
@@ -8034,7 +8034,7 @@
             <a:pPr rtl="0"/>
             <a:fld id="{146E65AB-92F5-4983-8174-D2B2E74CD341}" type="datetime1">
               <a:rPr lang="it-IT" noProof="0" smtClean="0"/>
-              <a:t>23/10/2021</a:t>
+              <a:t>25/10/2021</a:t>
             </a:fld>
             <a:endParaRPr lang="it-IT" noProof="0"/>
           </a:p>
@@ -8287,7 +8287,7 @@
             <a:pPr rtl="0"/>
             <a:fld id="{BDD99849-EBEA-4C92-B61C-4AB17C743731}" type="datetime1">
               <a:rPr lang="it-IT" noProof="0" smtClean="0"/>
-              <a:t>23/10/2021</a:t>
+              <a:t>25/10/2021</a:t>
             </a:fld>
             <a:endParaRPr lang="it-IT" noProof="0"/>
           </a:p>
@@ -8522,7 +8522,7 @@
             <a:pPr rtl="0"/>
             <a:fld id="{6AB888AF-CA50-4E35-B7D8-9B94D32E80F5}" type="datetime1">
               <a:rPr lang="it-IT" noProof="0" smtClean="0"/>
-              <a:t>23/10/2021</a:t>
+              <a:t>25/10/2021</a:t>
             </a:fld>
             <a:endParaRPr lang="it-IT" noProof="0"/>
           </a:p>
@@ -8906,7 +8906,7 @@
             <a:pPr rtl="0"/>
             <a:fld id="{666996B5-87C7-422E-83A8-2A30A42CE6B5}" type="datetime1">
               <a:rPr lang="it-IT" noProof="0" smtClean="0"/>
-              <a:t>23/10/2021</a:t>
+              <a:t>25/10/2021</a:t>
             </a:fld>
             <a:endParaRPr lang="it-IT" noProof="0"/>
           </a:p>
@@ -9027,7 +9027,7 @@
             <a:pPr rtl="0"/>
             <a:fld id="{6E20A04D-C6B1-464E-A9D6-9B6756A0049A}" type="datetime1">
               <a:rPr lang="it-IT" noProof="0" smtClean="0"/>
-              <a:t>23/10/2021</a:t>
+              <a:t>25/10/2021</a:t>
             </a:fld>
             <a:endParaRPr lang="it-IT" noProof="0"/>
           </a:p>
@@ -9125,7 +9125,7 @@
             <a:pPr rtl="0"/>
             <a:fld id="{D4E36D17-AA2F-4AF1-BF53-7374B6B48AA3}" type="datetime1">
               <a:rPr lang="it-IT" noProof="0" smtClean="0"/>
-              <a:t>23/10/2021</a:t>
+              <a:t>25/10/2021</a:t>
             </a:fld>
             <a:endParaRPr lang="it-IT" noProof="0" dirty="0"/>
           </a:p>
@@ -9379,7 +9379,7 @@
             <a:pPr rtl="0"/>
             <a:fld id="{3C1B4CC0-02D2-4A1D-8A93-18C863BC4CD3}" type="datetime1">
               <a:rPr lang="it-IT" noProof="0" smtClean="0"/>
-              <a:t>23/10/2021</a:t>
+              <a:t>25/10/2021</a:t>
             </a:fld>
             <a:endParaRPr lang="it-IT" noProof="0"/>
           </a:p>
@@ -9662,7 +9662,7 @@
             <a:pPr rtl="0"/>
             <a:fld id="{1296209C-E3CA-4BD4-9EB9-5055B35BD855}" type="datetime1">
               <a:rPr lang="it-IT" noProof="0" smtClean="0"/>
-              <a:t>23/10/2021</a:t>
+              <a:t>25/10/2021</a:t>
             </a:fld>
             <a:endParaRPr lang="it-IT" noProof="0"/>
           </a:p>
@@ -9780,7 +9780,7 @@
           <a:noFill/>
           <a:extLst>
             <a:ext uri="{909E8E84-426E-40dd-AFC4-6F175D3DCCD1}">
-              <a14:hiddenFill xmlns:a14="http://schemas.microsoft.com/office/drawing/2010/main" xmlns="">
+              <a14:hiddenFill xmlns="" xmlns:a14="http://schemas.microsoft.com/office/drawing/2010/main">
                 <a:solidFill>
                   <a:srgbClr val="FFFFFF"/>
                 </a:solidFill>
@@ -9854,7 +9854,7 @@
               </a:ln>
               <a:extLst>
                 <a:ext uri="{91240B29-F687-4f45-9708-019B960494DF}">
-                  <a14:hiddenLine xmlns:a14="http://schemas.microsoft.com/office/drawing/2010/main" xmlns="" w="9525">
+                  <a14:hiddenLine xmlns="" xmlns:a14="http://schemas.microsoft.com/office/drawing/2010/main" w="9525">
                     <a:solidFill>
                       <a:srgbClr val="000000"/>
                     </a:solidFill>
@@ -9944,7 +9944,7 @@
               </a:ln>
               <a:extLst>
                 <a:ext uri="{91240B29-F687-4f45-9708-019B960494DF}">
-                  <a14:hiddenLine xmlns:a14="http://schemas.microsoft.com/office/drawing/2010/main" xmlns="" w="9525">
+                  <a14:hiddenLine xmlns="" xmlns:a14="http://schemas.microsoft.com/office/drawing/2010/main" w="9525">
                     <a:solidFill>
                       <a:srgbClr val="000000"/>
                     </a:solidFill>
@@ -10034,7 +10034,7 @@
               </a:ln>
               <a:extLst>
                 <a:ext uri="{91240B29-F687-4f45-9708-019B960494DF}">
-                  <a14:hiddenLine xmlns:a14="http://schemas.microsoft.com/office/drawing/2010/main" xmlns="" w="9525">
+                  <a14:hiddenLine xmlns="" xmlns:a14="http://schemas.microsoft.com/office/drawing/2010/main" w="9525">
                     <a:solidFill>
                       <a:srgbClr val="000000"/>
                     </a:solidFill>
@@ -10096,7 +10096,7 @@
               </a:ln>
               <a:extLst>
                 <a:ext uri="{91240B29-F687-4f45-9708-019B960494DF}">
-                  <a14:hiddenLine xmlns:a14="http://schemas.microsoft.com/office/drawing/2010/main" xmlns="" w="9525">
+                  <a14:hiddenLine xmlns="" xmlns:a14="http://schemas.microsoft.com/office/drawing/2010/main" w="9525">
                     <a:solidFill>
                       <a:srgbClr val="000000"/>
                     </a:solidFill>
@@ -10186,7 +10186,7 @@
               </a:ln>
               <a:extLst>
                 <a:ext uri="{91240B29-F687-4f45-9708-019B960494DF}">
-                  <a14:hiddenLine xmlns:a14="http://schemas.microsoft.com/office/drawing/2010/main" xmlns="" w="9525">
+                  <a14:hiddenLine xmlns="" xmlns:a14="http://schemas.microsoft.com/office/drawing/2010/main" w="9525">
                     <a:solidFill>
                       <a:srgbClr val="000000"/>
                     </a:solidFill>
@@ -10248,7 +10248,7 @@
               </a:ln>
               <a:extLst>
                 <a:ext uri="{91240B29-F687-4f45-9708-019B960494DF}">
-                  <a14:hiddenLine xmlns:a14="http://schemas.microsoft.com/office/drawing/2010/main" xmlns="" w="9525">
+                  <a14:hiddenLine xmlns="" xmlns:a14="http://schemas.microsoft.com/office/drawing/2010/main" w="9525">
                     <a:solidFill>
                       <a:srgbClr val="000000"/>
                     </a:solidFill>
@@ -10310,7 +10310,7 @@
               </a:ln>
               <a:extLst>
                 <a:ext uri="{91240B29-F687-4f45-9708-019B960494DF}">
-                  <a14:hiddenLine xmlns:a14="http://schemas.microsoft.com/office/drawing/2010/main" xmlns="" w="9525">
+                  <a14:hiddenLine xmlns="" xmlns:a14="http://schemas.microsoft.com/office/drawing/2010/main" w="9525">
                     <a:solidFill>
                       <a:srgbClr val="000000"/>
                     </a:solidFill>
@@ -10400,7 +10400,7 @@
               </a:ln>
               <a:extLst>
                 <a:ext uri="{91240B29-F687-4f45-9708-019B960494DF}">
-                  <a14:hiddenLine xmlns:a14="http://schemas.microsoft.com/office/drawing/2010/main" xmlns="" w="9525">
+                  <a14:hiddenLine xmlns="" xmlns:a14="http://schemas.microsoft.com/office/drawing/2010/main" w="9525">
                     <a:solidFill>
                       <a:srgbClr val="000000"/>
                     </a:solidFill>
@@ -10490,7 +10490,7 @@
               </a:ln>
               <a:extLst>
                 <a:ext uri="{91240B29-F687-4f45-9708-019B960494DF}">
-                  <a14:hiddenLine xmlns:a14="http://schemas.microsoft.com/office/drawing/2010/main" xmlns="" w="9525">
+                  <a14:hiddenLine xmlns="" xmlns:a14="http://schemas.microsoft.com/office/drawing/2010/main" w="9525">
                     <a:solidFill>
                       <a:srgbClr val="000000"/>
                     </a:solidFill>
@@ -10552,7 +10552,7 @@
               </a:ln>
               <a:extLst>
                 <a:ext uri="{91240B29-F687-4f45-9708-019B960494DF}">
-                  <a14:hiddenLine xmlns:a14="http://schemas.microsoft.com/office/drawing/2010/main" xmlns="" w="9525">
+                  <a14:hiddenLine xmlns="" xmlns:a14="http://schemas.microsoft.com/office/drawing/2010/main" w="9525">
                     <a:solidFill>
                       <a:srgbClr val="000000"/>
                     </a:solidFill>
@@ -10662,7 +10662,7 @@
               </a:ln>
               <a:extLst>
                 <a:ext uri="{91240B29-F687-4f45-9708-019B960494DF}">
-                  <a14:hiddenLine xmlns:a14="http://schemas.microsoft.com/office/drawing/2010/main" xmlns="" w="9525">
+                  <a14:hiddenLine xmlns="" xmlns:a14="http://schemas.microsoft.com/office/drawing/2010/main" w="9525">
                     <a:solidFill>
                       <a:srgbClr val="000000"/>
                     </a:solidFill>
@@ -10746,7 +10746,7 @@
               </a:ln>
               <a:extLst>
                 <a:ext uri="{91240B29-F687-4f45-9708-019B960494DF}">
-                  <a14:hiddenLine xmlns:a14="http://schemas.microsoft.com/office/drawing/2010/main" xmlns="" w="9525">
+                  <a14:hiddenLine xmlns="" xmlns:a14="http://schemas.microsoft.com/office/drawing/2010/main" w="9525">
                     <a:solidFill>
                       <a:srgbClr val="000000"/>
                     </a:solidFill>
@@ -10808,7 +10808,7 @@
               </a:ln>
               <a:extLst>
                 <a:ext uri="{91240B29-F687-4f45-9708-019B960494DF}">
-                  <a14:hiddenLine xmlns:a14="http://schemas.microsoft.com/office/drawing/2010/main" xmlns="" w="9525">
+                  <a14:hiddenLine xmlns="" xmlns:a14="http://schemas.microsoft.com/office/drawing/2010/main" w="9525">
                     <a:solidFill>
                       <a:srgbClr val="000000"/>
                     </a:solidFill>
@@ -10870,7 +10870,7 @@
               </a:ln>
               <a:extLst>
                 <a:ext uri="{91240B29-F687-4f45-9708-019B960494DF}">
-                  <a14:hiddenLine xmlns:a14="http://schemas.microsoft.com/office/drawing/2010/main" xmlns="" w="9525">
+                  <a14:hiddenLine xmlns="" xmlns:a14="http://schemas.microsoft.com/office/drawing/2010/main" w="9525">
                     <a:solidFill>
                       <a:srgbClr val="000000"/>
                     </a:solidFill>
@@ -10960,7 +10960,7 @@
               </a:ln>
               <a:extLst>
                 <a:ext uri="{91240B29-F687-4f45-9708-019B960494DF}">
-                  <a14:hiddenLine xmlns:a14="http://schemas.microsoft.com/office/drawing/2010/main" xmlns="" w="9525">
+                  <a14:hiddenLine xmlns="" xmlns:a14="http://schemas.microsoft.com/office/drawing/2010/main" w="9525">
                     <a:solidFill>
                       <a:srgbClr val="000000"/>
                     </a:solidFill>
@@ -10994,7 +10994,7 @@
               </a:ln>
               <a:extLst>
                 <a:ext uri="{91240B29-F687-4f45-9708-019B960494DF}">
-                  <a14:hiddenLine xmlns:a14="http://schemas.microsoft.com/office/drawing/2010/main" xmlns="" w="9525">
+                  <a14:hiddenLine xmlns="" xmlns:a14="http://schemas.microsoft.com/office/drawing/2010/main" w="9525">
                     <a:solidFill>
                       <a:srgbClr val="000000"/>
                     </a:solidFill>
@@ -11059,7 +11059,7 @@
               </a:ln>
               <a:extLst>
                 <a:ext uri="{91240B29-F687-4f45-9708-019B960494DF}">
-                  <a14:hiddenLine xmlns:a14="http://schemas.microsoft.com/office/drawing/2010/main" xmlns="" w="9525">
+                  <a14:hiddenLine xmlns="" xmlns:a14="http://schemas.microsoft.com/office/drawing/2010/main" w="9525">
                     <a:solidFill>
                       <a:srgbClr val="000000"/>
                     </a:solidFill>
@@ -11149,7 +11149,7 @@
               </a:ln>
               <a:extLst>
                 <a:ext uri="{91240B29-F687-4f45-9708-019B960494DF}">
-                  <a14:hiddenLine xmlns:a14="http://schemas.microsoft.com/office/drawing/2010/main" xmlns="" w="9525">
+                  <a14:hiddenLine xmlns="" xmlns:a14="http://schemas.microsoft.com/office/drawing/2010/main" w="9525">
                     <a:solidFill>
                       <a:srgbClr val="000000"/>
                     </a:solidFill>
@@ -11211,7 +11211,7 @@
               </a:ln>
               <a:extLst>
                 <a:ext uri="{91240B29-F687-4f45-9708-019B960494DF}">
-                  <a14:hiddenLine xmlns:a14="http://schemas.microsoft.com/office/drawing/2010/main" xmlns="" w="9525">
+                  <a14:hiddenLine xmlns="" xmlns:a14="http://schemas.microsoft.com/office/drawing/2010/main" w="9525">
                     <a:solidFill>
                       <a:srgbClr val="000000"/>
                     </a:solidFill>
@@ -11301,7 +11301,7 @@
               </a:ln>
               <a:extLst>
                 <a:ext uri="{91240B29-F687-4f45-9708-019B960494DF}">
-                  <a14:hiddenLine xmlns:a14="http://schemas.microsoft.com/office/drawing/2010/main" xmlns="" w="9525">
+                  <a14:hiddenLine xmlns="" xmlns:a14="http://schemas.microsoft.com/office/drawing/2010/main" w="9525">
                     <a:solidFill>
                       <a:srgbClr val="000000"/>
                     </a:solidFill>
@@ -11366,7 +11366,7 @@
               </a:ln>
               <a:extLst>
                 <a:ext uri="{91240B29-F687-4f45-9708-019B960494DF}">
-                  <a14:hiddenLine xmlns:a14="http://schemas.microsoft.com/office/drawing/2010/main" xmlns="" w="9525">
+                  <a14:hiddenLine xmlns="" xmlns:a14="http://schemas.microsoft.com/office/drawing/2010/main" w="9525">
                     <a:solidFill>
                       <a:srgbClr val="000000"/>
                     </a:solidFill>
@@ -11428,7 +11428,7 @@
               </a:ln>
               <a:extLst>
                 <a:ext uri="{91240B29-F687-4f45-9708-019B960494DF}">
-                  <a14:hiddenLine xmlns:a14="http://schemas.microsoft.com/office/drawing/2010/main" xmlns="" w="9525">
+                  <a14:hiddenLine xmlns="" xmlns:a14="http://schemas.microsoft.com/office/drawing/2010/main" w="9525">
                     <a:solidFill>
                       <a:srgbClr val="000000"/>
                     </a:solidFill>
@@ -11518,7 +11518,7 @@
               </a:ln>
               <a:extLst>
                 <a:ext uri="{91240B29-F687-4f45-9708-019B960494DF}">
-                  <a14:hiddenLine xmlns:a14="http://schemas.microsoft.com/office/drawing/2010/main" xmlns="" w="9525">
+                  <a14:hiddenLine xmlns="" xmlns:a14="http://schemas.microsoft.com/office/drawing/2010/main" w="9525">
                     <a:solidFill>
                       <a:srgbClr val="000000"/>
                     </a:solidFill>
@@ -11608,7 +11608,7 @@
               </a:ln>
               <a:extLst>
                 <a:ext uri="{91240B29-F687-4f45-9708-019B960494DF}">
-                  <a14:hiddenLine xmlns:a14="http://schemas.microsoft.com/office/drawing/2010/main" xmlns="" w="9525">
+                  <a14:hiddenLine xmlns="" xmlns:a14="http://schemas.microsoft.com/office/drawing/2010/main" w="9525">
                     <a:solidFill>
                       <a:srgbClr val="000000"/>
                     </a:solidFill>
@@ -11673,7 +11673,7 @@
               </a:ln>
               <a:extLst>
                 <a:ext uri="{91240B29-F687-4f45-9708-019B960494DF}">
-                  <a14:hiddenLine xmlns:a14="http://schemas.microsoft.com/office/drawing/2010/main" xmlns="" w="9525">
+                  <a14:hiddenLine xmlns="" xmlns:a14="http://schemas.microsoft.com/office/drawing/2010/main" w="9525">
                     <a:solidFill>
                       <a:srgbClr val="000000"/>
                     </a:solidFill>
@@ -11793,7 +11793,7 @@
               </a:ln>
               <a:extLst>
                 <a:ext uri="{91240B29-F687-4f45-9708-019B960494DF}">
-                  <a14:hiddenLine xmlns:a14="http://schemas.microsoft.com/office/drawing/2010/main" xmlns="" w="9525">
+                  <a14:hiddenLine xmlns="" xmlns:a14="http://schemas.microsoft.com/office/drawing/2010/main" w="9525">
                     <a:solidFill>
                       <a:srgbClr val="000000"/>
                     </a:solidFill>
@@ -11891,7 +11891,7 @@
               </a:ln>
               <a:extLst>
                 <a:ext uri="{91240B29-F687-4f45-9708-019B960494DF}">
-                  <a14:hiddenLine xmlns:a14="http://schemas.microsoft.com/office/drawing/2010/main" xmlns="" w="9525">
+                  <a14:hiddenLine xmlns="" xmlns:a14="http://schemas.microsoft.com/office/drawing/2010/main" w="9525">
                     <a:solidFill>
                       <a:srgbClr val="000000"/>
                     </a:solidFill>
@@ -12006,7 +12006,7 @@
               </a:ln>
               <a:extLst>
                 <a:ext uri="{91240B29-F687-4f45-9708-019B960494DF}">
-                  <a14:hiddenLine xmlns:a14="http://schemas.microsoft.com/office/drawing/2010/main" xmlns="" w="9525">
+                  <a14:hiddenLine xmlns="" xmlns:a14="http://schemas.microsoft.com/office/drawing/2010/main" w="9525">
                     <a:solidFill>
                       <a:srgbClr val="000000"/>
                     </a:solidFill>
@@ -12096,7 +12096,7 @@
               </a:ln>
               <a:extLst>
                 <a:ext uri="{91240B29-F687-4f45-9708-019B960494DF}">
-                  <a14:hiddenLine xmlns:a14="http://schemas.microsoft.com/office/drawing/2010/main" xmlns="" w="9525">
+                  <a14:hiddenLine xmlns="" xmlns:a14="http://schemas.microsoft.com/office/drawing/2010/main" w="9525">
                     <a:solidFill>
                       <a:srgbClr val="000000"/>
                     </a:solidFill>
@@ -12161,7 +12161,7 @@
               </a:ln>
               <a:extLst>
                 <a:ext uri="{91240B29-F687-4f45-9708-019B960494DF}">
-                  <a14:hiddenLine xmlns:a14="http://schemas.microsoft.com/office/drawing/2010/main" xmlns="" w="9525">
+                  <a14:hiddenLine xmlns="" xmlns:a14="http://schemas.microsoft.com/office/drawing/2010/main" w="9525">
                     <a:solidFill>
                       <a:srgbClr val="000000"/>
                     </a:solidFill>
@@ -12251,7 +12251,7 @@
               </a:ln>
               <a:extLst>
                 <a:ext uri="{91240B29-F687-4f45-9708-019B960494DF}">
-                  <a14:hiddenLine xmlns:a14="http://schemas.microsoft.com/office/drawing/2010/main" xmlns="" w="9525">
+                  <a14:hiddenLine xmlns="" xmlns:a14="http://schemas.microsoft.com/office/drawing/2010/main" w="9525">
                     <a:solidFill>
                       <a:srgbClr val="000000"/>
                     </a:solidFill>
@@ -12319,7 +12319,7 @@
               </a:ln>
               <a:extLst>
                 <a:ext uri="{91240B29-F687-4f45-9708-019B960494DF}">
-                  <a14:hiddenLine xmlns:a14="http://schemas.microsoft.com/office/drawing/2010/main" xmlns="" w="9525">
+                  <a14:hiddenLine xmlns="" xmlns:a14="http://schemas.microsoft.com/office/drawing/2010/main" w="9525">
                     <a:solidFill>
                       <a:srgbClr val="000000"/>
                     </a:solidFill>
@@ -12409,7 +12409,7 @@
               </a:ln>
               <a:extLst>
                 <a:ext uri="{91240B29-F687-4f45-9708-019B960494DF}">
-                  <a14:hiddenLine xmlns:a14="http://schemas.microsoft.com/office/drawing/2010/main" xmlns="" w="9525">
+                  <a14:hiddenLine xmlns="" xmlns:a14="http://schemas.microsoft.com/office/drawing/2010/main" w="9525">
                     <a:solidFill>
                       <a:srgbClr val="000000"/>
                     </a:solidFill>
@@ -12477,7 +12477,7 @@
               </a:ln>
               <a:extLst>
                 <a:ext uri="{91240B29-F687-4f45-9708-019B960494DF}">
-                  <a14:hiddenLine xmlns:a14="http://schemas.microsoft.com/office/drawing/2010/main" xmlns="" w="9525">
+                  <a14:hiddenLine xmlns="" xmlns:a14="http://schemas.microsoft.com/office/drawing/2010/main" w="9525">
                     <a:solidFill>
                       <a:srgbClr val="000000"/>
                     </a:solidFill>
@@ -12567,7 +12567,7 @@
               </a:ln>
               <a:extLst>
                 <a:ext uri="{91240B29-F687-4f45-9708-019B960494DF}">
-                  <a14:hiddenLine xmlns:a14="http://schemas.microsoft.com/office/drawing/2010/main" xmlns="" w="9525">
+                  <a14:hiddenLine xmlns="" xmlns:a14="http://schemas.microsoft.com/office/drawing/2010/main" w="9525">
                     <a:solidFill>
                       <a:srgbClr val="000000"/>
                     </a:solidFill>
@@ -12601,7 +12601,7 @@
               </a:ln>
               <a:extLst>
                 <a:ext uri="{91240B29-F687-4f45-9708-019B960494DF}">
-                  <a14:hiddenLine xmlns:a14="http://schemas.microsoft.com/office/drawing/2010/main" xmlns="" w="9525">
+                  <a14:hiddenLine xmlns="" xmlns:a14="http://schemas.microsoft.com/office/drawing/2010/main" w="9525">
                     <a:solidFill>
                       <a:srgbClr val="000000"/>
                     </a:solidFill>
@@ -12742,7 +12742,7 @@
             <a:pPr rtl="0"/>
             <a:fld id="{D4E36D17-AA2F-4AF1-BF53-7374B6B48AA3}" type="datetime1">
               <a:rPr lang="it-IT" noProof="0" smtClean="0"/>
-              <a:t>23/10/2021</a:t>
+              <a:t>25/10/2021</a:t>
             </a:fld>
             <a:endParaRPr lang="it-IT" noProof="0" dirty="0"/>
           </a:p>
@@ -13545,7 +13545,7 @@
           <a:noFill/>
           <a:extLst>
             <a:ext uri="{909E8E84-426E-40dd-AFC4-6F175D3DCCD1}">
-              <a14:hiddenFill xmlns="" xmlns:a16="http://schemas.microsoft.com/office/drawing/2014/main" xmlns:p14="http://schemas.microsoft.com/office/powerpoint/2010/main" xmlns:a14="http://schemas.microsoft.com/office/drawing/2010/main">
+              <a14:hiddenFill xmlns:a14="http://schemas.microsoft.com/office/drawing/2010/main" xmlns:p14="http://schemas.microsoft.com/office/powerpoint/2010/main" xmlns:a16="http://schemas.microsoft.com/office/drawing/2014/main" xmlns="">
                 <a:solidFill>
                   <a:srgbClr val="FFFFFF"/>
                 </a:solidFill>
@@ -13672,7 +13672,7 @@
             </a:ln>
             <a:extLst>
               <a:ext uri="{91240B29-F687-4f45-9708-019B960494DF}">
-                <a14:hiddenLine xmlns="" xmlns:a16="http://schemas.microsoft.com/office/drawing/2014/main" xmlns:p14="http://schemas.microsoft.com/office/powerpoint/2010/main" xmlns:a14="http://schemas.microsoft.com/office/drawing/2010/main" w="9525">
+                <a14:hiddenLine xmlns:a14="http://schemas.microsoft.com/office/drawing/2010/main" xmlns:p14="http://schemas.microsoft.com/office/powerpoint/2010/main" xmlns:a16="http://schemas.microsoft.com/office/drawing/2014/main" xmlns="" w="9525">
                   <a:solidFill>
                     <a:srgbClr val="000000"/>
                   </a:solidFill>
@@ -13777,7 +13777,7 @@
             </a:ln>
             <a:extLst>
               <a:ext uri="{91240B29-F687-4f45-9708-019B960494DF}">
-                <a14:hiddenLine xmlns="" xmlns:a16="http://schemas.microsoft.com/office/drawing/2014/main" xmlns:p14="http://schemas.microsoft.com/office/powerpoint/2010/main" xmlns:a14="http://schemas.microsoft.com/office/drawing/2010/main" w="9525">
+                <a14:hiddenLine xmlns:a14="http://schemas.microsoft.com/office/drawing/2010/main" xmlns:p14="http://schemas.microsoft.com/office/powerpoint/2010/main" xmlns:a16="http://schemas.microsoft.com/office/drawing/2014/main" xmlns="" w="9525">
                   <a:solidFill>
                     <a:srgbClr val="000000"/>
                   </a:solidFill>
@@ -13882,7 +13882,7 @@
             </a:ln>
             <a:extLst>
               <a:ext uri="{91240B29-F687-4f45-9708-019B960494DF}">
-                <a14:hiddenLine xmlns="" xmlns:a16="http://schemas.microsoft.com/office/drawing/2014/main" xmlns:p14="http://schemas.microsoft.com/office/powerpoint/2010/main" xmlns:a14="http://schemas.microsoft.com/office/drawing/2010/main" w="9525">
+                <a14:hiddenLine xmlns:a14="http://schemas.microsoft.com/office/drawing/2010/main" xmlns:p14="http://schemas.microsoft.com/office/powerpoint/2010/main" xmlns:a16="http://schemas.microsoft.com/office/drawing/2014/main" xmlns="" w="9525">
                   <a:solidFill>
                     <a:srgbClr val="000000"/>
                   </a:solidFill>
@@ -13959,7 +13959,7 @@
             </a:ln>
             <a:extLst>
               <a:ext uri="{91240B29-F687-4f45-9708-019B960494DF}">
-                <a14:hiddenLine xmlns="" xmlns:a16="http://schemas.microsoft.com/office/drawing/2014/main" xmlns:p14="http://schemas.microsoft.com/office/powerpoint/2010/main" xmlns:a14="http://schemas.microsoft.com/office/drawing/2010/main" w="9525">
+                <a14:hiddenLine xmlns:a14="http://schemas.microsoft.com/office/drawing/2010/main" xmlns:p14="http://schemas.microsoft.com/office/powerpoint/2010/main" xmlns:a16="http://schemas.microsoft.com/office/drawing/2014/main" xmlns="" w="9525">
                   <a:solidFill>
                     <a:srgbClr val="000000"/>
                   </a:solidFill>
@@ -14064,7 +14064,7 @@
             </a:ln>
             <a:extLst>
               <a:ext uri="{91240B29-F687-4f45-9708-019B960494DF}">
-                <a14:hiddenLine xmlns="" xmlns:a16="http://schemas.microsoft.com/office/drawing/2014/main" xmlns:p14="http://schemas.microsoft.com/office/powerpoint/2010/main" xmlns:a14="http://schemas.microsoft.com/office/drawing/2010/main" w="9525">
+                <a14:hiddenLine xmlns:a14="http://schemas.microsoft.com/office/drawing/2010/main" xmlns:p14="http://schemas.microsoft.com/office/powerpoint/2010/main" xmlns:a16="http://schemas.microsoft.com/office/drawing/2014/main" xmlns="" w="9525">
                   <a:solidFill>
                     <a:srgbClr val="000000"/>
                   </a:solidFill>
@@ -14141,7 +14141,7 @@
             </a:ln>
             <a:extLst>
               <a:ext uri="{91240B29-F687-4f45-9708-019B960494DF}">
-                <a14:hiddenLine xmlns="" xmlns:a16="http://schemas.microsoft.com/office/drawing/2014/main" xmlns:p14="http://schemas.microsoft.com/office/powerpoint/2010/main" xmlns:a14="http://schemas.microsoft.com/office/drawing/2010/main" w="9525">
+                <a14:hiddenLine xmlns:a14="http://schemas.microsoft.com/office/drawing/2010/main" xmlns:p14="http://schemas.microsoft.com/office/powerpoint/2010/main" xmlns:a16="http://schemas.microsoft.com/office/drawing/2014/main" xmlns="" w="9525">
                   <a:solidFill>
                     <a:srgbClr val="000000"/>
                   </a:solidFill>
@@ -14218,7 +14218,7 @@
             </a:ln>
             <a:extLst>
               <a:ext uri="{91240B29-F687-4f45-9708-019B960494DF}">
-                <a14:hiddenLine xmlns="" xmlns:a16="http://schemas.microsoft.com/office/drawing/2014/main" xmlns:p14="http://schemas.microsoft.com/office/powerpoint/2010/main" xmlns:a14="http://schemas.microsoft.com/office/drawing/2010/main" w="9525">
+                <a14:hiddenLine xmlns:a14="http://schemas.microsoft.com/office/drawing/2010/main" xmlns:p14="http://schemas.microsoft.com/office/powerpoint/2010/main" xmlns:a16="http://schemas.microsoft.com/office/drawing/2014/main" xmlns="" w="9525">
                   <a:solidFill>
                     <a:srgbClr val="000000"/>
                   </a:solidFill>
@@ -14323,7 +14323,7 @@
             </a:ln>
             <a:extLst>
               <a:ext uri="{91240B29-F687-4f45-9708-019B960494DF}">
-                <a14:hiddenLine xmlns="" xmlns:a16="http://schemas.microsoft.com/office/drawing/2014/main" xmlns:p14="http://schemas.microsoft.com/office/powerpoint/2010/main" xmlns:a14="http://schemas.microsoft.com/office/drawing/2010/main" w="9525">
+                <a14:hiddenLine xmlns:a14="http://schemas.microsoft.com/office/drawing/2010/main" xmlns:p14="http://schemas.microsoft.com/office/powerpoint/2010/main" xmlns:a16="http://schemas.microsoft.com/office/drawing/2014/main" xmlns="" w="9525">
                   <a:solidFill>
                     <a:srgbClr val="000000"/>
                   </a:solidFill>
@@ -14428,7 +14428,7 @@
             </a:ln>
             <a:extLst>
               <a:ext uri="{91240B29-F687-4f45-9708-019B960494DF}">
-                <a14:hiddenLine xmlns="" xmlns:a16="http://schemas.microsoft.com/office/drawing/2014/main" xmlns:p14="http://schemas.microsoft.com/office/powerpoint/2010/main" xmlns:a14="http://schemas.microsoft.com/office/drawing/2010/main" w="9525">
+                <a14:hiddenLine xmlns:a14="http://schemas.microsoft.com/office/drawing/2010/main" xmlns:p14="http://schemas.microsoft.com/office/powerpoint/2010/main" xmlns:a16="http://schemas.microsoft.com/office/drawing/2014/main" xmlns="" w="9525">
                   <a:solidFill>
                     <a:srgbClr val="000000"/>
                   </a:solidFill>
@@ -14505,7 +14505,7 @@
             </a:ln>
             <a:extLst>
               <a:ext uri="{91240B29-F687-4f45-9708-019B960494DF}">
-                <a14:hiddenLine xmlns="" xmlns:a16="http://schemas.microsoft.com/office/drawing/2014/main" xmlns:p14="http://schemas.microsoft.com/office/powerpoint/2010/main" xmlns:a14="http://schemas.microsoft.com/office/drawing/2010/main" w="9525">
+                <a14:hiddenLine xmlns:a14="http://schemas.microsoft.com/office/drawing/2010/main" xmlns:p14="http://schemas.microsoft.com/office/powerpoint/2010/main" xmlns:a16="http://schemas.microsoft.com/office/drawing/2014/main" xmlns="" w="9525">
                   <a:solidFill>
                     <a:srgbClr val="000000"/>
                   </a:solidFill>
@@ -14630,7 +14630,7 @@
             </a:ln>
             <a:extLst>
               <a:ext uri="{91240B29-F687-4f45-9708-019B960494DF}">
-                <a14:hiddenLine xmlns="" xmlns:a16="http://schemas.microsoft.com/office/drawing/2014/main" xmlns:p14="http://schemas.microsoft.com/office/powerpoint/2010/main" xmlns:a14="http://schemas.microsoft.com/office/drawing/2010/main" w="9525">
+                <a14:hiddenLine xmlns:a14="http://schemas.microsoft.com/office/drawing/2010/main" xmlns:p14="http://schemas.microsoft.com/office/powerpoint/2010/main" xmlns:a16="http://schemas.microsoft.com/office/drawing/2014/main" xmlns="" w="9525">
                   <a:solidFill>
                     <a:srgbClr val="000000"/>
                   </a:solidFill>
@@ -14744,7 +14744,7 @@
             </a:ln>
             <a:extLst>
               <a:ext uri="{91240B29-F687-4f45-9708-019B960494DF}">
-                <a14:hiddenLine xmlns="" xmlns:a16="http://schemas.microsoft.com/office/drawing/2014/main" xmlns:p14="http://schemas.microsoft.com/office/powerpoint/2010/main" xmlns:a14="http://schemas.microsoft.com/office/drawing/2010/main" w="9525">
+                <a14:hiddenLine xmlns:a14="http://schemas.microsoft.com/office/drawing/2010/main" xmlns:p14="http://schemas.microsoft.com/office/powerpoint/2010/main" xmlns:a16="http://schemas.microsoft.com/office/drawing/2014/main" xmlns="" w="9525">
                   <a:solidFill>
                     <a:srgbClr val="000000"/>
                   </a:solidFill>
@@ -14821,7 +14821,7 @@
             </a:ln>
             <a:extLst>
               <a:ext uri="{91240B29-F687-4f45-9708-019B960494DF}">
-                <a14:hiddenLine xmlns="" xmlns:a16="http://schemas.microsoft.com/office/drawing/2014/main" xmlns:p14="http://schemas.microsoft.com/office/powerpoint/2010/main" xmlns:a14="http://schemas.microsoft.com/office/drawing/2010/main" w="9525">
+                <a14:hiddenLine xmlns:a14="http://schemas.microsoft.com/office/drawing/2010/main" xmlns:p14="http://schemas.microsoft.com/office/powerpoint/2010/main" xmlns:a16="http://schemas.microsoft.com/office/drawing/2014/main" xmlns="" w="9525">
                   <a:solidFill>
                     <a:srgbClr val="000000"/>
                   </a:solidFill>
@@ -14898,7 +14898,7 @@
             </a:ln>
             <a:extLst>
               <a:ext uri="{91240B29-F687-4f45-9708-019B960494DF}">
-                <a14:hiddenLine xmlns="" xmlns:a16="http://schemas.microsoft.com/office/drawing/2014/main" xmlns:p14="http://schemas.microsoft.com/office/powerpoint/2010/main" xmlns:a14="http://schemas.microsoft.com/office/drawing/2010/main" w="9525">
+                <a14:hiddenLine xmlns:a14="http://schemas.microsoft.com/office/drawing/2010/main" xmlns:p14="http://schemas.microsoft.com/office/powerpoint/2010/main" xmlns:a16="http://schemas.microsoft.com/office/drawing/2014/main" xmlns="" w="9525">
                   <a:solidFill>
                     <a:srgbClr val="000000"/>
                   </a:solidFill>
@@ -15003,7 +15003,7 @@
             </a:ln>
             <a:extLst>
               <a:ext uri="{91240B29-F687-4f45-9708-019B960494DF}">
-                <a14:hiddenLine xmlns="" xmlns:a16="http://schemas.microsoft.com/office/drawing/2014/main" xmlns:p14="http://schemas.microsoft.com/office/powerpoint/2010/main" xmlns:a14="http://schemas.microsoft.com/office/drawing/2010/main" w="9525">
+                <a14:hiddenLine xmlns:a14="http://schemas.microsoft.com/office/drawing/2010/main" xmlns:p14="http://schemas.microsoft.com/office/powerpoint/2010/main" xmlns:a16="http://schemas.microsoft.com/office/drawing/2014/main" xmlns="" w="9525">
                   <a:solidFill>
                     <a:srgbClr val="000000"/>
                   </a:solidFill>
@@ -15052,7 +15052,7 @@
             </a:ln>
             <a:extLst>
               <a:ext uri="{91240B29-F687-4f45-9708-019B960494DF}">
-                <a14:hiddenLine xmlns="" xmlns:a16="http://schemas.microsoft.com/office/drawing/2014/main" xmlns:p14="http://schemas.microsoft.com/office/powerpoint/2010/main" xmlns:a14="http://schemas.microsoft.com/office/drawing/2010/main" w="9525">
+                <a14:hiddenLine xmlns:a14="http://schemas.microsoft.com/office/drawing/2010/main" xmlns:p14="http://schemas.microsoft.com/office/powerpoint/2010/main" xmlns:a16="http://schemas.microsoft.com/office/drawing/2014/main" xmlns="" w="9525">
                   <a:solidFill>
                     <a:srgbClr val="000000"/>
                   </a:solidFill>
@@ -15132,7 +15132,7 @@
             </a:ln>
             <a:extLst>
               <a:ext uri="{91240B29-F687-4f45-9708-019B960494DF}">
-                <a14:hiddenLine xmlns="" xmlns:a16="http://schemas.microsoft.com/office/drawing/2014/main" xmlns:p14="http://schemas.microsoft.com/office/powerpoint/2010/main" xmlns:a14="http://schemas.microsoft.com/office/drawing/2010/main" w="9525">
+                <a14:hiddenLine xmlns:a14="http://schemas.microsoft.com/office/drawing/2010/main" xmlns:p14="http://schemas.microsoft.com/office/powerpoint/2010/main" xmlns:a16="http://schemas.microsoft.com/office/drawing/2014/main" xmlns="" w="9525">
                   <a:solidFill>
                     <a:srgbClr val="000000"/>
                   </a:solidFill>
@@ -15237,7 +15237,7 @@
             </a:ln>
             <a:extLst>
               <a:ext uri="{91240B29-F687-4f45-9708-019B960494DF}">
-                <a14:hiddenLine xmlns="" xmlns:a16="http://schemas.microsoft.com/office/drawing/2014/main" xmlns:p14="http://schemas.microsoft.com/office/powerpoint/2010/main" xmlns:a14="http://schemas.microsoft.com/office/drawing/2010/main" w="9525">
+                <a14:hiddenLine xmlns:a14="http://schemas.microsoft.com/office/drawing/2010/main" xmlns:p14="http://schemas.microsoft.com/office/powerpoint/2010/main" xmlns:a16="http://schemas.microsoft.com/office/drawing/2014/main" xmlns="" w="9525">
                   <a:solidFill>
                     <a:srgbClr val="000000"/>
                   </a:solidFill>
@@ -15314,7 +15314,7 @@
             </a:ln>
             <a:extLst>
               <a:ext uri="{91240B29-F687-4f45-9708-019B960494DF}">
-                <a14:hiddenLine xmlns="" xmlns:a16="http://schemas.microsoft.com/office/drawing/2014/main" xmlns:p14="http://schemas.microsoft.com/office/powerpoint/2010/main" xmlns:a14="http://schemas.microsoft.com/office/drawing/2010/main" w="9525">
+                <a14:hiddenLine xmlns:a14="http://schemas.microsoft.com/office/drawing/2010/main" xmlns:p14="http://schemas.microsoft.com/office/powerpoint/2010/main" xmlns:a16="http://schemas.microsoft.com/office/drawing/2014/main" xmlns="" w="9525">
                   <a:solidFill>
                     <a:srgbClr val="000000"/>
                   </a:solidFill>
@@ -15419,7 +15419,7 @@
             </a:ln>
             <a:extLst>
               <a:ext uri="{91240B29-F687-4f45-9708-019B960494DF}">
-                <a14:hiddenLine xmlns="" xmlns:a16="http://schemas.microsoft.com/office/drawing/2014/main" xmlns:p14="http://schemas.microsoft.com/office/powerpoint/2010/main" xmlns:a14="http://schemas.microsoft.com/office/drawing/2010/main" w="9525">
+                <a14:hiddenLine xmlns:a14="http://schemas.microsoft.com/office/drawing/2010/main" xmlns:p14="http://schemas.microsoft.com/office/powerpoint/2010/main" xmlns:a16="http://schemas.microsoft.com/office/drawing/2014/main" xmlns="" w="9525">
                   <a:solidFill>
                     <a:srgbClr val="000000"/>
                   </a:solidFill>
@@ -15499,7 +15499,7 @@
             </a:ln>
             <a:extLst>
               <a:ext uri="{91240B29-F687-4f45-9708-019B960494DF}">
-                <a14:hiddenLine xmlns="" xmlns:a16="http://schemas.microsoft.com/office/drawing/2014/main" xmlns:p14="http://schemas.microsoft.com/office/powerpoint/2010/main" xmlns:a14="http://schemas.microsoft.com/office/drawing/2010/main" w="9525">
+                <a14:hiddenLine xmlns:a14="http://schemas.microsoft.com/office/drawing/2010/main" xmlns:p14="http://schemas.microsoft.com/office/powerpoint/2010/main" xmlns:a16="http://schemas.microsoft.com/office/drawing/2014/main" xmlns="" w="9525">
                   <a:solidFill>
                     <a:srgbClr val="000000"/>
                   </a:solidFill>
@@ -15576,7 +15576,7 @@
             </a:ln>
             <a:extLst>
               <a:ext uri="{91240B29-F687-4f45-9708-019B960494DF}">
-                <a14:hiddenLine xmlns="" xmlns:a16="http://schemas.microsoft.com/office/drawing/2014/main" xmlns:p14="http://schemas.microsoft.com/office/powerpoint/2010/main" xmlns:a14="http://schemas.microsoft.com/office/drawing/2010/main" w="9525">
+                <a14:hiddenLine xmlns:a14="http://schemas.microsoft.com/office/drawing/2010/main" xmlns:p14="http://schemas.microsoft.com/office/powerpoint/2010/main" xmlns:a16="http://schemas.microsoft.com/office/drawing/2014/main" xmlns="" w="9525">
                   <a:solidFill>
                     <a:srgbClr val="000000"/>
                   </a:solidFill>
@@ -15681,7 +15681,7 @@
             </a:ln>
             <a:extLst>
               <a:ext uri="{91240B29-F687-4f45-9708-019B960494DF}">
-                <a14:hiddenLine xmlns="" xmlns:a16="http://schemas.microsoft.com/office/drawing/2014/main" xmlns:p14="http://schemas.microsoft.com/office/powerpoint/2010/main" xmlns:a14="http://schemas.microsoft.com/office/drawing/2010/main" w="9525">
+                <a14:hiddenLine xmlns:a14="http://schemas.microsoft.com/office/drawing/2010/main" xmlns:p14="http://schemas.microsoft.com/office/powerpoint/2010/main" xmlns:a16="http://schemas.microsoft.com/office/drawing/2014/main" xmlns="" w="9525">
                   <a:solidFill>
                     <a:srgbClr val="000000"/>
                   </a:solidFill>
@@ -15786,7 +15786,7 @@
             </a:ln>
             <a:extLst>
               <a:ext uri="{91240B29-F687-4f45-9708-019B960494DF}">
-                <a14:hiddenLine xmlns="" xmlns:a16="http://schemas.microsoft.com/office/drawing/2014/main" xmlns:p14="http://schemas.microsoft.com/office/powerpoint/2010/main" xmlns:a14="http://schemas.microsoft.com/office/drawing/2010/main" w="9525">
+                <a14:hiddenLine xmlns:a14="http://schemas.microsoft.com/office/drawing/2010/main" xmlns:p14="http://schemas.microsoft.com/office/powerpoint/2010/main" xmlns:a16="http://schemas.microsoft.com/office/drawing/2014/main" xmlns="" w="9525">
                   <a:solidFill>
                     <a:srgbClr val="000000"/>
                   </a:solidFill>
@@ -15866,7 +15866,7 @@
             </a:ln>
             <a:extLst>
               <a:ext uri="{91240B29-F687-4f45-9708-019B960494DF}">
-                <a14:hiddenLine xmlns="" xmlns:a16="http://schemas.microsoft.com/office/drawing/2014/main" xmlns:p14="http://schemas.microsoft.com/office/powerpoint/2010/main" xmlns:a14="http://schemas.microsoft.com/office/drawing/2010/main" w="9525">
+                <a14:hiddenLine xmlns:a14="http://schemas.microsoft.com/office/drawing/2010/main" xmlns:p14="http://schemas.microsoft.com/office/powerpoint/2010/main" xmlns:a16="http://schemas.microsoft.com/office/drawing/2014/main" xmlns="" w="9525">
                   <a:solidFill>
                     <a:srgbClr val="000000"/>
                   </a:solidFill>
@@ -16001,7 +16001,7 @@
             </a:ln>
             <a:extLst>
               <a:ext uri="{91240B29-F687-4f45-9708-019B960494DF}">
-                <a14:hiddenLine xmlns="" xmlns:a16="http://schemas.microsoft.com/office/drawing/2014/main" xmlns:p14="http://schemas.microsoft.com/office/powerpoint/2010/main" xmlns:a14="http://schemas.microsoft.com/office/drawing/2010/main" w="9525">
+                <a14:hiddenLine xmlns:a14="http://schemas.microsoft.com/office/drawing/2010/main" xmlns:p14="http://schemas.microsoft.com/office/powerpoint/2010/main" xmlns:a16="http://schemas.microsoft.com/office/drawing/2014/main" xmlns="" w="9525">
                   <a:solidFill>
                     <a:srgbClr val="000000"/>
                   </a:solidFill>
@@ -16038,7 +16038,7 @@
         </p:blipFill>
         <p:spPr>
           <a:xfrm>
-            <a:off x="1142206" y="1964747"/>
+            <a:off x="834182" y="2550121"/>
             <a:ext cx="2996787" cy="1659930"/>
           </a:xfrm>
           <a:prstGeom prst="round2DiagRect">
@@ -16087,12 +16087,12 @@
         </p:blipFill>
         <p:spPr>
           <a:xfrm>
-            <a:off x="4282974" y="2185988"/>
-            <a:ext cx="7540069" cy="4297137"/>
+            <a:off x="4134406" y="1786329"/>
+            <a:ext cx="7890175" cy="4496665"/>
           </a:xfrm>
           <a:prstGeom prst="round2DiagRect">
             <a:avLst>
-              <a:gd name="adj1" fmla="val 16667"/>
+              <a:gd name="adj1" fmla="val 7659"/>
               <a:gd name="adj2" fmla="val 0"/>
             </a:avLst>
           </a:prstGeom>
@@ -16260,7 +16260,7 @@
           <a:noFill/>
           <a:extLst>
             <a:ext uri="{909E8E84-426E-40dd-AFC4-6F175D3DCCD1}">
-              <a14:hiddenFill xmlns:a14="http://schemas.microsoft.com/office/drawing/2010/main" xmlns:p14="http://schemas.microsoft.com/office/powerpoint/2010/main" xmlns:a16="http://schemas.microsoft.com/office/drawing/2014/main" xmlns="">
+              <a14:hiddenFill xmlns="" xmlns:a16="http://schemas.microsoft.com/office/drawing/2014/main" xmlns:p14="http://schemas.microsoft.com/office/powerpoint/2010/main" xmlns:a14="http://schemas.microsoft.com/office/drawing/2010/main">
                 <a:solidFill>
                   <a:srgbClr val="FFFFFF"/>
                 </a:solidFill>
@@ -16399,7 +16399,7 @@
             </a:ln>
             <a:extLst>
               <a:ext uri="{91240B29-F687-4f45-9708-019B960494DF}">
-                <a14:hiddenLine xmlns:a14="http://schemas.microsoft.com/office/drawing/2010/main" xmlns:p14="http://schemas.microsoft.com/office/powerpoint/2010/main" xmlns:a16="http://schemas.microsoft.com/office/drawing/2014/main" xmlns="" w="9525">
+                <a14:hiddenLine xmlns="" xmlns:a16="http://schemas.microsoft.com/office/drawing/2014/main" xmlns:p14="http://schemas.microsoft.com/office/powerpoint/2010/main" xmlns:a14="http://schemas.microsoft.com/office/drawing/2010/main" w="9525">
                   <a:solidFill>
                     <a:srgbClr val="000000"/>
                   </a:solidFill>
@@ -16504,7 +16504,7 @@
             </a:ln>
             <a:extLst>
               <a:ext uri="{91240B29-F687-4f45-9708-019B960494DF}">
-                <a14:hiddenLine xmlns:a14="http://schemas.microsoft.com/office/drawing/2010/main" xmlns:p14="http://schemas.microsoft.com/office/powerpoint/2010/main" xmlns:a16="http://schemas.microsoft.com/office/drawing/2014/main" xmlns="" w="9525">
+                <a14:hiddenLine xmlns="" xmlns:a16="http://schemas.microsoft.com/office/drawing/2014/main" xmlns:p14="http://schemas.microsoft.com/office/powerpoint/2010/main" xmlns:a14="http://schemas.microsoft.com/office/drawing/2010/main" w="9525">
                   <a:solidFill>
                     <a:srgbClr val="000000"/>
                   </a:solidFill>
@@ -16609,7 +16609,7 @@
             </a:ln>
             <a:extLst>
               <a:ext uri="{91240B29-F687-4f45-9708-019B960494DF}">
-                <a14:hiddenLine xmlns:a14="http://schemas.microsoft.com/office/drawing/2010/main" xmlns:p14="http://schemas.microsoft.com/office/powerpoint/2010/main" xmlns:a16="http://schemas.microsoft.com/office/drawing/2014/main" xmlns="" w="9525">
+                <a14:hiddenLine xmlns="" xmlns:a16="http://schemas.microsoft.com/office/drawing/2014/main" xmlns:p14="http://schemas.microsoft.com/office/powerpoint/2010/main" xmlns:a14="http://schemas.microsoft.com/office/drawing/2010/main" w="9525">
                   <a:solidFill>
                     <a:srgbClr val="000000"/>
                   </a:solidFill>
@@ -16686,7 +16686,7 @@
             </a:ln>
             <a:extLst>
               <a:ext uri="{91240B29-F687-4f45-9708-019B960494DF}">
-                <a14:hiddenLine xmlns:a14="http://schemas.microsoft.com/office/drawing/2010/main" xmlns:p14="http://schemas.microsoft.com/office/powerpoint/2010/main" xmlns:a16="http://schemas.microsoft.com/office/drawing/2014/main" xmlns="" w="9525">
+                <a14:hiddenLine xmlns="" xmlns:a16="http://schemas.microsoft.com/office/drawing/2014/main" xmlns:p14="http://schemas.microsoft.com/office/powerpoint/2010/main" xmlns:a14="http://schemas.microsoft.com/office/drawing/2010/main" w="9525">
                   <a:solidFill>
                     <a:srgbClr val="000000"/>
                   </a:solidFill>
@@ -16791,7 +16791,7 @@
             </a:ln>
             <a:extLst>
               <a:ext uri="{91240B29-F687-4f45-9708-019B960494DF}">
-                <a14:hiddenLine xmlns:a14="http://schemas.microsoft.com/office/drawing/2010/main" xmlns:p14="http://schemas.microsoft.com/office/powerpoint/2010/main" xmlns:a16="http://schemas.microsoft.com/office/drawing/2014/main" xmlns="" w="9525">
+                <a14:hiddenLine xmlns="" xmlns:a16="http://schemas.microsoft.com/office/drawing/2014/main" xmlns:p14="http://schemas.microsoft.com/office/powerpoint/2010/main" xmlns:a14="http://schemas.microsoft.com/office/drawing/2010/main" w="9525">
                   <a:solidFill>
                     <a:srgbClr val="000000"/>
                   </a:solidFill>
@@ -16868,7 +16868,7 @@
             </a:ln>
             <a:extLst>
               <a:ext uri="{91240B29-F687-4f45-9708-019B960494DF}">
-                <a14:hiddenLine xmlns:a14="http://schemas.microsoft.com/office/drawing/2010/main" xmlns:p14="http://schemas.microsoft.com/office/powerpoint/2010/main" xmlns:a16="http://schemas.microsoft.com/office/drawing/2014/main" xmlns="" w="9525">
+                <a14:hiddenLine xmlns="" xmlns:a16="http://schemas.microsoft.com/office/drawing/2014/main" xmlns:p14="http://schemas.microsoft.com/office/powerpoint/2010/main" xmlns:a14="http://schemas.microsoft.com/office/drawing/2010/main" w="9525">
                   <a:solidFill>
                     <a:srgbClr val="000000"/>
                   </a:solidFill>
@@ -16945,7 +16945,7 @@
             </a:ln>
             <a:extLst>
               <a:ext uri="{91240B29-F687-4f45-9708-019B960494DF}">
-                <a14:hiddenLine xmlns:a14="http://schemas.microsoft.com/office/drawing/2010/main" xmlns:p14="http://schemas.microsoft.com/office/powerpoint/2010/main" xmlns:a16="http://schemas.microsoft.com/office/drawing/2014/main" xmlns="" w="9525">
+                <a14:hiddenLine xmlns="" xmlns:a16="http://schemas.microsoft.com/office/drawing/2014/main" xmlns:p14="http://schemas.microsoft.com/office/powerpoint/2010/main" xmlns:a14="http://schemas.microsoft.com/office/drawing/2010/main" w="9525">
                   <a:solidFill>
                     <a:srgbClr val="000000"/>
                   </a:solidFill>
@@ -17050,7 +17050,7 @@
             </a:ln>
             <a:extLst>
               <a:ext uri="{91240B29-F687-4f45-9708-019B960494DF}">
-                <a14:hiddenLine xmlns:a14="http://schemas.microsoft.com/office/drawing/2010/main" xmlns:p14="http://schemas.microsoft.com/office/powerpoint/2010/main" xmlns:a16="http://schemas.microsoft.com/office/drawing/2014/main" xmlns="" w="9525">
+                <a14:hiddenLine xmlns="" xmlns:a16="http://schemas.microsoft.com/office/drawing/2014/main" xmlns:p14="http://schemas.microsoft.com/office/powerpoint/2010/main" xmlns:a14="http://schemas.microsoft.com/office/drawing/2010/main" w="9525">
                   <a:solidFill>
                     <a:srgbClr val="000000"/>
                   </a:solidFill>
@@ -17155,7 +17155,7 @@
             </a:ln>
             <a:extLst>
               <a:ext uri="{91240B29-F687-4f45-9708-019B960494DF}">
-                <a14:hiddenLine xmlns:a14="http://schemas.microsoft.com/office/drawing/2010/main" xmlns:p14="http://schemas.microsoft.com/office/powerpoint/2010/main" xmlns:a16="http://schemas.microsoft.com/office/drawing/2014/main" xmlns="" w="9525">
+                <a14:hiddenLine xmlns="" xmlns:a16="http://schemas.microsoft.com/office/drawing/2014/main" xmlns:p14="http://schemas.microsoft.com/office/powerpoint/2010/main" xmlns:a14="http://schemas.microsoft.com/office/drawing/2010/main" w="9525">
                   <a:solidFill>
                     <a:srgbClr val="000000"/>
                   </a:solidFill>
@@ -17232,7 +17232,7 @@
             </a:ln>
             <a:extLst>
               <a:ext uri="{91240B29-F687-4f45-9708-019B960494DF}">
-                <a14:hiddenLine xmlns:a14="http://schemas.microsoft.com/office/drawing/2010/main" xmlns:p14="http://schemas.microsoft.com/office/powerpoint/2010/main" xmlns:a16="http://schemas.microsoft.com/office/drawing/2014/main" xmlns="" w="9525">
+                <a14:hiddenLine xmlns="" xmlns:a16="http://schemas.microsoft.com/office/drawing/2014/main" xmlns:p14="http://schemas.microsoft.com/office/powerpoint/2010/main" xmlns:a14="http://schemas.microsoft.com/office/drawing/2010/main" w="9525">
                   <a:solidFill>
                     <a:srgbClr val="000000"/>
                   </a:solidFill>
@@ -17357,7 +17357,7 @@
             </a:ln>
             <a:extLst>
               <a:ext uri="{91240B29-F687-4f45-9708-019B960494DF}">
-                <a14:hiddenLine xmlns:a14="http://schemas.microsoft.com/office/drawing/2010/main" xmlns:p14="http://schemas.microsoft.com/office/powerpoint/2010/main" xmlns:a16="http://schemas.microsoft.com/office/drawing/2014/main" xmlns="" w="9525">
+                <a14:hiddenLine xmlns="" xmlns:a16="http://schemas.microsoft.com/office/drawing/2014/main" xmlns:p14="http://schemas.microsoft.com/office/powerpoint/2010/main" xmlns:a14="http://schemas.microsoft.com/office/drawing/2010/main" w="9525">
                   <a:solidFill>
                     <a:srgbClr val="000000"/>
                   </a:solidFill>
@@ -17471,7 +17471,7 @@
             </a:ln>
             <a:extLst>
               <a:ext uri="{91240B29-F687-4f45-9708-019B960494DF}">
-                <a14:hiddenLine xmlns:a14="http://schemas.microsoft.com/office/drawing/2010/main" xmlns:p14="http://schemas.microsoft.com/office/powerpoint/2010/main" xmlns:a16="http://schemas.microsoft.com/office/drawing/2014/main" xmlns="" w="9525">
+                <a14:hiddenLine xmlns="" xmlns:a16="http://schemas.microsoft.com/office/drawing/2014/main" xmlns:p14="http://schemas.microsoft.com/office/powerpoint/2010/main" xmlns:a14="http://schemas.microsoft.com/office/drawing/2010/main" w="9525">
                   <a:solidFill>
                     <a:srgbClr val="000000"/>
                   </a:solidFill>
@@ -17548,7 +17548,7 @@
             </a:ln>
             <a:extLst>
               <a:ext uri="{91240B29-F687-4f45-9708-019B960494DF}">
-                <a14:hiddenLine xmlns:a14="http://schemas.microsoft.com/office/drawing/2010/main" xmlns:p14="http://schemas.microsoft.com/office/powerpoint/2010/main" xmlns:a16="http://schemas.microsoft.com/office/drawing/2014/main" xmlns="" w="9525">
+                <a14:hiddenLine xmlns="" xmlns:a16="http://schemas.microsoft.com/office/drawing/2014/main" xmlns:p14="http://schemas.microsoft.com/office/powerpoint/2010/main" xmlns:a14="http://schemas.microsoft.com/office/drawing/2010/main" w="9525">
                   <a:solidFill>
                     <a:srgbClr val="000000"/>
                   </a:solidFill>
@@ -17625,7 +17625,7 @@
             </a:ln>
             <a:extLst>
               <a:ext uri="{91240B29-F687-4f45-9708-019B960494DF}">
-                <a14:hiddenLine xmlns:a14="http://schemas.microsoft.com/office/drawing/2010/main" xmlns:p14="http://schemas.microsoft.com/office/powerpoint/2010/main" xmlns:a16="http://schemas.microsoft.com/office/drawing/2014/main" xmlns="" w="9525">
+                <a14:hiddenLine xmlns="" xmlns:a16="http://schemas.microsoft.com/office/drawing/2014/main" xmlns:p14="http://schemas.microsoft.com/office/powerpoint/2010/main" xmlns:a14="http://schemas.microsoft.com/office/drawing/2010/main" w="9525">
                   <a:solidFill>
                     <a:srgbClr val="000000"/>
                   </a:solidFill>
@@ -17730,7 +17730,7 @@
             </a:ln>
             <a:extLst>
               <a:ext uri="{91240B29-F687-4f45-9708-019B960494DF}">
-                <a14:hiddenLine xmlns:a14="http://schemas.microsoft.com/office/drawing/2010/main" xmlns:p14="http://schemas.microsoft.com/office/powerpoint/2010/main" xmlns:a16="http://schemas.microsoft.com/office/drawing/2014/main" xmlns="" w="9525">
+                <a14:hiddenLine xmlns="" xmlns:a16="http://schemas.microsoft.com/office/drawing/2014/main" xmlns:p14="http://schemas.microsoft.com/office/powerpoint/2010/main" xmlns:a14="http://schemas.microsoft.com/office/drawing/2010/main" w="9525">
                   <a:solidFill>
                     <a:srgbClr val="000000"/>
                   </a:solidFill>
@@ -17779,7 +17779,7 @@
             </a:ln>
             <a:extLst>
               <a:ext uri="{91240B29-F687-4f45-9708-019B960494DF}">
-                <a14:hiddenLine xmlns:a14="http://schemas.microsoft.com/office/drawing/2010/main" xmlns:p14="http://schemas.microsoft.com/office/powerpoint/2010/main" xmlns:a16="http://schemas.microsoft.com/office/drawing/2014/main" xmlns="" w="9525">
+                <a14:hiddenLine xmlns="" xmlns:a16="http://schemas.microsoft.com/office/drawing/2014/main" xmlns:p14="http://schemas.microsoft.com/office/powerpoint/2010/main" xmlns:a14="http://schemas.microsoft.com/office/drawing/2010/main" w="9525">
                   <a:solidFill>
                     <a:srgbClr val="000000"/>
                   </a:solidFill>
@@ -17859,7 +17859,7 @@
             </a:ln>
             <a:extLst>
               <a:ext uri="{91240B29-F687-4f45-9708-019B960494DF}">
-                <a14:hiddenLine xmlns:a14="http://schemas.microsoft.com/office/drawing/2010/main" xmlns:p14="http://schemas.microsoft.com/office/powerpoint/2010/main" xmlns:a16="http://schemas.microsoft.com/office/drawing/2014/main" xmlns="" w="9525">
+                <a14:hiddenLine xmlns="" xmlns:a16="http://schemas.microsoft.com/office/drawing/2014/main" xmlns:p14="http://schemas.microsoft.com/office/powerpoint/2010/main" xmlns:a14="http://schemas.microsoft.com/office/drawing/2010/main" w="9525">
                   <a:solidFill>
                     <a:srgbClr val="000000"/>
                   </a:solidFill>
@@ -17964,7 +17964,7 @@
             </a:ln>
             <a:extLst>
               <a:ext uri="{91240B29-F687-4f45-9708-019B960494DF}">
-                <a14:hiddenLine xmlns:a14="http://schemas.microsoft.com/office/drawing/2010/main" xmlns:p14="http://schemas.microsoft.com/office/powerpoint/2010/main" xmlns:a16="http://schemas.microsoft.com/office/drawing/2014/main" xmlns="" w="9525">
+                <a14:hiddenLine xmlns="" xmlns:a16="http://schemas.microsoft.com/office/drawing/2014/main" xmlns:p14="http://schemas.microsoft.com/office/powerpoint/2010/main" xmlns:a14="http://schemas.microsoft.com/office/drawing/2010/main" w="9525">
                   <a:solidFill>
                     <a:srgbClr val="000000"/>
                   </a:solidFill>
@@ -18041,7 +18041,7 @@
             </a:ln>
             <a:extLst>
               <a:ext uri="{91240B29-F687-4f45-9708-019B960494DF}">
-                <a14:hiddenLine xmlns:a14="http://schemas.microsoft.com/office/drawing/2010/main" xmlns:p14="http://schemas.microsoft.com/office/powerpoint/2010/main" xmlns:a16="http://schemas.microsoft.com/office/drawing/2014/main" xmlns="" w="9525">
+                <a14:hiddenLine xmlns="" xmlns:a16="http://schemas.microsoft.com/office/drawing/2014/main" xmlns:p14="http://schemas.microsoft.com/office/powerpoint/2010/main" xmlns:a14="http://schemas.microsoft.com/office/drawing/2010/main" w="9525">
                   <a:solidFill>
                     <a:srgbClr val="000000"/>
                   </a:solidFill>
@@ -18146,7 +18146,7 @@
             </a:ln>
             <a:extLst>
               <a:ext uri="{91240B29-F687-4f45-9708-019B960494DF}">
-                <a14:hiddenLine xmlns:a14="http://schemas.microsoft.com/office/drawing/2010/main" xmlns:p14="http://schemas.microsoft.com/office/powerpoint/2010/main" xmlns:a16="http://schemas.microsoft.com/office/drawing/2014/main" xmlns="" w="9525">
+                <a14:hiddenLine xmlns="" xmlns:a16="http://schemas.microsoft.com/office/drawing/2014/main" xmlns:p14="http://schemas.microsoft.com/office/powerpoint/2010/main" xmlns:a14="http://schemas.microsoft.com/office/drawing/2010/main" w="9525">
                   <a:solidFill>
                     <a:srgbClr val="000000"/>
                   </a:solidFill>
@@ -18226,7 +18226,7 @@
             </a:ln>
             <a:extLst>
               <a:ext uri="{91240B29-F687-4f45-9708-019B960494DF}">
-                <a14:hiddenLine xmlns:a14="http://schemas.microsoft.com/office/drawing/2010/main" xmlns:p14="http://schemas.microsoft.com/office/powerpoint/2010/main" xmlns:a16="http://schemas.microsoft.com/office/drawing/2014/main" xmlns="" w="9525">
+                <a14:hiddenLine xmlns="" xmlns:a16="http://schemas.microsoft.com/office/drawing/2014/main" xmlns:p14="http://schemas.microsoft.com/office/powerpoint/2010/main" xmlns:a14="http://schemas.microsoft.com/office/drawing/2010/main" w="9525">
                   <a:solidFill>
                     <a:srgbClr val="000000"/>
                   </a:solidFill>
@@ -18303,7 +18303,7 @@
             </a:ln>
             <a:extLst>
               <a:ext uri="{91240B29-F687-4f45-9708-019B960494DF}">
-                <a14:hiddenLine xmlns:a14="http://schemas.microsoft.com/office/drawing/2010/main" xmlns:p14="http://schemas.microsoft.com/office/powerpoint/2010/main" xmlns:a16="http://schemas.microsoft.com/office/drawing/2014/main" xmlns="" w="9525">
+                <a14:hiddenLine xmlns="" xmlns:a16="http://schemas.microsoft.com/office/drawing/2014/main" xmlns:p14="http://schemas.microsoft.com/office/powerpoint/2010/main" xmlns:a14="http://schemas.microsoft.com/office/drawing/2010/main" w="9525">
                   <a:solidFill>
                     <a:srgbClr val="000000"/>
                   </a:solidFill>
@@ -18408,7 +18408,7 @@
             </a:ln>
             <a:extLst>
               <a:ext uri="{91240B29-F687-4f45-9708-019B960494DF}">
-                <a14:hiddenLine xmlns:a14="http://schemas.microsoft.com/office/drawing/2010/main" xmlns:p14="http://schemas.microsoft.com/office/powerpoint/2010/main" xmlns:a16="http://schemas.microsoft.com/office/drawing/2014/main" xmlns="" w="9525">
+                <a14:hiddenLine xmlns="" xmlns:a16="http://schemas.microsoft.com/office/drawing/2014/main" xmlns:p14="http://schemas.microsoft.com/office/powerpoint/2010/main" xmlns:a14="http://schemas.microsoft.com/office/drawing/2010/main" w="9525">
                   <a:solidFill>
                     <a:srgbClr val="000000"/>
                   </a:solidFill>
@@ -18513,7 +18513,7 @@
             </a:ln>
             <a:extLst>
               <a:ext uri="{91240B29-F687-4f45-9708-019B960494DF}">
-                <a14:hiddenLine xmlns:a14="http://schemas.microsoft.com/office/drawing/2010/main" xmlns:p14="http://schemas.microsoft.com/office/powerpoint/2010/main" xmlns:a16="http://schemas.microsoft.com/office/drawing/2014/main" xmlns="" w="9525">
+                <a14:hiddenLine xmlns="" xmlns:a16="http://schemas.microsoft.com/office/drawing/2014/main" xmlns:p14="http://schemas.microsoft.com/office/powerpoint/2010/main" xmlns:a14="http://schemas.microsoft.com/office/drawing/2010/main" w="9525">
                   <a:solidFill>
                     <a:srgbClr val="000000"/>
                   </a:solidFill>
@@ -18593,7 +18593,7 @@
             </a:ln>
             <a:extLst>
               <a:ext uri="{91240B29-F687-4f45-9708-019B960494DF}">
-                <a14:hiddenLine xmlns:a14="http://schemas.microsoft.com/office/drawing/2010/main" xmlns:p14="http://schemas.microsoft.com/office/powerpoint/2010/main" xmlns:a16="http://schemas.microsoft.com/office/drawing/2014/main" xmlns="" w="9525">
+                <a14:hiddenLine xmlns="" xmlns:a16="http://schemas.microsoft.com/office/drawing/2014/main" xmlns:p14="http://schemas.microsoft.com/office/powerpoint/2010/main" xmlns:a14="http://schemas.microsoft.com/office/drawing/2010/main" w="9525">
                   <a:solidFill>
                     <a:srgbClr val="000000"/>
                   </a:solidFill>
@@ -18728,7 +18728,7 @@
             </a:ln>
             <a:extLst>
               <a:ext uri="{91240B29-F687-4f45-9708-019B960494DF}">
-                <a14:hiddenLine xmlns:a14="http://schemas.microsoft.com/office/drawing/2010/main" xmlns:p14="http://schemas.microsoft.com/office/powerpoint/2010/main" xmlns:a16="http://schemas.microsoft.com/office/drawing/2014/main" xmlns="" w="9525">
+                <a14:hiddenLine xmlns="" xmlns:a16="http://schemas.microsoft.com/office/drawing/2014/main" xmlns:p14="http://schemas.microsoft.com/office/powerpoint/2010/main" xmlns:a14="http://schemas.microsoft.com/office/drawing/2010/main" w="9525">
                   <a:solidFill>
                     <a:srgbClr val="000000"/>
                   </a:solidFill>
@@ -19030,7 +19030,7 @@
           <a:noFill/>
           <a:extLst>
             <a:ext uri="{909E8E84-426E-40dd-AFC4-6F175D3DCCD1}">
-              <a14:hiddenFill xmlns="" xmlns:a16="http://schemas.microsoft.com/office/drawing/2014/main" xmlns:p14="http://schemas.microsoft.com/office/powerpoint/2010/main" xmlns:a14="http://schemas.microsoft.com/office/drawing/2010/main">
+              <a14:hiddenFill xmlns:a14="http://schemas.microsoft.com/office/drawing/2010/main" xmlns:p14="http://schemas.microsoft.com/office/powerpoint/2010/main" xmlns:a16="http://schemas.microsoft.com/office/drawing/2014/main" xmlns="">
                 <a:solidFill>
                   <a:srgbClr val="FFFFFF"/>
                 </a:solidFill>
@@ -19157,7 +19157,7 @@
             </a:ln>
             <a:extLst>
               <a:ext uri="{91240B29-F687-4f45-9708-019B960494DF}">
-                <a14:hiddenLine xmlns="" xmlns:a16="http://schemas.microsoft.com/office/drawing/2014/main" xmlns:p14="http://schemas.microsoft.com/office/powerpoint/2010/main" xmlns:a14="http://schemas.microsoft.com/office/drawing/2010/main" w="9525">
+                <a14:hiddenLine xmlns:a14="http://schemas.microsoft.com/office/drawing/2010/main" xmlns:p14="http://schemas.microsoft.com/office/powerpoint/2010/main" xmlns:a16="http://schemas.microsoft.com/office/drawing/2014/main" xmlns="" w="9525">
                   <a:solidFill>
                     <a:srgbClr val="000000"/>
                   </a:solidFill>
@@ -19262,7 +19262,7 @@
             </a:ln>
             <a:extLst>
               <a:ext uri="{91240B29-F687-4f45-9708-019B960494DF}">
-                <a14:hiddenLine xmlns="" xmlns:a16="http://schemas.microsoft.com/office/drawing/2014/main" xmlns:p14="http://schemas.microsoft.com/office/powerpoint/2010/main" xmlns:a14="http://schemas.microsoft.com/office/drawing/2010/main" w="9525">
+                <a14:hiddenLine xmlns:a14="http://schemas.microsoft.com/office/drawing/2010/main" xmlns:p14="http://schemas.microsoft.com/office/powerpoint/2010/main" xmlns:a16="http://schemas.microsoft.com/office/drawing/2014/main" xmlns="" w="9525">
                   <a:solidFill>
                     <a:srgbClr val="000000"/>
                   </a:solidFill>
@@ -19367,7 +19367,7 @@
             </a:ln>
             <a:extLst>
               <a:ext uri="{91240B29-F687-4f45-9708-019B960494DF}">
-                <a14:hiddenLine xmlns="" xmlns:a16="http://schemas.microsoft.com/office/drawing/2014/main" xmlns:p14="http://schemas.microsoft.com/office/powerpoint/2010/main" xmlns:a14="http://schemas.microsoft.com/office/drawing/2010/main" w="9525">
+                <a14:hiddenLine xmlns:a14="http://schemas.microsoft.com/office/drawing/2010/main" xmlns:p14="http://schemas.microsoft.com/office/powerpoint/2010/main" xmlns:a16="http://schemas.microsoft.com/office/drawing/2014/main" xmlns="" w="9525">
                   <a:solidFill>
                     <a:srgbClr val="000000"/>
                   </a:solidFill>
@@ -19444,7 +19444,7 @@
             </a:ln>
             <a:extLst>
               <a:ext uri="{91240B29-F687-4f45-9708-019B960494DF}">
-                <a14:hiddenLine xmlns="" xmlns:a16="http://schemas.microsoft.com/office/drawing/2014/main" xmlns:p14="http://schemas.microsoft.com/office/powerpoint/2010/main" xmlns:a14="http://schemas.microsoft.com/office/drawing/2010/main" w="9525">
+                <a14:hiddenLine xmlns:a14="http://schemas.microsoft.com/office/drawing/2010/main" xmlns:p14="http://schemas.microsoft.com/office/powerpoint/2010/main" xmlns:a16="http://schemas.microsoft.com/office/drawing/2014/main" xmlns="" w="9525">
                   <a:solidFill>
                     <a:srgbClr val="000000"/>
                   </a:solidFill>
@@ -19549,7 +19549,7 @@
             </a:ln>
             <a:extLst>
               <a:ext uri="{91240B29-F687-4f45-9708-019B960494DF}">
-                <a14:hiddenLine xmlns="" xmlns:a16="http://schemas.microsoft.com/office/drawing/2014/main" xmlns:p14="http://schemas.microsoft.com/office/powerpoint/2010/main" xmlns:a14="http://schemas.microsoft.com/office/drawing/2010/main" w="9525">
+                <a14:hiddenLine xmlns:a14="http://schemas.microsoft.com/office/drawing/2010/main" xmlns:p14="http://schemas.microsoft.com/office/powerpoint/2010/main" xmlns:a16="http://schemas.microsoft.com/office/drawing/2014/main" xmlns="" w="9525">
                   <a:solidFill>
                     <a:srgbClr val="000000"/>
                   </a:solidFill>
@@ -19626,7 +19626,7 @@
             </a:ln>
             <a:extLst>
               <a:ext uri="{91240B29-F687-4f45-9708-019B960494DF}">
-                <a14:hiddenLine xmlns="" xmlns:a16="http://schemas.microsoft.com/office/drawing/2014/main" xmlns:p14="http://schemas.microsoft.com/office/powerpoint/2010/main" xmlns:a14="http://schemas.microsoft.com/office/drawing/2010/main" w="9525">
+                <a14:hiddenLine xmlns:a14="http://schemas.microsoft.com/office/drawing/2010/main" xmlns:p14="http://schemas.microsoft.com/office/powerpoint/2010/main" xmlns:a16="http://schemas.microsoft.com/office/drawing/2014/main" xmlns="" w="9525">
                   <a:solidFill>
                     <a:srgbClr val="000000"/>
                   </a:solidFill>
@@ -19703,7 +19703,7 @@
             </a:ln>
             <a:extLst>
               <a:ext uri="{91240B29-F687-4f45-9708-019B960494DF}">
-                <a14:hiddenLine xmlns="" xmlns:a16="http://schemas.microsoft.com/office/drawing/2014/main" xmlns:p14="http://schemas.microsoft.com/office/powerpoint/2010/main" xmlns:a14="http://schemas.microsoft.com/office/drawing/2010/main" w="9525">
+                <a14:hiddenLine xmlns:a14="http://schemas.microsoft.com/office/drawing/2010/main" xmlns:p14="http://schemas.microsoft.com/office/powerpoint/2010/main" xmlns:a16="http://schemas.microsoft.com/office/drawing/2014/main" xmlns="" w="9525">
                   <a:solidFill>
                     <a:srgbClr val="000000"/>
                   </a:solidFill>
@@ -19808,7 +19808,7 @@
             </a:ln>
             <a:extLst>
               <a:ext uri="{91240B29-F687-4f45-9708-019B960494DF}">
-                <a14:hiddenLine xmlns="" xmlns:a16="http://schemas.microsoft.com/office/drawing/2014/main" xmlns:p14="http://schemas.microsoft.com/office/powerpoint/2010/main" xmlns:a14="http://schemas.microsoft.com/office/drawing/2010/main" w="9525">
+                <a14:hiddenLine xmlns:a14="http://schemas.microsoft.com/office/drawing/2010/main" xmlns:p14="http://schemas.microsoft.com/office/powerpoint/2010/main" xmlns:a16="http://schemas.microsoft.com/office/drawing/2014/main" xmlns="" w="9525">
                   <a:solidFill>
                     <a:srgbClr val="000000"/>
                   </a:solidFill>
@@ -19913,7 +19913,7 @@
             </a:ln>
             <a:extLst>
               <a:ext uri="{91240B29-F687-4f45-9708-019B960494DF}">
-                <a14:hiddenLine xmlns="" xmlns:a16="http://schemas.microsoft.com/office/drawing/2014/main" xmlns:p14="http://schemas.microsoft.com/office/powerpoint/2010/main" xmlns:a14="http://schemas.microsoft.com/office/drawing/2010/main" w="9525">
+                <a14:hiddenLine xmlns:a14="http://schemas.microsoft.com/office/drawing/2010/main" xmlns:p14="http://schemas.microsoft.com/office/powerpoint/2010/main" xmlns:a16="http://schemas.microsoft.com/office/drawing/2014/main" xmlns="" w="9525">
                   <a:solidFill>
                     <a:srgbClr val="000000"/>
                   </a:solidFill>
@@ -19990,7 +19990,7 @@
             </a:ln>
             <a:extLst>
               <a:ext uri="{91240B29-F687-4f45-9708-019B960494DF}">
-                <a14:hiddenLine xmlns="" xmlns:a16="http://schemas.microsoft.com/office/drawing/2014/main" xmlns:p14="http://schemas.microsoft.com/office/powerpoint/2010/main" xmlns:a14="http://schemas.microsoft.com/office/drawing/2010/main" w="9525">
+                <a14:hiddenLine xmlns:a14="http://schemas.microsoft.com/office/drawing/2010/main" xmlns:p14="http://schemas.microsoft.com/office/powerpoint/2010/main" xmlns:a16="http://schemas.microsoft.com/office/drawing/2014/main" xmlns="" w="9525">
                   <a:solidFill>
                     <a:srgbClr val="000000"/>
                   </a:solidFill>
@@ -20115,7 +20115,7 @@
             </a:ln>
             <a:extLst>
               <a:ext uri="{91240B29-F687-4f45-9708-019B960494DF}">
-                <a14:hiddenLine xmlns="" xmlns:a16="http://schemas.microsoft.com/office/drawing/2014/main" xmlns:p14="http://schemas.microsoft.com/office/powerpoint/2010/main" xmlns:a14="http://schemas.microsoft.com/office/drawing/2010/main" w="9525">
+                <a14:hiddenLine xmlns:a14="http://schemas.microsoft.com/office/drawing/2010/main" xmlns:p14="http://schemas.microsoft.com/office/powerpoint/2010/main" xmlns:a16="http://schemas.microsoft.com/office/drawing/2014/main" xmlns="" w="9525">
                   <a:solidFill>
                     <a:srgbClr val="000000"/>
                   </a:solidFill>
@@ -20229,7 +20229,7 @@
             </a:ln>
             <a:extLst>
               <a:ext uri="{91240B29-F687-4f45-9708-019B960494DF}">
-                <a14:hiddenLine xmlns="" xmlns:a16="http://schemas.microsoft.com/office/drawing/2014/main" xmlns:p14="http://schemas.microsoft.com/office/powerpoint/2010/main" xmlns:a14="http://schemas.microsoft.com/office/drawing/2010/main" w="9525">
+                <a14:hiddenLine xmlns:a14="http://schemas.microsoft.com/office/drawing/2010/main" xmlns:p14="http://schemas.microsoft.com/office/powerpoint/2010/main" xmlns:a16="http://schemas.microsoft.com/office/drawing/2014/main" xmlns="" w="9525">
                   <a:solidFill>
                     <a:srgbClr val="000000"/>
                   </a:solidFill>
@@ -20306,7 +20306,7 @@
             </a:ln>
             <a:extLst>
               <a:ext uri="{91240B29-F687-4f45-9708-019B960494DF}">
-                <a14:hiddenLine xmlns="" xmlns:a16="http://schemas.microsoft.com/office/drawing/2014/main" xmlns:p14="http://schemas.microsoft.com/office/powerpoint/2010/main" xmlns:a14="http://schemas.microsoft.com/office/drawing/2010/main" w="9525">
+                <a14:hiddenLine xmlns:a14="http://schemas.microsoft.com/office/drawing/2010/main" xmlns:p14="http://schemas.microsoft.com/office/powerpoint/2010/main" xmlns:a16="http://schemas.microsoft.com/office/drawing/2014/main" xmlns="" w="9525">
                   <a:solidFill>
                     <a:srgbClr val="000000"/>
                   </a:solidFill>
@@ -20383,7 +20383,7 @@
             </a:ln>
             <a:extLst>
               <a:ext uri="{91240B29-F687-4f45-9708-019B960494DF}">
-                <a14:hiddenLine xmlns="" xmlns:a16="http://schemas.microsoft.com/office/drawing/2014/main" xmlns:p14="http://schemas.microsoft.com/office/powerpoint/2010/main" xmlns:a14="http://schemas.microsoft.com/office/drawing/2010/main" w="9525">
+                <a14:hiddenLine xmlns:a14="http://schemas.microsoft.com/office/drawing/2010/main" xmlns:p14="http://schemas.microsoft.com/office/powerpoint/2010/main" xmlns:a16="http://schemas.microsoft.com/office/drawing/2014/main" xmlns="" w="9525">
                   <a:solidFill>
                     <a:srgbClr val="000000"/>
                   </a:solidFill>
@@ -20488,7 +20488,7 @@
             </a:ln>
             <a:extLst>
               <a:ext uri="{91240B29-F687-4f45-9708-019B960494DF}">
-                <a14:hiddenLine xmlns="" xmlns:a16="http://schemas.microsoft.com/office/drawing/2014/main" xmlns:p14="http://schemas.microsoft.com/office/powerpoint/2010/main" xmlns:a14="http://schemas.microsoft.com/office/drawing/2010/main" w="9525">
+                <a14:hiddenLine xmlns:a14="http://schemas.microsoft.com/office/drawing/2010/main" xmlns:p14="http://schemas.microsoft.com/office/powerpoint/2010/main" xmlns:a16="http://schemas.microsoft.com/office/drawing/2014/main" xmlns="" w="9525">
                   <a:solidFill>
                     <a:srgbClr val="000000"/>
                   </a:solidFill>
@@ -20537,7 +20537,7 @@
             </a:ln>
             <a:extLst>
               <a:ext uri="{91240B29-F687-4f45-9708-019B960494DF}">
-                <a14:hiddenLine xmlns="" xmlns:a16="http://schemas.microsoft.com/office/drawing/2014/main" xmlns:p14="http://schemas.microsoft.com/office/powerpoint/2010/main" xmlns:a14="http://schemas.microsoft.com/office/drawing/2010/main" w="9525">
+                <a14:hiddenLine xmlns:a14="http://schemas.microsoft.com/office/drawing/2010/main" xmlns:p14="http://schemas.microsoft.com/office/powerpoint/2010/main" xmlns:a16="http://schemas.microsoft.com/office/drawing/2014/main" xmlns="" w="9525">
                   <a:solidFill>
                     <a:srgbClr val="000000"/>
                   </a:solidFill>
@@ -20617,7 +20617,7 @@
             </a:ln>
             <a:extLst>
               <a:ext uri="{91240B29-F687-4f45-9708-019B960494DF}">
-                <a14:hiddenLine xmlns="" xmlns:a16="http://schemas.microsoft.com/office/drawing/2014/main" xmlns:p14="http://schemas.microsoft.com/office/powerpoint/2010/main" xmlns:a14="http://schemas.microsoft.com/office/drawing/2010/main" w="9525">
+                <a14:hiddenLine xmlns:a14="http://schemas.microsoft.com/office/drawing/2010/main" xmlns:p14="http://schemas.microsoft.com/office/powerpoint/2010/main" xmlns:a16="http://schemas.microsoft.com/office/drawing/2014/main" xmlns="" w="9525">
                   <a:solidFill>
                     <a:srgbClr val="000000"/>
                   </a:solidFill>
@@ -20722,7 +20722,7 @@
             </a:ln>
             <a:extLst>
               <a:ext uri="{91240B29-F687-4f45-9708-019B960494DF}">
-                <a14:hiddenLine xmlns="" xmlns:a16="http://schemas.microsoft.com/office/drawing/2014/main" xmlns:p14="http://schemas.microsoft.com/office/powerpoint/2010/main" xmlns:a14="http://schemas.microsoft.com/office/drawing/2010/main" w="9525">
+                <a14:hiddenLine xmlns:a14="http://schemas.microsoft.com/office/drawing/2010/main" xmlns:p14="http://schemas.microsoft.com/office/powerpoint/2010/main" xmlns:a16="http://schemas.microsoft.com/office/drawing/2014/main" xmlns="" w="9525">
                   <a:solidFill>
                     <a:srgbClr val="000000"/>
                   </a:solidFill>
@@ -20799,7 +20799,7 @@
             </a:ln>
             <a:extLst>
               <a:ext uri="{91240B29-F687-4f45-9708-019B960494DF}">
-                <a14:hiddenLine xmlns="" xmlns:a16="http://schemas.microsoft.com/office/drawing/2014/main" xmlns:p14="http://schemas.microsoft.com/office/powerpoint/2010/main" xmlns:a14="http://schemas.microsoft.com/office/drawing/2010/main" w="9525">
+                <a14:hiddenLine xmlns:a14="http://schemas.microsoft.com/office/drawing/2010/main" xmlns:p14="http://schemas.microsoft.com/office/powerpoint/2010/main" xmlns:a16="http://schemas.microsoft.com/office/drawing/2014/main" xmlns="" w="9525">
                   <a:solidFill>
                     <a:srgbClr val="000000"/>
                   </a:solidFill>
@@ -20904,7 +20904,7 @@
             </a:ln>
             <a:extLst>
               <a:ext uri="{91240B29-F687-4f45-9708-019B960494DF}">
-                <a14:hiddenLine xmlns="" xmlns:a16="http://schemas.microsoft.com/office/drawing/2014/main" xmlns:p14="http://schemas.microsoft.com/office/powerpoint/2010/main" xmlns:a14="http://schemas.microsoft.com/office/drawing/2010/main" w="9525">
+                <a14:hiddenLine xmlns:a14="http://schemas.microsoft.com/office/drawing/2010/main" xmlns:p14="http://schemas.microsoft.com/office/powerpoint/2010/main" xmlns:a16="http://schemas.microsoft.com/office/drawing/2014/main" xmlns="" w="9525">
                   <a:solidFill>
                     <a:srgbClr val="000000"/>
                   </a:solidFill>
@@ -20984,7 +20984,7 @@
             </a:ln>
             <a:extLst>
               <a:ext uri="{91240B29-F687-4f45-9708-019B960494DF}">
-                <a14:hiddenLine xmlns="" xmlns:a16="http://schemas.microsoft.com/office/drawing/2014/main" xmlns:p14="http://schemas.microsoft.com/office/powerpoint/2010/main" xmlns:a14="http://schemas.microsoft.com/office/drawing/2010/main" w="9525">
+                <a14:hiddenLine xmlns:a14="http://schemas.microsoft.com/office/drawing/2010/main" xmlns:p14="http://schemas.microsoft.com/office/powerpoint/2010/main" xmlns:a16="http://schemas.microsoft.com/office/drawing/2014/main" xmlns="" w="9525">
                   <a:solidFill>
                     <a:srgbClr val="000000"/>
                   </a:solidFill>
@@ -21061,7 +21061,7 @@
             </a:ln>
             <a:extLst>
               <a:ext uri="{91240B29-F687-4f45-9708-019B960494DF}">
-                <a14:hiddenLine xmlns="" xmlns:a16="http://schemas.microsoft.com/office/drawing/2014/main" xmlns:p14="http://schemas.microsoft.com/office/powerpoint/2010/main" xmlns:a14="http://schemas.microsoft.com/office/drawing/2010/main" w="9525">
+                <a14:hiddenLine xmlns:a14="http://schemas.microsoft.com/office/drawing/2010/main" xmlns:p14="http://schemas.microsoft.com/office/powerpoint/2010/main" xmlns:a16="http://schemas.microsoft.com/office/drawing/2014/main" xmlns="" w="9525">
                   <a:solidFill>
                     <a:srgbClr val="000000"/>
                   </a:solidFill>
@@ -21166,7 +21166,7 @@
             </a:ln>
             <a:extLst>
               <a:ext uri="{91240B29-F687-4f45-9708-019B960494DF}">
-                <a14:hiddenLine xmlns="" xmlns:a16="http://schemas.microsoft.com/office/drawing/2014/main" xmlns:p14="http://schemas.microsoft.com/office/powerpoint/2010/main" xmlns:a14="http://schemas.microsoft.com/office/drawing/2010/main" w="9525">
+                <a14:hiddenLine xmlns:a14="http://schemas.microsoft.com/office/drawing/2010/main" xmlns:p14="http://schemas.microsoft.com/office/powerpoint/2010/main" xmlns:a16="http://schemas.microsoft.com/office/drawing/2014/main" xmlns="" w="9525">
                   <a:solidFill>
                     <a:srgbClr val="000000"/>
                   </a:solidFill>
@@ -21271,7 +21271,7 @@
             </a:ln>
             <a:extLst>
               <a:ext uri="{91240B29-F687-4f45-9708-019B960494DF}">
-                <a14:hiddenLine xmlns="" xmlns:a16="http://schemas.microsoft.com/office/drawing/2014/main" xmlns:p14="http://schemas.microsoft.com/office/powerpoint/2010/main" xmlns:a14="http://schemas.microsoft.com/office/drawing/2010/main" w="9525">
+                <a14:hiddenLine xmlns:a14="http://schemas.microsoft.com/office/drawing/2010/main" xmlns:p14="http://schemas.microsoft.com/office/powerpoint/2010/main" xmlns:a16="http://schemas.microsoft.com/office/drawing/2014/main" xmlns="" w="9525">
                   <a:solidFill>
                     <a:srgbClr val="000000"/>
                   </a:solidFill>
@@ -21351,7 +21351,7 @@
             </a:ln>
             <a:extLst>
               <a:ext uri="{91240B29-F687-4f45-9708-019B960494DF}">
-                <a14:hiddenLine xmlns="" xmlns:a16="http://schemas.microsoft.com/office/drawing/2014/main" xmlns:p14="http://schemas.microsoft.com/office/powerpoint/2010/main" xmlns:a14="http://schemas.microsoft.com/office/drawing/2010/main" w="9525">
+                <a14:hiddenLine xmlns:a14="http://schemas.microsoft.com/office/drawing/2010/main" xmlns:p14="http://schemas.microsoft.com/office/powerpoint/2010/main" xmlns:a16="http://schemas.microsoft.com/office/drawing/2014/main" xmlns="" w="9525">
                   <a:solidFill>
                     <a:srgbClr val="000000"/>
                   </a:solidFill>
@@ -21486,7 +21486,7 @@
             </a:ln>
             <a:extLst>
               <a:ext uri="{91240B29-F687-4f45-9708-019B960494DF}">
-                <a14:hiddenLine xmlns="" xmlns:a16="http://schemas.microsoft.com/office/drawing/2014/main" xmlns:p14="http://schemas.microsoft.com/office/powerpoint/2010/main" xmlns:a14="http://schemas.microsoft.com/office/drawing/2010/main" w="9525">
+                <a14:hiddenLine xmlns:a14="http://schemas.microsoft.com/office/drawing/2010/main" xmlns:p14="http://schemas.microsoft.com/office/powerpoint/2010/main" xmlns:a16="http://schemas.microsoft.com/office/drawing/2014/main" xmlns="" w="9525">
                   <a:solidFill>
                     <a:srgbClr val="000000"/>
                   </a:solidFill>
@@ -21518,7 +21518,7 @@
         <p:spPr>
           <a:xfrm>
             <a:off x="1314450" y="2561129"/>
-            <a:ext cx="9905999" cy="2174874"/>
+            <a:ext cx="9905999" cy="3660284"/>
           </a:xfrm>
         </p:spPr>
         <p:txBody>
@@ -21534,6 +21534,28 @@
             <a:r>
               <a:rPr lang="it-IT" dirty="0"/>
               <a:t>Il Server parallelo risulta più efficiente a causa del minor tempo di accodamento.</a:t>
+            </a:r>
+          </a:p>
+          <a:p>
+            <a:r>
+              <a:rPr lang="it-IT" dirty="0"/>
+              <a:t>Ogni </a:t>
+            </a:r>
+            <a:r>
+              <a:rPr lang="it-IT" dirty="0" err="1"/>
+              <a:t>thread</a:t>
+            </a:r>
+            <a:r>
+              <a:rPr lang="it-IT" dirty="0"/>
+              <a:t> si occupa del trasferimento dell’intero direttorio scelto dal client, evitando quindi ulteriori operazioni di apertura/chiusura della </a:t>
+            </a:r>
+            <a:r>
+              <a:rPr lang="it-IT" dirty="0" err="1"/>
+              <a:t>socket</a:t>
+            </a:r>
+            <a:r>
+              <a:rPr lang="it-IT" dirty="0"/>
+              <a:t>.</a:t>
             </a:r>
           </a:p>
           <a:p>
@@ -21696,7 +21718,7 @@
           <a:noFill/>
           <a:extLst>
             <a:ext uri="{909E8E84-426E-40dd-AFC4-6F175D3DCCD1}">
-              <a14:hiddenFill xmlns:a14="http://schemas.microsoft.com/office/drawing/2010/main" xmlns:p14="http://schemas.microsoft.com/office/powerpoint/2010/main" xmlns:a16="http://schemas.microsoft.com/office/drawing/2014/main" xmlns="">
+              <a14:hiddenFill xmlns="" xmlns:a16="http://schemas.microsoft.com/office/drawing/2014/main" xmlns:p14="http://schemas.microsoft.com/office/powerpoint/2010/main" xmlns:a14="http://schemas.microsoft.com/office/drawing/2010/main">
                 <a:solidFill>
                   <a:srgbClr val="FFFFFF"/>
                 </a:solidFill>
@@ -21824,7 +21846,7 @@
             </a:ln>
             <a:extLst>
               <a:ext uri="{91240B29-F687-4f45-9708-019B960494DF}">
-                <a14:hiddenLine xmlns:a14="http://schemas.microsoft.com/office/drawing/2010/main" xmlns:p14="http://schemas.microsoft.com/office/powerpoint/2010/main" xmlns:a16="http://schemas.microsoft.com/office/drawing/2014/main" xmlns="" w="9525">
+                <a14:hiddenLine xmlns="" xmlns:a16="http://schemas.microsoft.com/office/drawing/2014/main" xmlns:p14="http://schemas.microsoft.com/office/powerpoint/2010/main" xmlns:a14="http://schemas.microsoft.com/office/drawing/2010/main" w="9525">
                   <a:solidFill>
                     <a:srgbClr val="000000"/>
                   </a:solidFill>
@@ -21929,7 +21951,7 @@
             </a:ln>
             <a:extLst>
               <a:ext uri="{91240B29-F687-4f45-9708-019B960494DF}">
-                <a14:hiddenLine xmlns:a14="http://schemas.microsoft.com/office/drawing/2010/main" xmlns:p14="http://schemas.microsoft.com/office/powerpoint/2010/main" xmlns:a16="http://schemas.microsoft.com/office/drawing/2014/main" xmlns="" w="9525">
+                <a14:hiddenLine xmlns="" xmlns:a16="http://schemas.microsoft.com/office/drawing/2014/main" xmlns:p14="http://schemas.microsoft.com/office/powerpoint/2010/main" xmlns:a14="http://schemas.microsoft.com/office/drawing/2010/main" w="9525">
                   <a:solidFill>
                     <a:srgbClr val="000000"/>
                   </a:solidFill>
@@ -22034,7 +22056,7 @@
             </a:ln>
             <a:extLst>
               <a:ext uri="{91240B29-F687-4f45-9708-019B960494DF}">
-                <a14:hiddenLine xmlns:a14="http://schemas.microsoft.com/office/drawing/2010/main" xmlns:p14="http://schemas.microsoft.com/office/powerpoint/2010/main" xmlns:a16="http://schemas.microsoft.com/office/drawing/2014/main" xmlns="" w="9525">
+                <a14:hiddenLine xmlns="" xmlns:a16="http://schemas.microsoft.com/office/drawing/2014/main" xmlns:p14="http://schemas.microsoft.com/office/powerpoint/2010/main" xmlns:a14="http://schemas.microsoft.com/office/drawing/2010/main" w="9525">
                   <a:solidFill>
                     <a:srgbClr val="000000"/>
                   </a:solidFill>
@@ -22111,7 +22133,7 @@
             </a:ln>
             <a:extLst>
               <a:ext uri="{91240B29-F687-4f45-9708-019B960494DF}">
-                <a14:hiddenLine xmlns:a14="http://schemas.microsoft.com/office/drawing/2010/main" xmlns:p14="http://schemas.microsoft.com/office/powerpoint/2010/main" xmlns:a16="http://schemas.microsoft.com/office/drawing/2014/main" xmlns="" w="9525">
+                <a14:hiddenLine xmlns="" xmlns:a16="http://schemas.microsoft.com/office/drawing/2014/main" xmlns:p14="http://schemas.microsoft.com/office/powerpoint/2010/main" xmlns:a14="http://schemas.microsoft.com/office/drawing/2010/main" w="9525">
                   <a:solidFill>
                     <a:srgbClr val="000000"/>
                   </a:solidFill>
@@ -22216,7 +22238,7 @@
             </a:ln>
             <a:extLst>
               <a:ext uri="{91240B29-F687-4f45-9708-019B960494DF}">
-                <a14:hiddenLine xmlns:a14="http://schemas.microsoft.com/office/drawing/2010/main" xmlns:p14="http://schemas.microsoft.com/office/powerpoint/2010/main" xmlns:a16="http://schemas.microsoft.com/office/drawing/2014/main" xmlns="" w="9525">
+                <a14:hiddenLine xmlns="" xmlns:a16="http://schemas.microsoft.com/office/drawing/2014/main" xmlns:p14="http://schemas.microsoft.com/office/powerpoint/2010/main" xmlns:a14="http://schemas.microsoft.com/office/drawing/2010/main" w="9525">
                   <a:solidFill>
                     <a:srgbClr val="000000"/>
                   </a:solidFill>
@@ -22293,7 +22315,7 @@
             </a:ln>
             <a:extLst>
               <a:ext uri="{91240B29-F687-4f45-9708-019B960494DF}">
-                <a14:hiddenLine xmlns:a14="http://schemas.microsoft.com/office/drawing/2010/main" xmlns:p14="http://schemas.microsoft.com/office/powerpoint/2010/main" xmlns:a16="http://schemas.microsoft.com/office/drawing/2014/main" xmlns="" w="9525">
+                <a14:hiddenLine xmlns="" xmlns:a16="http://schemas.microsoft.com/office/drawing/2014/main" xmlns:p14="http://schemas.microsoft.com/office/powerpoint/2010/main" xmlns:a14="http://schemas.microsoft.com/office/drawing/2010/main" w="9525">
                   <a:solidFill>
                     <a:srgbClr val="000000"/>
                   </a:solidFill>
@@ -22370,7 +22392,7 @@
             </a:ln>
             <a:extLst>
               <a:ext uri="{91240B29-F687-4f45-9708-019B960494DF}">
-                <a14:hiddenLine xmlns:a14="http://schemas.microsoft.com/office/drawing/2010/main" xmlns:p14="http://schemas.microsoft.com/office/powerpoint/2010/main" xmlns:a16="http://schemas.microsoft.com/office/drawing/2014/main" xmlns="" w="9525">
+                <a14:hiddenLine xmlns="" xmlns:a16="http://schemas.microsoft.com/office/drawing/2014/main" xmlns:p14="http://schemas.microsoft.com/office/powerpoint/2010/main" xmlns:a14="http://schemas.microsoft.com/office/drawing/2010/main" w="9525">
                   <a:solidFill>
                     <a:srgbClr val="000000"/>
                   </a:solidFill>
@@ -22475,7 +22497,7 @@
             </a:ln>
             <a:extLst>
               <a:ext uri="{91240B29-F687-4f45-9708-019B960494DF}">
-                <a14:hiddenLine xmlns:a14="http://schemas.microsoft.com/office/drawing/2010/main" xmlns:p14="http://schemas.microsoft.com/office/powerpoint/2010/main" xmlns:a16="http://schemas.microsoft.com/office/drawing/2014/main" xmlns="" w="9525">
+                <a14:hiddenLine xmlns="" xmlns:a16="http://schemas.microsoft.com/office/drawing/2014/main" xmlns:p14="http://schemas.microsoft.com/office/powerpoint/2010/main" xmlns:a14="http://schemas.microsoft.com/office/drawing/2010/main" w="9525">
                   <a:solidFill>
                     <a:srgbClr val="000000"/>
                   </a:solidFill>
@@ -22580,7 +22602,7 @@
             </a:ln>
             <a:extLst>
               <a:ext uri="{91240B29-F687-4f45-9708-019B960494DF}">
-                <a14:hiddenLine xmlns:a14="http://schemas.microsoft.com/office/drawing/2010/main" xmlns:p14="http://schemas.microsoft.com/office/powerpoint/2010/main" xmlns:a16="http://schemas.microsoft.com/office/drawing/2014/main" xmlns="" w="9525">
+                <a14:hiddenLine xmlns="" xmlns:a16="http://schemas.microsoft.com/office/drawing/2014/main" xmlns:p14="http://schemas.microsoft.com/office/powerpoint/2010/main" xmlns:a14="http://schemas.microsoft.com/office/drawing/2010/main" w="9525">
                   <a:solidFill>
                     <a:srgbClr val="000000"/>
                   </a:solidFill>
@@ -22657,7 +22679,7 @@
             </a:ln>
             <a:extLst>
               <a:ext uri="{91240B29-F687-4f45-9708-019B960494DF}">
-                <a14:hiddenLine xmlns:a14="http://schemas.microsoft.com/office/drawing/2010/main" xmlns:p14="http://schemas.microsoft.com/office/powerpoint/2010/main" xmlns:a16="http://schemas.microsoft.com/office/drawing/2014/main" xmlns="" w="9525">
+                <a14:hiddenLine xmlns="" xmlns:a16="http://schemas.microsoft.com/office/drawing/2014/main" xmlns:p14="http://schemas.microsoft.com/office/powerpoint/2010/main" xmlns:a14="http://schemas.microsoft.com/office/drawing/2010/main" w="9525">
                   <a:solidFill>
                     <a:srgbClr val="000000"/>
                   </a:solidFill>
@@ -22782,7 +22804,7 @@
             </a:ln>
             <a:extLst>
               <a:ext uri="{91240B29-F687-4f45-9708-019B960494DF}">
-                <a14:hiddenLine xmlns:a14="http://schemas.microsoft.com/office/drawing/2010/main" xmlns:p14="http://schemas.microsoft.com/office/powerpoint/2010/main" xmlns:a16="http://schemas.microsoft.com/office/drawing/2014/main" xmlns="" w="9525">
+                <a14:hiddenLine xmlns="" xmlns:a16="http://schemas.microsoft.com/office/drawing/2014/main" xmlns:p14="http://schemas.microsoft.com/office/powerpoint/2010/main" xmlns:a14="http://schemas.microsoft.com/office/drawing/2010/main" w="9525">
                   <a:solidFill>
                     <a:srgbClr val="000000"/>
                   </a:solidFill>
@@ -22896,7 +22918,7 @@
             </a:ln>
             <a:extLst>
               <a:ext uri="{91240B29-F687-4f45-9708-019B960494DF}">
-                <a14:hiddenLine xmlns:a14="http://schemas.microsoft.com/office/drawing/2010/main" xmlns:p14="http://schemas.microsoft.com/office/powerpoint/2010/main" xmlns:a16="http://schemas.microsoft.com/office/drawing/2014/main" xmlns="" w="9525">
+                <a14:hiddenLine xmlns="" xmlns:a16="http://schemas.microsoft.com/office/drawing/2014/main" xmlns:p14="http://schemas.microsoft.com/office/powerpoint/2010/main" xmlns:a14="http://schemas.microsoft.com/office/drawing/2010/main" w="9525">
                   <a:solidFill>
                     <a:srgbClr val="000000"/>
                   </a:solidFill>
@@ -22973,7 +22995,7 @@
             </a:ln>
             <a:extLst>
               <a:ext uri="{91240B29-F687-4f45-9708-019B960494DF}">
-                <a14:hiddenLine xmlns:a14="http://schemas.microsoft.com/office/drawing/2010/main" xmlns:p14="http://schemas.microsoft.com/office/powerpoint/2010/main" xmlns:a16="http://schemas.microsoft.com/office/drawing/2014/main" xmlns="" w="9525">
+                <a14:hiddenLine xmlns="" xmlns:a16="http://schemas.microsoft.com/office/drawing/2014/main" xmlns:p14="http://schemas.microsoft.com/office/powerpoint/2010/main" xmlns:a14="http://schemas.microsoft.com/office/drawing/2010/main" w="9525">
                   <a:solidFill>
                     <a:srgbClr val="000000"/>
                   </a:solidFill>
@@ -23050,7 +23072,7 @@
             </a:ln>
             <a:extLst>
               <a:ext uri="{91240B29-F687-4f45-9708-019B960494DF}">
-                <a14:hiddenLine xmlns:a14="http://schemas.microsoft.com/office/drawing/2010/main" xmlns:p14="http://schemas.microsoft.com/office/powerpoint/2010/main" xmlns:a16="http://schemas.microsoft.com/office/drawing/2014/main" xmlns="" w="9525">
+                <a14:hiddenLine xmlns="" xmlns:a16="http://schemas.microsoft.com/office/drawing/2014/main" xmlns:p14="http://schemas.microsoft.com/office/powerpoint/2010/main" xmlns:a14="http://schemas.microsoft.com/office/drawing/2010/main" w="9525">
                   <a:solidFill>
                     <a:srgbClr val="000000"/>
                   </a:solidFill>
@@ -23155,7 +23177,7 @@
             </a:ln>
             <a:extLst>
               <a:ext uri="{91240B29-F687-4f45-9708-019B960494DF}">
-                <a14:hiddenLine xmlns:a14="http://schemas.microsoft.com/office/drawing/2010/main" xmlns:p14="http://schemas.microsoft.com/office/powerpoint/2010/main" xmlns:a16="http://schemas.microsoft.com/office/drawing/2014/main" xmlns="" w="9525">
+                <a14:hiddenLine xmlns="" xmlns:a16="http://schemas.microsoft.com/office/drawing/2014/main" xmlns:p14="http://schemas.microsoft.com/office/powerpoint/2010/main" xmlns:a14="http://schemas.microsoft.com/office/drawing/2010/main" w="9525">
                   <a:solidFill>
                     <a:srgbClr val="000000"/>
                   </a:solidFill>
@@ -23204,7 +23226,7 @@
             </a:ln>
             <a:extLst>
               <a:ext uri="{91240B29-F687-4f45-9708-019B960494DF}">
-                <a14:hiddenLine xmlns:a14="http://schemas.microsoft.com/office/drawing/2010/main" xmlns:p14="http://schemas.microsoft.com/office/powerpoint/2010/main" xmlns:a16="http://schemas.microsoft.com/office/drawing/2014/main" xmlns="" w="9525">
+                <a14:hiddenLine xmlns="" xmlns:a16="http://schemas.microsoft.com/office/drawing/2014/main" xmlns:p14="http://schemas.microsoft.com/office/powerpoint/2010/main" xmlns:a14="http://schemas.microsoft.com/office/drawing/2010/main" w="9525">
                   <a:solidFill>
                     <a:srgbClr val="000000"/>
                   </a:solidFill>
@@ -23284,7 +23306,7 @@
             </a:ln>
             <a:extLst>
               <a:ext uri="{91240B29-F687-4f45-9708-019B960494DF}">
-                <a14:hiddenLine xmlns:a14="http://schemas.microsoft.com/office/drawing/2010/main" xmlns:p14="http://schemas.microsoft.com/office/powerpoint/2010/main" xmlns:a16="http://schemas.microsoft.com/office/drawing/2014/main" xmlns="" w="9525">
+                <a14:hiddenLine xmlns="" xmlns:a16="http://schemas.microsoft.com/office/drawing/2014/main" xmlns:p14="http://schemas.microsoft.com/office/powerpoint/2010/main" xmlns:a14="http://schemas.microsoft.com/office/drawing/2010/main" w="9525">
                   <a:solidFill>
                     <a:srgbClr val="000000"/>
                   </a:solidFill>
@@ -23389,7 +23411,7 @@
             </a:ln>
             <a:extLst>
               <a:ext uri="{91240B29-F687-4f45-9708-019B960494DF}">
-                <a14:hiddenLine xmlns:a14="http://schemas.microsoft.com/office/drawing/2010/main" xmlns:p14="http://schemas.microsoft.com/office/powerpoint/2010/main" xmlns:a16="http://schemas.microsoft.com/office/drawing/2014/main" xmlns="" w="9525">
+                <a14:hiddenLine xmlns="" xmlns:a16="http://schemas.microsoft.com/office/drawing/2014/main" xmlns:p14="http://schemas.microsoft.com/office/powerpoint/2010/main" xmlns:a14="http://schemas.microsoft.com/office/drawing/2010/main" w="9525">
                   <a:solidFill>
                     <a:srgbClr val="000000"/>
                   </a:solidFill>
@@ -23466,7 +23488,7 @@
             </a:ln>
             <a:extLst>
               <a:ext uri="{91240B29-F687-4f45-9708-019B960494DF}">
-                <a14:hiddenLine xmlns:a14="http://schemas.microsoft.com/office/drawing/2010/main" xmlns:p14="http://schemas.microsoft.com/office/powerpoint/2010/main" xmlns:a16="http://schemas.microsoft.com/office/drawing/2014/main" xmlns="" w="9525">
+                <a14:hiddenLine xmlns="" xmlns:a16="http://schemas.microsoft.com/office/drawing/2014/main" xmlns:p14="http://schemas.microsoft.com/office/powerpoint/2010/main" xmlns:a14="http://schemas.microsoft.com/office/drawing/2010/main" w="9525">
                   <a:solidFill>
                     <a:srgbClr val="000000"/>
                   </a:solidFill>
@@ -23571,7 +23593,7 @@
             </a:ln>
             <a:extLst>
               <a:ext uri="{91240B29-F687-4f45-9708-019B960494DF}">
-                <a14:hiddenLine xmlns:a14="http://schemas.microsoft.com/office/drawing/2010/main" xmlns:p14="http://schemas.microsoft.com/office/powerpoint/2010/main" xmlns:a16="http://schemas.microsoft.com/office/drawing/2014/main" xmlns="" w="9525">
+                <a14:hiddenLine xmlns="" xmlns:a16="http://schemas.microsoft.com/office/drawing/2014/main" xmlns:p14="http://schemas.microsoft.com/office/powerpoint/2010/main" xmlns:a14="http://schemas.microsoft.com/office/drawing/2010/main" w="9525">
                   <a:solidFill>
                     <a:srgbClr val="000000"/>
                   </a:solidFill>
@@ -23651,7 +23673,7 @@
             </a:ln>
             <a:extLst>
               <a:ext uri="{91240B29-F687-4f45-9708-019B960494DF}">
-                <a14:hiddenLine xmlns:a14="http://schemas.microsoft.com/office/drawing/2010/main" xmlns:p14="http://schemas.microsoft.com/office/powerpoint/2010/main" xmlns:a16="http://schemas.microsoft.com/office/drawing/2014/main" xmlns="" w="9525">
+                <a14:hiddenLine xmlns="" xmlns:a16="http://schemas.microsoft.com/office/drawing/2014/main" xmlns:p14="http://schemas.microsoft.com/office/powerpoint/2010/main" xmlns:a14="http://schemas.microsoft.com/office/drawing/2010/main" w="9525">
                   <a:solidFill>
                     <a:srgbClr val="000000"/>
                   </a:solidFill>
@@ -23728,7 +23750,7 @@
             </a:ln>
             <a:extLst>
               <a:ext uri="{91240B29-F687-4f45-9708-019B960494DF}">
-                <a14:hiddenLine xmlns:a14="http://schemas.microsoft.com/office/drawing/2010/main" xmlns:p14="http://schemas.microsoft.com/office/powerpoint/2010/main" xmlns:a16="http://schemas.microsoft.com/office/drawing/2014/main" xmlns="" w="9525">
+                <a14:hiddenLine xmlns="" xmlns:a16="http://schemas.microsoft.com/office/drawing/2014/main" xmlns:p14="http://schemas.microsoft.com/office/powerpoint/2010/main" xmlns:a14="http://schemas.microsoft.com/office/drawing/2010/main" w="9525">
                   <a:solidFill>
                     <a:srgbClr val="000000"/>
                   </a:solidFill>
@@ -23833,7 +23855,7 @@
             </a:ln>
             <a:extLst>
               <a:ext uri="{91240B29-F687-4f45-9708-019B960494DF}">
-                <a14:hiddenLine xmlns:a14="http://schemas.microsoft.com/office/drawing/2010/main" xmlns:p14="http://schemas.microsoft.com/office/powerpoint/2010/main" xmlns:a16="http://schemas.microsoft.com/office/drawing/2014/main" xmlns="" w="9525">
+                <a14:hiddenLine xmlns="" xmlns:a16="http://schemas.microsoft.com/office/drawing/2014/main" xmlns:p14="http://schemas.microsoft.com/office/powerpoint/2010/main" xmlns:a14="http://schemas.microsoft.com/office/drawing/2010/main" w="9525">
                   <a:solidFill>
                     <a:srgbClr val="000000"/>
                   </a:solidFill>
@@ -23938,7 +23960,7 @@
             </a:ln>
             <a:extLst>
               <a:ext uri="{91240B29-F687-4f45-9708-019B960494DF}">
-                <a14:hiddenLine xmlns:a14="http://schemas.microsoft.com/office/drawing/2010/main" xmlns:p14="http://schemas.microsoft.com/office/powerpoint/2010/main" xmlns:a16="http://schemas.microsoft.com/office/drawing/2014/main" xmlns="" w="9525">
+                <a14:hiddenLine xmlns="" xmlns:a16="http://schemas.microsoft.com/office/drawing/2014/main" xmlns:p14="http://schemas.microsoft.com/office/powerpoint/2010/main" xmlns:a14="http://schemas.microsoft.com/office/drawing/2010/main" w="9525">
                   <a:solidFill>
                     <a:srgbClr val="000000"/>
                   </a:solidFill>
@@ -24018,7 +24040,7 @@
             </a:ln>
             <a:extLst>
               <a:ext uri="{91240B29-F687-4f45-9708-019B960494DF}">
-                <a14:hiddenLine xmlns:a14="http://schemas.microsoft.com/office/drawing/2010/main" xmlns:p14="http://schemas.microsoft.com/office/powerpoint/2010/main" xmlns:a16="http://schemas.microsoft.com/office/drawing/2014/main" xmlns="" w="9525">
+                <a14:hiddenLine xmlns="" xmlns:a16="http://schemas.microsoft.com/office/drawing/2014/main" xmlns:p14="http://schemas.microsoft.com/office/powerpoint/2010/main" xmlns:a14="http://schemas.microsoft.com/office/drawing/2010/main" w="9525">
                   <a:solidFill>
                     <a:srgbClr val="000000"/>
                   </a:solidFill>
@@ -24153,7 +24175,7 @@
             </a:ln>
             <a:extLst>
               <a:ext uri="{91240B29-F687-4f45-9708-019B960494DF}">
-                <a14:hiddenLine xmlns:a14="http://schemas.microsoft.com/office/drawing/2010/main" xmlns:p14="http://schemas.microsoft.com/office/powerpoint/2010/main" xmlns:a16="http://schemas.microsoft.com/office/drawing/2014/main" xmlns="" w="9525">
+                <a14:hiddenLine xmlns="" xmlns:a16="http://schemas.microsoft.com/office/drawing/2014/main" xmlns:p14="http://schemas.microsoft.com/office/powerpoint/2010/main" xmlns:a14="http://schemas.microsoft.com/office/drawing/2010/main" w="9525">
                   <a:solidFill>
                     <a:srgbClr val="000000"/>
                   </a:solidFill>
@@ -24403,7 +24425,7 @@
           <a:noFill/>
           <a:extLst>
             <a:ext uri="{909E8E84-426E-40dd-AFC4-6F175D3DCCD1}">
-              <a14:hiddenFill xmlns="" xmlns:a16="http://schemas.microsoft.com/office/drawing/2014/main" xmlns:p14="http://schemas.microsoft.com/office/powerpoint/2010/main" xmlns:a14="http://schemas.microsoft.com/office/drawing/2010/main">
+              <a14:hiddenFill xmlns:a14="http://schemas.microsoft.com/office/drawing/2010/main" xmlns:p14="http://schemas.microsoft.com/office/powerpoint/2010/main" xmlns:a16="http://schemas.microsoft.com/office/drawing/2014/main" xmlns="">
                 <a:solidFill>
                   <a:srgbClr val="FFFFFF"/>
                 </a:solidFill>
@@ -24539,7 +24561,7 @@
             </a:ln>
             <a:extLst>
               <a:ext uri="{91240B29-F687-4f45-9708-019B960494DF}">
-                <a14:hiddenLine xmlns="" xmlns:a16="http://schemas.microsoft.com/office/drawing/2014/main" xmlns:p14="http://schemas.microsoft.com/office/powerpoint/2010/main" xmlns:a14="http://schemas.microsoft.com/office/drawing/2010/main" w="9525">
+                <a14:hiddenLine xmlns:a14="http://schemas.microsoft.com/office/drawing/2010/main" xmlns:p14="http://schemas.microsoft.com/office/powerpoint/2010/main" xmlns:a16="http://schemas.microsoft.com/office/drawing/2014/main" xmlns="" w="9525">
                   <a:solidFill>
                     <a:srgbClr val="000000"/>
                   </a:solidFill>
@@ -24644,7 +24666,7 @@
             </a:ln>
             <a:extLst>
               <a:ext uri="{91240B29-F687-4f45-9708-019B960494DF}">
-                <a14:hiddenLine xmlns="" xmlns:a16="http://schemas.microsoft.com/office/drawing/2014/main" xmlns:p14="http://schemas.microsoft.com/office/powerpoint/2010/main" xmlns:a14="http://schemas.microsoft.com/office/drawing/2010/main" w="9525">
+                <a14:hiddenLine xmlns:a14="http://schemas.microsoft.com/office/drawing/2010/main" xmlns:p14="http://schemas.microsoft.com/office/powerpoint/2010/main" xmlns:a16="http://schemas.microsoft.com/office/drawing/2014/main" xmlns="" w="9525">
                   <a:solidFill>
                     <a:srgbClr val="000000"/>
                   </a:solidFill>
@@ -24749,7 +24771,7 @@
             </a:ln>
             <a:extLst>
               <a:ext uri="{91240B29-F687-4f45-9708-019B960494DF}">
-                <a14:hiddenLine xmlns="" xmlns:a16="http://schemas.microsoft.com/office/drawing/2014/main" xmlns:p14="http://schemas.microsoft.com/office/powerpoint/2010/main" xmlns:a14="http://schemas.microsoft.com/office/drawing/2010/main" w="9525">
+                <a14:hiddenLine xmlns:a14="http://schemas.microsoft.com/office/drawing/2010/main" xmlns:p14="http://schemas.microsoft.com/office/powerpoint/2010/main" xmlns:a16="http://schemas.microsoft.com/office/drawing/2014/main" xmlns="" w="9525">
                   <a:solidFill>
                     <a:srgbClr val="000000"/>
                   </a:solidFill>
@@ -24826,7 +24848,7 @@
             </a:ln>
             <a:extLst>
               <a:ext uri="{91240B29-F687-4f45-9708-019B960494DF}">
-                <a14:hiddenLine xmlns="" xmlns:a16="http://schemas.microsoft.com/office/drawing/2014/main" xmlns:p14="http://schemas.microsoft.com/office/powerpoint/2010/main" xmlns:a14="http://schemas.microsoft.com/office/drawing/2010/main" w="9525">
+                <a14:hiddenLine xmlns:a14="http://schemas.microsoft.com/office/drawing/2010/main" xmlns:p14="http://schemas.microsoft.com/office/powerpoint/2010/main" xmlns:a16="http://schemas.microsoft.com/office/drawing/2014/main" xmlns="" w="9525">
                   <a:solidFill>
                     <a:srgbClr val="000000"/>
                   </a:solidFill>
@@ -24931,7 +24953,7 @@
             </a:ln>
             <a:extLst>
               <a:ext uri="{91240B29-F687-4f45-9708-019B960494DF}">
-                <a14:hiddenLine xmlns="" xmlns:a16="http://schemas.microsoft.com/office/drawing/2014/main" xmlns:p14="http://schemas.microsoft.com/office/powerpoint/2010/main" xmlns:a14="http://schemas.microsoft.com/office/drawing/2010/main" w="9525">
+                <a14:hiddenLine xmlns:a14="http://schemas.microsoft.com/office/drawing/2010/main" xmlns:p14="http://schemas.microsoft.com/office/powerpoint/2010/main" xmlns:a16="http://schemas.microsoft.com/office/drawing/2014/main" xmlns="" w="9525">
                   <a:solidFill>
                     <a:srgbClr val="000000"/>
                   </a:solidFill>
@@ -25008,7 +25030,7 @@
             </a:ln>
             <a:extLst>
               <a:ext uri="{91240B29-F687-4f45-9708-019B960494DF}">
-                <a14:hiddenLine xmlns="" xmlns:a16="http://schemas.microsoft.com/office/drawing/2014/main" xmlns:p14="http://schemas.microsoft.com/office/powerpoint/2010/main" xmlns:a14="http://schemas.microsoft.com/office/drawing/2010/main" w="9525">
+                <a14:hiddenLine xmlns:a14="http://schemas.microsoft.com/office/drawing/2010/main" xmlns:p14="http://schemas.microsoft.com/office/powerpoint/2010/main" xmlns:a16="http://schemas.microsoft.com/office/drawing/2014/main" xmlns="" w="9525">
                   <a:solidFill>
                     <a:srgbClr val="000000"/>
                   </a:solidFill>
@@ -25085,7 +25107,7 @@
             </a:ln>
             <a:extLst>
               <a:ext uri="{91240B29-F687-4f45-9708-019B960494DF}">
-                <a14:hiddenLine xmlns="" xmlns:a16="http://schemas.microsoft.com/office/drawing/2014/main" xmlns:p14="http://schemas.microsoft.com/office/powerpoint/2010/main" xmlns:a14="http://schemas.microsoft.com/office/drawing/2010/main" w="9525">
+                <a14:hiddenLine xmlns:a14="http://schemas.microsoft.com/office/drawing/2010/main" xmlns:p14="http://schemas.microsoft.com/office/powerpoint/2010/main" xmlns:a16="http://schemas.microsoft.com/office/drawing/2014/main" xmlns="" w="9525">
                   <a:solidFill>
                     <a:srgbClr val="000000"/>
                   </a:solidFill>
@@ -25190,7 +25212,7 @@
             </a:ln>
             <a:extLst>
               <a:ext uri="{91240B29-F687-4f45-9708-019B960494DF}">
-                <a14:hiddenLine xmlns="" xmlns:a16="http://schemas.microsoft.com/office/drawing/2014/main" xmlns:p14="http://schemas.microsoft.com/office/powerpoint/2010/main" xmlns:a14="http://schemas.microsoft.com/office/drawing/2010/main" w="9525">
+                <a14:hiddenLine xmlns:a14="http://schemas.microsoft.com/office/drawing/2010/main" xmlns:p14="http://schemas.microsoft.com/office/powerpoint/2010/main" xmlns:a16="http://schemas.microsoft.com/office/drawing/2014/main" xmlns="" w="9525">
                   <a:solidFill>
                     <a:srgbClr val="000000"/>
                   </a:solidFill>
@@ -25295,7 +25317,7 @@
             </a:ln>
             <a:extLst>
               <a:ext uri="{91240B29-F687-4f45-9708-019B960494DF}">
-                <a14:hiddenLine xmlns="" xmlns:a16="http://schemas.microsoft.com/office/drawing/2014/main" xmlns:p14="http://schemas.microsoft.com/office/powerpoint/2010/main" xmlns:a14="http://schemas.microsoft.com/office/drawing/2010/main" w="9525">
+                <a14:hiddenLine xmlns:a14="http://schemas.microsoft.com/office/drawing/2010/main" xmlns:p14="http://schemas.microsoft.com/office/powerpoint/2010/main" xmlns:a16="http://schemas.microsoft.com/office/drawing/2014/main" xmlns="" w="9525">
                   <a:solidFill>
                     <a:srgbClr val="000000"/>
                   </a:solidFill>
@@ -25372,7 +25394,7 @@
             </a:ln>
             <a:extLst>
               <a:ext uri="{91240B29-F687-4f45-9708-019B960494DF}">
-                <a14:hiddenLine xmlns="" xmlns:a16="http://schemas.microsoft.com/office/drawing/2014/main" xmlns:p14="http://schemas.microsoft.com/office/powerpoint/2010/main" xmlns:a14="http://schemas.microsoft.com/office/drawing/2010/main" w="9525">
+                <a14:hiddenLine xmlns:a14="http://schemas.microsoft.com/office/drawing/2010/main" xmlns:p14="http://schemas.microsoft.com/office/powerpoint/2010/main" xmlns:a16="http://schemas.microsoft.com/office/drawing/2014/main" xmlns="" w="9525">
                   <a:solidFill>
                     <a:srgbClr val="000000"/>
                   </a:solidFill>
@@ -25497,7 +25519,7 @@
             </a:ln>
             <a:extLst>
               <a:ext uri="{91240B29-F687-4f45-9708-019B960494DF}">
-                <a14:hiddenLine xmlns="" xmlns:a16="http://schemas.microsoft.com/office/drawing/2014/main" xmlns:p14="http://schemas.microsoft.com/office/powerpoint/2010/main" xmlns:a14="http://schemas.microsoft.com/office/drawing/2010/main" w="9525">
+                <a14:hiddenLine xmlns:a14="http://schemas.microsoft.com/office/drawing/2010/main" xmlns:p14="http://schemas.microsoft.com/office/powerpoint/2010/main" xmlns:a16="http://schemas.microsoft.com/office/drawing/2014/main" xmlns="" w="9525">
                   <a:solidFill>
                     <a:srgbClr val="000000"/>
                   </a:solidFill>
@@ -25611,7 +25633,7 @@
             </a:ln>
             <a:extLst>
               <a:ext uri="{91240B29-F687-4f45-9708-019B960494DF}">
-                <a14:hiddenLine xmlns="" xmlns:a16="http://schemas.microsoft.com/office/drawing/2014/main" xmlns:p14="http://schemas.microsoft.com/office/powerpoint/2010/main" xmlns:a14="http://schemas.microsoft.com/office/drawing/2010/main" w="9525">
+                <a14:hiddenLine xmlns:a14="http://schemas.microsoft.com/office/drawing/2010/main" xmlns:p14="http://schemas.microsoft.com/office/powerpoint/2010/main" xmlns:a16="http://schemas.microsoft.com/office/drawing/2014/main" xmlns="" w="9525">
                   <a:solidFill>
                     <a:srgbClr val="000000"/>
                   </a:solidFill>
@@ -25688,7 +25710,7 @@
             </a:ln>
             <a:extLst>
               <a:ext uri="{91240B29-F687-4f45-9708-019B960494DF}">
-                <a14:hiddenLine xmlns="" xmlns:a16="http://schemas.microsoft.com/office/drawing/2014/main" xmlns:p14="http://schemas.microsoft.com/office/powerpoint/2010/main" xmlns:a14="http://schemas.microsoft.com/office/drawing/2010/main" w="9525">
+                <a14:hiddenLine xmlns:a14="http://schemas.microsoft.com/office/drawing/2010/main" xmlns:p14="http://schemas.microsoft.com/office/powerpoint/2010/main" xmlns:a16="http://schemas.microsoft.com/office/drawing/2014/main" xmlns="" w="9525">
                   <a:solidFill>
                     <a:srgbClr val="000000"/>
                   </a:solidFill>
@@ -25765,7 +25787,7 @@
             </a:ln>
             <a:extLst>
               <a:ext uri="{91240B29-F687-4f45-9708-019B960494DF}">
-                <a14:hiddenLine xmlns="" xmlns:a16="http://schemas.microsoft.com/office/drawing/2014/main" xmlns:p14="http://schemas.microsoft.com/office/powerpoint/2010/main" xmlns:a14="http://schemas.microsoft.com/office/drawing/2010/main" w="9525">
+                <a14:hiddenLine xmlns:a14="http://schemas.microsoft.com/office/drawing/2010/main" xmlns:p14="http://schemas.microsoft.com/office/powerpoint/2010/main" xmlns:a16="http://schemas.microsoft.com/office/drawing/2014/main" xmlns="" w="9525">
                   <a:solidFill>
                     <a:srgbClr val="000000"/>
                   </a:solidFill>
@@ -25870,7 +25892,7 @@
             </a:ln>
             <a:extLst>
               <a:ext uri="{91240B29-F687-4f45-9708-019B960494DF}">
-                <a14:hiddenLine xmlns="" xmlns:a16="http://schemas.microsoft.com/office/drawing/2014/main" xmlns:p14="http://schemas.microsoft.com/office/powerpoint/2010/main" xmlns:a14="http://schemas.microsoft.com/office/drawing/2010/main" w="9525">
+                <a14:hiddenLine xmlns:a14="http://schemas.microsoft.com/office/drawing/2010/main" xmlns:p14="http://schemas.microsoft.com/office/powerpoint/2010/main" xmlns:a16="http://schemas.microsoft.com/office/drawing/2014/main" xmlns="" w="9525">
                   <a:solidFill>
                     <a:srgbClr val="000000"/>
                   </a:solidFill>
@@ -25919,7 +25941,7 @@
             </a:ln>
             <a:extLst>
               <a:ext uri="{91240B29-F687-4f45-9708-019B960494DF}">
-                <a14:hiddenLine xmlns="" xmlns:a16="http://schemas.microsoft.com/office/drawing/2014/main" xmlns:p14="http://schemas.microsoft.com/office/powerpoint/2010/main" xmlns:a14="http://schemas.microsoft.com/office/drawing/2010/main" w="9525">
+                <a14:hiddenLine xmlns:a14="http://schemas.microsoft.com/office/drawing/2010/main" xmlns:p14="http://schemas.microsoft.com/office/powerpoint/2010/main" xmlns:a16="http://schemas.microsoft.com/office/drawing/2014/main" xmlns="" w="9525">
                   <a:solidFill>
                     <a:srgbClr val="000000"/>
                   </a:solidFill>
@@ -25999,7 +26021,7 @@
             </a:ln>
             <a:extLst>
               <a:ext uri="{91240B29-F687-4f45-9708-019B960494DF}">
-                <a14:hiddenLine xmlns="" xmlns:a16="http://schemas.microsoft.com/office/drawing/2014/main" xmlns:p14="http://schemas.microsoft.com/office/powerpoint/2010/main" xmlns:a14="http://schemas.microsoft.com/office/drawing/2010/main" w="9525">
+                <a14:hiddenLine xmlns:a14="http://schemas.microsoft.com/office/drawing/2010/main" xmlns:p14="http://schemas.microsoft.com/office/powerpoint/2010/main" xmlns:a16="http://schemas.microsoft.com/office/drawing/2014/main" xmlns="" w="9525">
                   <a:solidFill>
                     <a:srgbClr val="000000"/>
                   </a:solidFill>
@@ -26104,7 +26126,7 @@
             </a:ln>
             <a:extLst>
               <a:ext uri="{91240B29-F687-4f45-9708-019B960494DF}">
-                <a14:hiddenLine xmlns="" xmlns:a16="http://schemas.microsoft.com/office/drawing/2014/main" xmlns:p14="http://schemas.microsoft.com/office/powerpoint/2010/main" xmlns:a14="http://schemas.microsoft.com/office/drawing/2010/main" w="9525">
+                <a14:hiddenLine xmlns:a14="http://schemas.microsoft.com/office/drawing/2010/main" xmlns:p14="http://schemas.microsoft.com/office/powerpoint/2010/main" xmlns:a16="http://schemas.microsoft.com/office/drawing/2014/main" xmlns="" w="9525">
                   <a:solidFill>
                     <a:srgbClr val="000000"/>
                   </a:solidFill>
@@ -26181,7 +26203,7 @@
             </a:ln>
             <a:extLst>
               <a:ext uri="{91240B29-F687-4f45-9708-019B960494DF}">
-                <a14:hiddenLine xmlns="" xmlns:a16="http://schemas.microsoft.com/office/drawing/2014/main" xmlns:p14="http://schemas.microsoft.com/office/powerpoint/2010/main" xmlns:a14="http://schemas.microsoft.com/office/drawing/2010/main" w="9525">
+                <a14:hiddenLine xmlns:a14="http://schemas.microsoft.com/office/drawing/2010/main" xmlns:p14="http://schemas.microsoft.com/office/powerpoint/2010/main" xmlns:a16="http://schemas.microsoft.com/office/drawing/2014/main" xmlns="" w="9525">
                   <a:solidFill>
                     <a:srgbClr val="000000"/>
                   </a:solidFill>
@@ -26286,7 +26308,7 @@
             </a:ln>
             <a:extLst>
               <a:ext uri="{91240B29-F687-4f45-9708-019B960494DF}">
-                <a14:hiddenLine xmlns="" xmlns:a16="http://schemas.microsoft.com/office/drawing/2014/main" xmlns:p14="http://schemas.microsoft.com/office/powerpoint/2010/main" xmlns:a14="http://schemas.microsoft.com/office/drawing/2010/main" w="9525">
+                <a14:hiddenLine xmlns:a14="http://schemas.microsoft.com/office/drawing/2010/main" xmlns:p14="http://schemas.microsoft.com/office/powerpoint/2010/main" xmlns:a16="http://schemas.microsoft.com/office/drawing/2014/main" xmlns="" w="9525">
                   <a:solidFill>
                     <a:srgbClr val="000000"/>
                   </a:solidFill>
@@ -26366,7 +26388,7 @@
             </a:ln>
             <a:extLst>
               <a:ext uri="{91240B29-F687-4f45-9708-019B960494DF}">
-                <a14:hiddenLine xmlns="" xmlns:a16="http://schemas.microsoft.com/office/drawing/2014/main" xmlns:p14="http://schemas.microsoft.com/office/powerpoint/2010/main" xmlns:a14="http://schemas.microsoft.com/office/drawing/2010/main" w="9525">
+                <a14:hiddenLine xmlns:a14="http://schemas.microsoft.com/office/drawing/2010/main" xmlns:p14="http://schemas.microsoft.com/office/powerpoint/2010/main" xmlns:a16="http://schemas.microsoft.com/office/drawing/2014/main" xmlns="" w="9525">
                   <a:solidFill>
                     <a:srgbClr val="000000"/>
                   </a:solidFill>
@@ -26443,7 +26465,7 @@
             </a:ln>
             <a:extLst>
               <a:ext uri="{91240B29-F687-4f45-9708-019B960494DF}">
-                <a14:hiddenLine xmlns="" xmlns:a16="http://schemas.microsoft.com/office/drawing/2014/main" xmlns:p14="http://schemas.microsoft.com/office/powerpoint/2010/main" xmlns:a14="http://schemas.microsoft.com/office/drawing/2010/main" w="9525">
+                <a14:hiddenLine xmlns:a14="http://schemas.microsoft.com/office/drawing/2010/main" xmlns:p14="http://schemas.microsoft.com/office/powerpoint/2010/main" xmlns:a16="http://schemas.microsoft.com/office/drawing/2014/main" xmlns="" w="9525">
                   <a:solidFill>
                     <a:srgbClr val="000000"/>
                   </a:solidFill>
@@ -26548,7 +26570,7 @@
             </a:ln>
             <a:extLst>
               <a:ext uri="{91240B29-F687-4f45-9708-019B960494DF}">
-                <a14:hiddenLine xmlns="" xmlns:a16="http://schemas.microsoft.com/office/drawing/2014/main" xmlns:p14="http://schemas.microsoft.com/office/powerpoint/2010/main" xmlns:a14="http://schemas.microsoft.com/office/drawing/2010/main" w="9525">
+                <a14:hiddenLine xmlns:a14="http://schemas.microsoft.com/office/drawing/2010/main" xmlns:p14="http://schemas.microsoft.com/office/powerpoint/2010/main" xmlns:a16="http://schemas.microsoft.com/office/drawing/2014/main" xmlns="" w="9525">
                   <a:solidFill>
                     <a:srgbClr val="000000"/>
                   </a:solidFill>
@@ -26653,7 +26675,7 @@
             </a:ln>
             <a:extLst>
               <a:ext uri="{91240B29-F687-4f45-9708-019B960494DF}">
-                <a14:hiddenLine xmlns="" xmlns:a16="http://schemas.microsoft.com/office/drawing/2014/main" xmlns:p14="http://schemas.microsoft.com/office/powerpoint/2010/main" xmlns:a14="http://schemas.microsoft.com/office/drawing/2010/main" w="9525">
+                <a14:hiddenLine xmlns:a14="http://schemas.microsoft.com/office/drawing/2010/main" xmlns:p14="http://schemas.microsoft.com/office/powerpoint/2010/main" xmlns:a16="http://schemas.microsoft.com/office/drawing/2014/main" xmlns="" w="9525">
                   <a:solidFill>
                     <a:srgbClr val="000000"/>
                   </a:solidFill>
@@ -26733,7 +26755,7 @@
             </a:ln>
             <a:extLst>
               <a:ext uri="{91240B29-F687-4f45-9708-019B960494DF}">
-                <a14:hiddenLine xmlns="" xmlns:a16="http://schemas.microsoft.com/office/drawing/2014/main" xmlns:p14="http://schemas.microsoft.com/office/powerpoint/2010/main" xmlns:a14="http://schemas.microsoft.com/office/drawing/2010/main" w="9525">
+                <a14:hiddenLine xmlns:a14="http://schemas.microsoft.com/office/drawing/2010/main" xmlns:p14="http://schemas.microsoft.com/office/powerpoint/2010/main" xmlns:a16="http://schemas.microsoft.com/office/drawing/2014/main" xmlns="" w="9525">
                   <a:solidFill>
                     <a:srgbClr val="000000"/>
                   </a:solidFill>
@@ -26868,7 +26890,7 @@
             </a:ln>
             <a:extLst>
               <a:ext uri="{91240B29-F687-4f45-9708-019B960494DF}">
-                <a14:hiddenLine xmlns="" xmlns:a16="http://schemas.microsoft.com/office/drawing/2014/main" xmlns:p14="http://schemas.microsoft.com/office/powerpoint/2010/main" xmlns:a14="http://schemas.microsoft.com/office/drawing/2010/main" w="9525">
+                <a14:hiddenLine xmlns:a14="http://schemas.microsoft.com/office/drawing/2010/main" xmlns:p14="http://schemas.microsoft.com/office/powerpoint/2010/main" xmlns:a16="http://schemas.microsoft.com/office/drawing/2014/main" xmlns="" w="9525">
                   <a:solidFill>
                     <a:srgbClr val="000000"/>
                   </a:solidFill>
@@ -27081,7 +27103,7 @@
           <a:noFill/>
           <a:extLst>
             <a:ext uri="{909E8E84-426E-40dd-AFC4-6F175D3DCCD1}">
-              <a14:hiddenFill xmlns:a14="http://schemas.microsoft.com/office/drawing/2010/main" xmlns:p14="http://schemas.microsoft.com/office/powerpoint/2010/main" xmlns:a16="http://schemas.microsoft.com/office/drawing/2014/main" xmlns="">
+              <a14:hiddenFill xmlns="" xmlns:a16="http://schemas.microsoft.com/office/drawing/2014/main" xmlns:p14="http://schemas.microsoft.com/office/powerpoint/2010/main" xmlns:a14="http://schemas.microsoft.com/office/drawing/2010/main">
                 <a:solidFill>
                   <a:srgbClr val="FFFFFF"/>
                 </a:solidFill>
@@ -27209,7 +27231,7 @@
             </a:ln>
             <a:extLst>
               <a:ext uri="{91240B29-F687-4f45-9708-019B960494DF}">
-                <a14:hiddenLine xmlns:a14="http://schemas.microsoft.com/office/drawing/2010/main" xmlns:p14="http://schemas.microsoft.com/office/powerpoint/2010/main" xmlns:a16="http://schemas.microsoft.com/office/drawing/2014/main" xmlns="" w="9525">
+                <a14:hiddenLine xmlns="" xmlns:a16="http://schemas.microsoft.com/office/drawing/2014/main" xmlns:p14="http://schemas.microsoft.com/office/powerpoint/2010/main" xmlns:a14="http://schemas.microsoft.com/office/drawing/2010/main" w="9525">
                   <a:solidFill>
                     <a:srgbClr val="000000"/>
                   </a:solidFill>
@@ -27314,7 +27336,7 @@
             </a:ln>
             <a:extLst>
               <a:ext uri="{91240B29-F687-4f45-9708-019B960494DF}">
-                <a14:hiddenLine xmlns:a14="http://schemas.microsoft.com/office/drawing/2010/main" xmlns:p14="http://schemas.microsoft.com/office/powerpoint/2010/main" xmlns:a16="http://schemas.microsoft.com/office/drawing/2014/main" xmlns="" w="9525">
+                <a14:hiddenLine xmlns="" xmlns:a16="http://schemas.microsoft.com/office/drawing/2014/main" xmlns:p14="http://schemas.microsoft.com/office/powerpoint/2010/main" xmlns:a14="http://schemas.microsoft.com/office/drawing/2010/main" w="9525">
                   <a:solidFill>
                     <a:srgbClr val="000000"/>
                   </a:solidFill>
@@ -27419,7 +27441,7 @@
             </a:ln>
             <a:extLst>
               <a:ext uri="{91240B29-F687-4f45-9708-019B960494DF}">
-                <a14:hiddenLine xmlns:a14="http://schemas.microsoft.com/office/drawing/2010/main" xmlns:p14="http://schemas.microsoft.com/office/powerpoint/2010/main" xmlns:a16="http://schemas.microsoft.com/office/drawing/2014/main" xmlns="" w="9525">
+                <a14:hiddenLine xmlns="" xmlns:a16="http://schemas.microsoft.com/office/drawing/2014/main" xmlns:p14="http://schemas.microsoft.com/office/powerpoint/2010/main" xmlns:a14="http://schemas.microsoft.com/office/drawing/2010/main" w="9525">
                   <a:solidFill>
                     <a:srgbClr val="000000"/>
                   </a:solidFill>
@@ -27496,7 +27518,7 @@
             </a:ln>
             <a:extLst>
               <a:ext uri="{91240B29-F687-4f45-9708-019B960494DF}">
-                <a14:hiddenLine xmlns:a14="http://schemas.microsoft.com/office/drawing/2010/main" xmlns:p14="http://schemas.microsoft.com/office/powerpoint/2010/main" xmlns:a16="http://schemas.microsoft.com/office/drawing/2014/main" xmlns="" w="9525">
+                <a14:hiddenLine xmlns="" xmlns:a16="http://schemas.microsoft.com/office/drawing/2014/main" xmlns:p14="http://schemas.microsoft.com/office/powerpoint/2010/main" xmlns:a14="http://schemas.microsoft.com/office/drawing/2010/main" w="9525">
                   <a:solidFill>
                     <a:srgbClr val="000000"/>
                   </a:solidFill>
@@ -27601,7 +27623,7 @@
             </a:ln>
             <a:extLst>
               <a:ext uri="{91240B29-F687-4f45-9708-019B960494DF}">
-                <a14:hiddenLine xmlns:a14="http://schemas.microsoft.com/office/drawing/2010/main" xmlns:p14="http://schemas.microsoft.com/office/powerpoint/2010/main" xmlns:a16="http://schemas.microsoft.com/office/drawing/2014/main" xmlns="" w="9525">
+                <a14:hiddenLine xmlns="" xmlns:a16="http://schemas.microsoft.com/office/drawing/2014/main" xmlns:p14="http://schemas.microsoft.com/office/powerpoint/2010/main" xmlns:a14="http://schemas.microsoft.com/office/drawing/2010/main" w="9525">
                   <a:solidFill>
                     <a:srgbClr val="000000"/>
                   </a:solidFill>
@@ -27678,7 +27700,7 @@
             </a:ln>
             <a:extLst>
               <a:ext uri="{91240B29-F687-4f45-9708-019B960494DF}">
-                <a14:hiddenLine xmlns:a14="http://schemas.microsoft.com/office/drawing/2010/main" xmlns:p14="http://schemas.microsoft.com/office/powerpoint/2010/main" xmlns:a16="http://schemas.microsoft.com/office/drawing/2014/main" xmlns="" w="9525">
+                <a14:hiddenLine xmlns="" xmlns:a16="http://schemas.microsoft.com/office/drawing/2014/main" xmlns:p14="http://schemas.microsoft.com/office/powerpoint/2010/main" xmlns:a14="http://schemas.microsoft.com/office/drawing/2010/main" w="9525">
                   <a:solidFill>
                     <a:srgbClr val="000000"/>
                   </a:solidFill>
@@ -27755,7 +27777,7 @@
             </a:ln>
             <a:extLst>
               <a:ext uri="{91240B29-F687-4f45-9708-019B960494DF}">
-                <a14:hiddenLine xmlns:a14="http://schemas.microsoft.com/office/drawing/2010/main" xmlns:p14="http://schemas.microsoft.com/office/powerpoint/2010/main" xmlns:a16="http://schemas.microsoft.com/office/drawing/2014/main" xmlns="" w="9525">
+                <a14:hiddenLine xmlns="" xmlns:a16="http://schemas.microsoft.com/office/drawing/2014/main" xmlns:p14="http://schemas.microsoft.com/office/powerpoint/2010/main" xmlns:a14="http://schemas.microsoft.com/office/drawing/2010/main" w="9525">
                   <a:solidFill>
                     <a:srgbClr val="000000"/>
                   </a:solidFill>
@@ -27860,7 +27882,7 @@
             </a:ln>
             <a:extLst>
               <a:ext uri="{91240B29-F687-4f45-9708-019B960494DF}">
-                <a14:hiddenLine xmlns:a14="http://schemas.microsoft.com/office/drawing/2010/main" xmlns:p14="http://schemas.microsoft.com/office/powerpoint/2010/main" xmlns:a16="http://schemas.microsoft.com/office/drawing/2014/main" xmlns="" w="9525">
+                <a14:hiddenLine xmlns="" xmlns:a16="http://schemas.microsoft.com/office/drawing/2014/main" xmlns:p14="http://schemas.microsoft.com/office/powerpoint/2010/main" xmlns:a14="http://schemas.microsoft.com/office/drawing/2010/main" w="9525">
                   <a:solidFill>
                     <a:srgbClr val="000000"/>
                   </a:solidFill>
@@ -27965,7 +27987,7 @@
             </a:ln>
             <a:extLst>
               <a:ext uri="{91240B29-F687-4f45-9708-019B960494DF}">
-                <a14:hiddenLine xmlns:a14="http://schemas.microsoft.com/office/drawing/2010/main" xmlns:p14="http://schemas.microsoft.com/office/powerpoint/2010/main" xmlns:a16="http://schemas.microsoft.com/office/drawing/2014/main" xmlns="" w="9525">
+                <a14:hiddenLine xmlns="" xmlns:a16="http://schemas.microsoft.com/office/drawing/2014/main" xmlns:p14="http://schemas.microsoft.com/office/powerpoint/2010/main" xmlns:a14="http://schemas.microsoft.com/office/drawing/2010/main" w="9525">
                   <a:solidFill>
                     <a:srgbClr val="000000"/>
                   </a:solidFill>
@@ -28042,7 +28064,7 @@
             </a:ln>
             <a:extLst>
               <a:ext uri="{91240B29-F687-4f45-9708-019B960494DF}">
-                <a14:hiddenLine xmlns:a14="http://schemas.microsoft.com/office/drawing/2010/main" xmlns:p14="http://schemas.microsoft.com/office/powerpoint/2010/main" xmlns:a16="http://schemas.microsoft.com/office/drawing/2014/main" xmlns="" w="9525">
+                <a14:hiddenLine xmlns="" xmlns:a16="http://schemas.microsoft.com/office/drawing/2014/main" xmlns:p14="http://schemas.microsoft.com/office/powerpoint/2010/main" xmlns:a14="http://schemas.microsoft.com/office/drawing/2010/main" w="9525">
                   <a:solidFill>
                     <a:srgbClr val="000000"/>
                   </a:solidFill>
@@ -28167,7 +28189,7 @@
             </a:ln>
             <a:extLst>
               <a:ext uri="{91240B29-F687-4f45-9708-019B960494DF}">
-                <a14:hiddenLine xmlns:a14="http://schemas.microsoft.com/office/drawing/2010/main" xmlns:p14="http://schemas.microsoft.com/office/powerpoint/2010/main" xmlns:a16="http://schemas.microsoft.com/office/drawing/2014/main" xmlns="" w="9525">
+                <a14:hiddenLine xmlns="" xmlns:a16="http://schemas.microsoft.com/office/drawing/2014/main" xmlns:p14="http://schemas.microsoft.com/office/powerpoint/2010/main" xmlns:a14="http://schemas.microsoft.com/office/drawing/2010/main" w="9525">
                   <a:solidFill>
                     <a:srgbClr val="000000"/>
                   </a:solidFill>
@@ -28281,7 +28303,7 @@
             </a:ln>
             <a:extLst>
               <a:ext uri="{91240B29-F687-4f45-9708-019B960494DF}">
-                <a14:hiddenLine xmlns:a14="http://schemas.microsoft.com/office/drawing/2010/main" xmlns:p14="http://schemas.microsoft.com/office/powerpoint/2010/main" xmlns:a16="http://schemas.microsoft.com/office/drawing/2014/main" xmlns="" w="9525">
+                <a14:hiddenLine xmlns="" xmlns:a16="http://schemas.microsoft.com/office/drawing/2014/main" xmlns:p14="http://schemas.microsoft.com/office/powerpoint/2010/main" xmlns:a14="http://schemas.microsoft.com/office/drawing/2010/main" w="9525">
                   <a:solidFill>
                     <a:srgbClr val="000000"/>
                   </a:solidFill>
@@ -28358,7 +28380,7 @@
             </a:ln>
             <a:extLst>
               <a:ext uri="{91240B29-F687-4f45-9708-019B960494DF}">
-                <a14:hiddenLine xmlns:a14="http://schemas.microsoft.com/office/drawing/2010/main" xmlns:p14="http://schemas.microsoft.com/office/powerpoint/2010/main" xmlns:a16="http://schemas.microsoft.com/office/drawing/2014/main" xmlns="" w="9525">
+                <a14:hiddenLine xmlns="" xmlns:a16="http://schemas.microsoft.com/office/drawing/2014/main" xmlns:p14="http://schemas.microsoft.com/office/powerpoint/2010/main" xmlns:a14="http://schemas.microsoft.com/office/drawing/2010/main" w="9525">
                   <a:solidFill>
                     <a:srgbClr val="000000"/>
                   </a:solidFill>
@@ -28435,7 +28457,7 @@
             </a:ln>
             <a:extLst>
               <a:ext uri="{91240B29-F687-4f45-9708-019B960494DF}">
-                <a14:hiddenLine xmlns:a14="http://schemas.microsoft.com/office/drawing/2010/main" xmlns:p14="http://schemas.microsoft.com/office/powerpoint/2010/main" xmlns:a16="http://schemas.microsoft.com/office/drawing/2014/main" xmlns="" w="9525">
+                <a14:hiddenLine xmlns="" xmlns:a16="http://schemas.microsoft.com/office/drawing/2014/main" xmlns:p14="http://schemas.microsoft.com/office/powerpoint/2010/main" xmlns:a14="http://schemas.microsoft.com/office/drawing/2010/main" w="9525">
                   <a:solidFill>
                     <a:srgbClr val="000000"/>
                   </a:solidFill>
@@ -28540,7 +28562,7 @@
             </a:ln>
             <a:extLst>
               <a:ext uri="{91240B29-F687-4f45-9708-019B960494DF}">
-                <a14:hiddenLine xmlns:a14="http://schemas.microsoft.com/office/drawing/2010/main" xmlns:p14="http://schemas.microsoft.com/office/powerpoint/2010/main" xmlns:a16="http://schemas.microsoft.com/office/drawing/2014/main" xmlns="" w="9525">
+                <a14:hiddenLine xmlns="" xmlns:a16="http://schemas.microsoft.com/office/drawing/2014/main" xmlns:p14="http://schemas.microsoft.com/office/powerpoint/2010/main" xmlns:a14="http://schemas.microsoft.com/office/drawing/2010/main" w="9525">
                   <a:solidFill>
                     <a:srgbClr val="000000"/>
                   </a:solidFill>
@@ -28589,7 +28611,7 @@
             </a:ln>
             <a:extLst>
               <a:ext uri="{91240B29-F687-4f45-9708-019B960494DF}">
-                <a14:hiddenLine xmlns:a14="http://schemas.microsoft.com/office/drawing/2010/main" xmlns:p14="http://schemas.microsoft.com/office/powerpoint/2010/main" xmlns:a16="http://schemas.microsoft.com/office/drawing/2014/main" xmlns="" w="9525">
+                <a14:hiddenLine xmlns="" xmlns:a16="http://schemas.microsoft.com/office/drawing/2014/main" xmlns:p14="http://schemas.microsoft.com/office/powerpoint/2010/main" xmlns:a14="http://schemas.microsoft.com/office/drawing/2010/main" w="9525">
                   <a:solidFill>
                     <a:srgbClr val="000000"/>
                   </a:solidFill>
@@ -28669,7 +28691,7 @@
             </a:ln>
             <a:extLst>
               <a:ext uri="{91240B29-F687-4f45-9708-019B960494DF}">
-                <a14:hiddenLine xmlns:a14="http://schemas.microsoft.com/office/drawing/2010/main" xmlns:p14="http://schemas.microsoft.com/office/powerpoint/2010/main" xmlns:a16="http://schemas.microsoft.com/office/drawing/2014/main" xmlns="" w="9525">
+                <a14:hiddenLine xmlns="" xmlns:a16="http://schemas.microsoft.com/office/drawing/2014/main" xmlns:p14="http://schemas.microsoft.com/office/powerpoint/2010/main" xmlns:a14="http://schemas.microsoft.com/office/drawing/2010/main" w="9525">
                   <a:solidFill>
                     <a:srgbClr val="000000"/>
                   </a:solidFill>
@@ -28774,7 +28796,7 @@
             </a:ln>
             <a:extLst>
               <a:ext uri="{91240B29-F687-4f45-9708-019B960494DF}">
-                <a14:hiddenLine xmlns:a14="http://schemas.microsoft.com/office/drawing/2010/main" xmlns:p14="http://schemas.microsoft.com/office/powerpoint/2010/main" xmlns:a16="http://schemas.microsoft.com/office/drawing/2014/main" xmlns="" w="9525">
+                <a14:hiddenLine xmlns="" xmlns:a16="http://schemas.microsoft.com/office/drawing/2014/main" xmlns:p14="http://schemas.microsoft.com/office/powerpoint/2010/main" xmlns:a14="http://schemas.microsoft.com/office/drawing/2010/main" w="9525">
                   <a:solidFill>
                     <a:srgbClr val="000000"/>
                   </a:solidFill>
@@ -28851,7 +28873,7 @@
             </a:ln>
             <a:extLst>
               <a:ext uri="{91240B29-F687-4f45-9708-019B960494DF}">
-                <a14:hiddenLine xmlns:a14="http://schemas.microsoft.com/office/drawing/2010/main" xmlns:p14="http://schemas.microsoft.com/office/powerpoint/2010/main" xmlns:a16="http://schemas.microsoft.com/office/drawing/2014/main" xmlns="" w="9525">
+                <a14:hiddenLine xmlns="" xmlns:a16="http://schemas.microsoft.com/office/drawing/2014/main" xmlns:p14="http://schemas.microsoft.com/office/powerpoint/2010/main" xmlns:a14="http://schemas.microsoft.com/office/drawing/2010/main" w="9525">
                   <a:solidFill>
                     <a:srgbClr val="000000"/>
                   </a:solidFill>
@@ -28956,7 +28978,7 @@
             </a:ln>
             <a:extLst>
               <a:ext uri="{91240B29-F687-4f45-9708-019B960494DF}">
-                <a14:hiddenLine xmlns:a14="http://schemas.microsoft.com/office/drawing/2010/main" xmlns:p14="http://schemas.microsoft.com/office/powerpoint/2010/main" xmlns:a16="http://schemas.microsoft.com/office/drawing/2014/main" xmlns="" w="9525">
+                <a14:hiddenLine xmlns="" xmlns:a16="http://schemas.microsoft.com/office/drawing/2014/main" xmlns:p14="http://schemas.microsoft.com/office/powerpoint/2010/main" xmlns:a14="http://schemas.microsoft.com/office/drawing/2010/main" w="9525">
                   <a:solidFill>
                     <a:srgbClr val="000000"/>
                   </a:solidFill>
@@ -29036,7 +29058,7 @@
             </a:ln>
             <a:extLst>
               <a:ext uri="{91240B29-F687-4f45-9708-019B960494DF}">
-                <a14:hiddenLine xmlns:a14="http://schemas.microsoft.com/office/drawing/2010/main" xmlns:p14="http://schemas.microsoft.com/office/powerpoint/2010/main" xmlns:a16="http://schemas.microsoft.com/office/drawing/2014/main" xmlns="" w="9525">
+                <a14:hiddenLine xmlns="" xmlns:a16="http://schemas.microsoft.com/office/drawing/2014/main" xmlns:p14="http://schemas.microsoft.com/office/powerpoint/2010/main" xmlns:a14="http://schemas.microsoft.com/office/drawing/2010/main" w="9525">
                   <a:solidFill>
                     <a:srgbClr val="000000"/>
                   </a:solidFill>
@@ -29113,7 +29135,7 @@
             </a:ln>
             <a:extLst>
               <a:ext uri="{91240B29-F687-4f45-9708-019B960494DF}">
-                <a14:hiddenLine xmlns:a14="http://schemas.microsoft.com/office/drawing/2010/main" xmlns:p14="http://schemas.microsoft.com/office/powerpoint/2010/main" xmlns:a16="http://schemas.microsoft.com/office/drawing/2014/main" xmlns="" w="9525">
+                <a14:hiddenLine xmlns="" xmlns:a16="http://schemas.microsoft.com/office/drawing/2014/main" xmlns:p14="http://schemas.microsoft.com/office/powerpoint/2010/main" xmlns:a14="http://schemas.microsoft.com/office/drawing/2010/main" w="9525">
                   <a:solidFill>
                     <a:srgbClr val="000000"/>
                   </a:solidFill>
@@ -29218,7 +29240,7 @@
             </a:ln>
             <a:extLst>
               <a:ext uri="{91240B29-F687-4f45-9708-019B960494DF}">
-                <a14:hiddenLine xmlns:a14="http://schemas.microsoft.com/office/drawing/2010/main" xmlns:p14="http://schemas.microsoft.com/office/powerpoint/2010/main" xmlns:a16="http://schemas.microsoft.com/office/drawing/2014/main" xmlns="" w="9525">
+                <a14:hiddenLine xmlns="" xmlns:a16="http://schemas.microsoft.com/office/drawing/2014/main" xmlns:p14="http://schemas.microsoft.com/office/powerpoint/2010/main" xmlns:a14="http://schemas.microsoft.com/office/drawing/2010/main" w="9525">
                   <a:solidFill>
                     <a:srgbClr val="000000"/>
                   </a:solidFill>
@@ -29323,7 +29345,7 @@
             </a:ln>
             <a:extLst>
               <a:ext uri="{91240B29-F687-4f45-9708-019B960494DF}">
-                <a14:hiddenLine xmlns:a14="http://schemas.microsoft.com/office/drawing/2010/main" xmlns:p14="http://schemas.microsoft.com/office/powerpoint/2010/main" xmlns:a16="http://schemas.microsoft.com/office/drawing/2014/main" xmlns="" w="9525">
+                <a14:hiddenLine xmlns="" xmlns:a16="http://schemas.microsoft.com/office/drawing/2014/main" xmlns:p14="http://schemas.microsoft.com/office/powerpoint/2010/main" xmlns:a14="http://schemas.microsoft.com/office/drawing/2010/main" w="9525">
                   <a:solidFill>
                     <a:srgbClr val="000000"/>
                   </a:solidFill>
@@ -29403,7 +29425,7 @@
             </a:ln>
             <a:extLst>
               <a:ext uri="{91240B29-F687-4f45-9708-019B960494DF}">
-                <a14:hiddenLine xmlns:a14="http://schemas.microsoft.com/office/drawing/2010/main" xmlns:p14="http://schemas.microsoft.com/office/powerpoint/2010/main" xmlns:a16="http://schemas.microsoft.com/office/drawing/2014/main" xmlns="" w="9525">
+                <a14:hiddenLine xmlns="" xmlns:a16="http://schemas.microsoft.com/office/drawing/2014/main" xmlns:p14="http://schemas.microsoft.com/office/powerpoint/2010/main" xmlns:a14="http://schemas.microsoft.com/office/drawing/2010/main" w="9525">
                   <a:solidFill>
                     <a:srgbClr val="000000"/>
                   </a:solidFill>
@@ -29538,7 +29560,7 @@
             </a:ln>
             <a:extLst>
               <a:ext uri="{91240B29-F687-4f45-9708-019B960494DF}">
-                <a14:hiddenLine xmlns:a14="http://schemas.microsoft.com/office/drawing/2010/main" xmlns:p14="http://schemas.microsoft.com/office/powerpoint/2010/main" xmlns:a16="http://schemas.microsoft.com/office/drawing/2014/main" xmlns="" w="9525">
+                <a14:hiddenLine xmlns="" xmlns:a16="http://schemas.microsoft.com/office/drawing/2014/main" xmlns:p14="http://schemas.microsoft.com/office/powerpoint/2010/main" xmlns:a14="http://schemas.microsoft.com/office/drawing/2010/main" w="9525">
                   <a:solidFill>
                     <a:srgbClr val="000000"/>
                   </a:solidFill>
@@ -29785,7 +29807,7 @@
           <a:noFill/>
           <a:extLst>
             <a:ext uri="{909E8E84-426E-40dd-AFC4-6F175D3DCCD1}">
-              <a14:hiddenFill xmlns="" xmlns:a16="http://schemas.microsoft.com/office/drawing/2014/main" xmlns:p14="http://schemas.microsoft.com/office/powerpoint/2010/main" xmlns:a14="http://schemas.microsoft.com/office/drawing/2010/main">
+              <a14:hiddenFill xmlns:a14="http://schemas.microsoft.com/office/drawing/2010/main" xmlns:p14="http://schemas.microsoft.com/office/powerpoint/2010/main" xmlns:a16="http://schemas.microsoft.com/office/drawing/2014/main" xmlns="">
                 <a:solidFill>
                   <a:srgbClr val="FFFFFF"/>
                 </a:solidFill>
@@ -29913,7 +29935,7 @@
             </a:ln>
             <a:extLst>
               <a:ext uri="{91240B29-F687-4f45-9708-019B960494DF}">
-                <a14:hiddenLine xmlns="" xmlns:a16="http://schemas.microsoft.com/office/drawing/2014/main" xmlns:p14="http://schemas.microsoft.com/office/powerpoint/2010/main" xmlns:a14="http://schemas.microsoft.com/office/drawing/2010/main" w="9525">
+                <a14:hiddenLine xmlns:a14="http://schemas.microsoft.com/office/drawing/2010/main" xmlns:p14="http://schemas.microsoft.com/office/powerpoint/2010/main" xmlns:a16="http://schemas.microsoft.com/office/drawing/2014/main" xmlns="" w="9525">
                   <a:solidFill>
                     <a:srgbClr val="000000"/>
                   </a:solidFill>
@@ -30018,7 +30040,7 @@
             </a:ln>
             <a:extLst>
               <a:ext uri="{91240B29-F687-4f45-9708-019B960494DF}">
-                <a14:hiddenLine xmlns="" xmlns:a16="http://schemas.microsoft.com/office/drawing/2014/main" xmlns:p14="http://schemas.microsoft.com/office/powerpoint/2010/main" xmlns:a14="http://schemas.microsoft.com/office/drawing/2010/main" w="9525">
+                <a14:hiddenLine xmlns:a14="http://schemas.microsoft.com/office/drawing/2010/main" xmlns:p14="http://schemas.microsoft.com/office/powerpoint/2010/main" xmlns:a16="http://schemas.microsoft.com/office/drawing/2014/main" xmlns="" w="9525">
                   <a:solidFill>
                     <a:srgbClr val="000000"/>
                   </a:solidFill>
@@ -30123,7 +30145,7 @@
             </a:ln>
             <a:extLst>
               <a:ext uri="{91240B29-F687-4f45-9708-019B960494DF}">
-                <a14:hiddenLine xmlns="" xmlns:a16="http://schemas.microsoft.com/office/drawing/2014/main" xmlns:p14="http://schemas.microsoft.com/office/powerpoint/2010/main" xmlns:a14="http://schemas.microsoft.com/office/drawing/2010/main" w="9525">
+                <a14:hiddenLine xmlns:a14="http://schemas.microsoft.com/office/drawing/2010/main" xmlns:p14="http://schemas.microsoft.com/office/powerpoint/2010/main" xmlns:a16="http://schemas.microsoft.com/office/drawing/2014/main" xmlns="" w="9525">
                   <a:solidFill>
                     <a:srgbClr val="000000"/>
                   </a:solidFill>
@@ -30200,7 +30222,7 @@
             </a:ln>
             <a:extLst>
               <a:ext uri="{91240B29-F687-4f45-9708-019B960494DF}">
-                <a14:hiddenLine xmlns="" xmlns:a16="http://schemas.microsoft.com/office/drawing/2014/main" xmlns:p14="http://schemas.microsoft.com/office/powerpoint/2010/main" xmlns:a14="http://schemas.microsoft.com/office/drawing/2010/main" w="9525">
+                <a14:hiddenLine xmlns:a14="http://schemas.microsoft.com/office/drawing/2010/main" xmlns:p14="http://schemas.microsoft.com/office/powerpoint/2010/main" xmlns:a16="http://schemas.microsoft.com/office/drawing/2014/main" xmlns="" w="9525">
                   <a:solidFill>
                     <a:srgbClr val="000000"/>
                   </a:solidFill>
@@ -30305,7 +30327,7 @@
             </a:ln>
             <a:extLst>
               <a:ext uri="{91240B29-F687-4f45-9708-019B960494DF}">
-                <a14:hiddenLine xmlns="" xmlns:a16="http://schemas.microsoft.com/office/drawing/2014/main" xmlns:p14="http://schemas.microsoft.com/office/powerpoint/2010/main" xmlns:a14="http://schemas.microsoft.com/office/drawing/2010/main" w="9525">
+                <a14:hiddenLine xmlns:a14="http://schemas.microsoft.com/office/drawing/2010/main" xmlns:p14="http://schemas.microsoft.com/office/powerpoint/2010/main" xmlns:a16="http://schemas.microsoft.com/office/drawing/2014/main" xmlns="" w="9525">
                   <a:solidFill>
                     <a:srgbClr val="000000"/>
                   </a:solidFill>
@@ -30382,7 +30404,7 @@
             </a:ln>
             <a:extLst>
               <a:ext uri="{91240B29-F687-4f45-9708-019B960494DF}">
-                <a14:hiddenLine xmlns="" xmlns:a16="http://schemas.microsoft.com/office/drawing/2014/main" xmlns:p14="http://schemas.microsoft.com/office/powerpoint/2010/main" xmlns:a14="http://schemas.microsoft.com/office/drawing/2010/main" w="9525">
+                <a14:hiddenLine xmlns:a14="http://schemas.microsoft.com/office/drawing/2010/main" xmlns:p14="http://schemas.microsoft.com/office/powerpoint/2010/main" xmlns:a16="http://schemas.microsoft.com/office/drawing/2014/main" xmlns="" w="9525">
                   <a:solidFill>
                     <a:srgbClr val="000000"/>
                   </a:solidFill>
@@ -30459,7 +30481,7 @@
             </a:ln>
             <a:extLst>
               <a:ext uri="{91240B29-F687-4f45-9708-019B960494DF}">
-                <a14:hiddenLine xmlns="" xmlns:a16="http://schemas.microsoft.com/office/drawing/2014/main" xmlns:p14="http://schemas.microsoft.com/office/powerpoint/2010/main" xmlns:a14="http://schemas.microsoft.com/office/drawing/2010/main" w="9525">
+                <a14:hiddenLine xmlns:a14="http://schemas.microsoft.com/office/drawing/2010/main" xmlns:p14="http://schemas.microsoft.com/office/powerpoint/2010/main" xmlns:a16="http://schemas.microsoft.com/office/drawing/2014/main" xmlns="" w="9525">
                   <a:solidFill>
                     <a:srgbClr val="000000"/>
                   </a:solidFill>
@@ -30564,7 +30586,7 @@
             </a:ln>
             <a:extLst>
               <a:ext uri="{91240B29-F687-4f45-9708-019B960494DF}">
-                <a14:hiddenLine xmlns="" xmlns:a16="http://schemas.microsoft.com/office/drawing/2014/main" xmlns:p14="http://schemas.microsoft.com/office/powerpoint/2010/main" xmlns:a14="http://schemas.microsoft.com/office/drawing/2010/main" w="9525">
+                <a14:hiddenLine xmlns:a14="http://schemas.microsoft.com/office/drawing/2010/main" xmlns:p14="http://schemas.microsoft.com/office/powerpoint/2010/main" xmlns:a16="http://schemas.microsoft.com/office/drawing/2014/main" xmlns="" w="9525">
                   <a:solidFill>
                     <a:srgbClr val="000000"/>
                   </a:solidFill>
@@ -30669,7 +30691,7 @@
             </a:ln>
             <a:extLst>
               <a:ext uri="{91240B29-F687-4f45-9708-019B960494DF}">
-                <a14:hiddenLine xmlns="" xmlns:a16="http://schemas.microsoft.com/office/drawing/2014/main" xmlns:p14="http://schemas.microsoft.com/office/powerpoint/2010/main" xmlns:a14="http://schemas.microsoft.com/office/drawing/2010/main" w="9525">
+                <a14:hiddenLine xmlns:a14="http://schemas.microsoft.com/office/drawing/2010/main" xmlns:p14="http://schemas.microsoft.com/office/powerpoint/2010/main" xmlns:a16="http://schemas.microsoft.com/office/drawing/2014/main" xmlns="" w="9525">
                   <a:solidFill>
                     <a:srgbClr val="000000"/>
                   </a:solidFill>
@@ -30746,7 +30768,7 @@
             </a:ln>
             <a:extLst>
               <a:ext uri="{91240B29-F687-4f45-9708-019B960494DF}">
-                <a14:hiddenLine xmlns="" xmlns:a16="http://schemas.microsoft.com/office/drawing/2014/main" xmlns:p14="http://schemas.microsoft.com/office/powerpoint/2010/main" xmlns:a14="http://schemas.microsoft.com/office/drawing/2010/main" w="9525">
+                <a14:hiddenLine xmlns:a14="http://schemas.microsoft.com/office/drawing/2010/main" xmlns:p14="http://schemas.microsoft.com/office/powerpoint/2010/main" xmlns:a16="http://schemas.microsoft.com/office/drawing/2014/main" xmlns="" w="9525">
                   <a:solidFill>
                     <a:srgbClr val="000000"/>
                   </a:solidFill>
@@ -30871,7 +30893,7 @@
             </a:ln>
             <a:extLst>
               <a:ext uri="{91240B29-F687-4f45-9708-019B960494DF}">
-                <a14:hiddenLine xmlns="" xmlns:a16="http://schemas.microsoft.com/office/drawing/2014/main" xmlns:p14="http://schemas.microsoft.com/office/powerpoint/2010/main" xmlns:a14="http://schemas.microsoft.com/office/drawing/2010/main" w="9525">
+                <a14:hiddenLine xmlns:a14="http://schemas.microsoft.com/office/drawing/2010/main" xmlns:p14="http://schemas.microsoft.com/office/powerpoint/2010/main" xmlns:a16="http://schemas.microsoft.com/office/drawing/2014/main" xmlns="" w="9525">
                   <a:solidFill>
                     <a:srgbClr val="000000"/>
                   </a:solidFill>
@@ -30985,7 +31007,7 @@
             </a:ln>
             <a:extLst>
               <a:ext uri="{91240B29-F687-4f45-9708-019B960494DF}">
-                <a14:hiddenLine xmlns="" xmlns:a16="http://schemas.microsoft.com/office/drawing/2014/main" xmlns:p14="http://schemas.microsoft.com/office/powerpoint/2010/main" xmlns:a14="http://schemas.microsoft.com/office/drawing/2010/main" w="9525">
+                <a14:hiddenLine xmlns:a14="http://schemas.microsoft.com/office/drawing/2010/main" xmlns:p14="http://schemas.microsoft.com/office/powerpoint/2010/main" xmlns:a16="http://schemas.microsoft.com/office/drawing/2014/main" xmlns="" w="9525">
                   <a:solidFill>
                     <a:srgbClr val="000000"/>
                   </a:solidFill>
@@ -31062,7 +31084,7 @@
             </a:ln>
             <a:extLst>
               <a:ext uri="{91240B29-F687-4f45-9708-019B960494DF}">
-                <a14:hiddenLine xmlns="" xmlns:a16="http://schemas.microsoft.com/office/drawing/2014/main" xmlns:p14="http://schemas.microsoft.com/office/powerpoint/2010/main" xmlns:a14="http://schemas.microsoft.com/office/drawing/2010/main" w="9525">
+                <a14:hiddenLine xmlns:a14="http://schemas.microsoft.com/office/drawing/2010/main" xmlns:p14="http://schemas.microsoft.com/office/powerpoint/2010/main" xmlns:a16="http://schemas.microsoft.com/office/drawing/2014/main" xmlns="" w="9525">
                   <a:solidFill>
                     <a:srgbClr val="000000"/>
                   </a:solidFill>
@@ -31139,7 +31161,7 @@
             </a:ln>
             <a:extLst>
               <a:ext uri="{91240B29-F687-4f45-9708-019B960494DF}">
-                <a14:hiddenLine xmlns="" xmlns:a16="http://schemas.microsoft.com/office/drawing/2014/main" xmlns:p14="http://schemas.microsoft.com/office/powerpoint/2010/main" xmlns:a14="http://schemas.microsoft.com/office/drawing/2010/main" w="9525">
+                <a14:hiddenLine xmlns:a14="http://schemas.microsoft.com/office/drawing/2010/main" xmlns:p14="http://schemas.microsoft.com/office/powerpoint/2010/main" xmlns:a16="http://schemas.microsoft.com/office/drawing/2014/main" xmlns="" w="9525">
                   <a:solidFill>
                     <a:srgbClr val="000000"/>
                   </a:solidFill>
@@ -31244,7 +31266,7 @@
             </a:ln>
             <a:extLst>
               <a:ext uri="{91240B29-F687-4f45-9708-019B960494DF}">
-                <a14:hiddenLine xmlns="" xmlns:a16="http://schemas.microsoft.com/office/drawing/2014/main" xmlns:p14="http://schemas.microsoft.com/office/powerpoint/2010/main" xmlns:a14="http://schemas.microsoft.com/office/drawing/2010/main" w="9525">
+                <a14:hiddenLine xmlns:a14="http://schemas.microsoft.com/office/drawing/2010/main" xmlns:p14="http://schemas.microsoft.com/office/powerpoint/2010/main" xmlns:a16="http://schemas.microsoft.com/office/drawing/2014/main" xmlns="" w="9525">
                   <a:solidFill>
                     <a:srgbClr val="000000"/>
                   </a:solidFill>
@@ -31293,7 +31315,7 @@
             </a:ln>
             <a:extLst>
               <a:ext uri="{91240B29-F687-4f45-9708-019B960494DF}">
-                <a14:hiddenLine xmlns="" xmlns:a16="http://schemas.microsoft.com/office/drawing/2014/main" xmlns:p14="http://schemas.microsoft.com/office/powerpoint/2010/main" xmlns:a14="http://schemas.microsoft.com/office/drawing/2010/main" w="9525">
+                <a14:hiddenLine xmlns:a14="http://schemas.microsoft.com/office/drawing/2010/main" xmlns:p14="http://schemas.microsoft.com/office/powerpoint/2010/main" xmlns:a16="http://schemas.microsoft.com/office/drawing/2014/main" xmlns="" w="9525">
                   <a:solidFill>
                     <a:srgbClr val="000000"/>
                   </a:solidFill>
@@ -31373,7 +31395,7 @@
             </a:ln>
             <a:extLst>
               <a:ext uri="{91240B29-F687-4f45-9708-019B960494DF}">
-                <a14:hiddenLine xmlns="" xmlns:a16="http://schemas.microsoft.com/office/drawing/2014/main" xmlns:p14="http://schemas.microsoft.com/office/powerpoint/2010/main" xmlns:a14="http://schemas.microsoft.com/office/drawing/2010/main" w="9525">
+                <a14:hiddenLine xmlns:a14="http://schemas.microsoft.com/office/drawing/2010/main" xmlns:p14="http://schemas.microsoft.com/office/powerpoint/2010/main" xmlns:a16="http://schemas.microsoft.com/office/drawing/2014/main" xmlns="" w="9525">
                   <a:solidFill>
                     <a:srgbClr val="000000"/>
                   </a:solidFill>
@@ -31478,7 +31500,7 @@
             </a:ln>
             <a:extLst>
               <a:ext uri="{91240B29-F687-4f45-9708-019B960494DF}">
-                <a14:hiddenLine xmlns="" xmlns:a16="http://schemas.microsoft.com/office/drawing/2014/main" xmlns:p14="http://schemas.microsoft.com/office/powerpoint/2010/main" xmlns:a14="http://schemas.microsoft.com/office/drawing/2010/main" w="9525">
+                <a14:hiddenLine xmlns:a14="http://schemas.microsoft.com/office/drawing/2010/main" xmlns:p14="http://schemas.microsoft.com/office/powerpoint/2010/main" xmlns:a16="http://schemas.microsoft.com/office/drawing/2014/main" xmlns="" w="9525">
                   <a:solidFill>
                     <a:srgbClr val="000000"/>
                   </a:solidFill>
@@ -31555,7 +31577,7 @@
             </a:ln>
             <a:extLst>
               <a:ext uri="{91240B29-F687-4f45-9708-019B960494DF}">
-                <a14:hiddenLine xmlns="" xmlns:a16="http://schemas.microsoft.com/office/drawing/2014/main" xmlns:p14="http://schemas.microsoft.com/office/powerpoint/2010/main" xmlns:a14="http://schemas.microsoft.com/office/drawing/2010/main" w="9525">
+                <a14:hiddenLine xmlns:a14="http://schemas.microsoft.com/office/drawing/2010/main" xmlns:p14="http://schemas.microsoft.com/office/powerpoint/2010/main" xmlns:a16="http://schemas.microsoft.com/office/drawing/2014/main" xmlns="" w="9525">
                   <a:solidFill>
                     <a:srgbClr val="000000"/>
                   </a:solidFill>
@@ -31660,7 +31682,7 @@
             </a:ln>
             <a:extLst>
               <a:ext uri="{91240B29-F687-4f45-9708-019B960494DF}">
-                <a14:hiddenLine xmlns="" xmlns:a16="http://schemas.microsoft.com/office/drawing/2014/main" xmlns:p14="http://schemas.microsoft.com/office/powerpoint/2010/main" xmlns:a14="http://schemas.microsoft.com/office/drawing/2010/main" w="9525">
+                <a14:hiddenLine xmlns:a14="http://schemas.microsoft.com/office/drawing/2010/main" xmlns:p14="http://schemas.microsoft.com/office/powerpoint/2010/main" xmlns:a16="http://schemas.microsoft.com/office/drawing/2014/main" xmlns="" w="9525">
                   <a:solidFill>
                     <a:srgbClr val="000000"/>
                   </a:solidFill>
@@ -31740,7 +31762,7 @@
             </a:ln>
             <a:extLst>
               <a:ext uri="{91240B29-F687-4f45-9708-019B960494DF}">
-                <a14:hiddenLine xmlns="" xmlns:a16="http://schemas.microsoft.com/office/drawing/2014/main" xmlns:p14="http://schemas.microsoft.com/office/powerpoint/2010/main" xmlns:a14="http://schemas.microsoft.com/office/drawing/2010/main" w="9525">
+                <a14:hiddenLine xmlns:a14="http://schemas.microsoft.com/office/drawing/2010/main" xmlns:p14="http://schemas.microsoft.com/office/powerpoint/2010/main" xmlns:a16="http://schemas.microsoft.com/office/drawing/2014/main" xmlns="" w="9525">
                   <a:solidFill>
                     <a:srgbClr val="000000"/>
                   </a:solidFill>
@@ -31817,7 +31839,7 @@
             </a:ln>
             <a:extLst>
               <a:ext uri="{91240B29-F687-4f45-9708-019B960494DF}">
-                <a14:hiddenLine xmlns="" xmlns:a16="http://schemas.microsoft.com/office/drawing/2014/main" xmlns:p14="http://schemas.microsoft.com/office/powerpoint/2010/main" xmlns:a14="http://schemas.microsoft.com/office/drawing/2010/main" w="9525">
+                <a14:hiddenLine xmlns:a14="http://schemas.microsoft.com/office/drawing/2010/main" xmlns:p14="http://schemas.microsoft.com/office/powerpoint/2010/main" xmlns:a16="http://schemas.microsoft.com/office/drawing/2014/main" xmlns="" w="9525">
                   <a:solidFill>
                     <a:srgbClr val="000000"/>
                   </a:solidFill>
@@ -31922,7 +31944,7 @@
             </a:ln>
             <a:extLst>
               <a:ext uri="{91240B29-F687-4f45-9708-019B960494DF}">
-                <a14:hiddenLine xmlns="" xmlns:a16="http://schemas.microsoft.com/office/drawing/2014/main" xmlns:p14="http://schemas.microsoft.com/office/powerpoint/2010/main" xmlns:a14="http://schemas.microsoft.com/office/drawing/2010/main" w="9525">
+                <a14:hiddenLine xmlns:a14="http://schemas.microsoft.com/office/drawing/2010/main" xmlns:p14="http://schemas.microsoft.com/office/powerpoint/2010/main" xmlns:a16="http://schemas.microsoft.com/office/drawing/2014/main" xmlns="" w="9525">
                   <a:solidFill>
                     <a:srgbClr val="000000"/>
                   </a:solidFill>
@@ -32027,7 +32049,7 @@
             </a:ln>
             <a:extLst>
               <a:ext uri="{91240B29-F687-4f45-9708-019B960494DF}">
-                <a14:hiddenLine xmlns="" xmlns:a16="http://schemas.microsoft.com/office/drawing/2014/main" xmlns:p14="http://schemas.microsoft.com/office/powerpoint/2010/main" xmlns:a14="http://schemas.microsoft.com/office/drawing/2010/main" w="9525">
+                <a14:hiddenLine xmlns:a14="http://schemas.microsoft.com/office/drawing/2010/main" xmlns:p14="http://schemas.microsoft.com/office/powerpoint/2010/main" xmlns:a16="http://schemas.microsoft.com/office/drawing/2014/main" xmlns="" w="9525">
                   <a:solidFill>
                     <a:srgbClr val="000000"/>
                   </a:solidFill>
@@ -32107,7 +32129,7 @@
             </a:ln>
             <a:extLst>
               <a:ext uri="{91240B29-F687-4f45-9708-019B960494DF}">
-                <a14:hiddenLine xmlns="" xmlns:a16="http://schemas.microsoft.com/office/drawing/2014/main" xmlns:p14="http://schemas.microsoft.com/office/powerpoint/2010/main" xmlns:a14="http://schemas.microsoft.com/office/drawing/2010/main" w="9525">
+                <a14:hiddenLine xmlns:a14="http://schemas.microsoft.com/office/drawing/2010/main" xmlns:p14="http://schemas.microsoft.com/office/powerpoint/2010/main" xmlns:a16="http://schemas.microsoft.com/office/drawing/2014/main" xmlns="" w="9525">
                   <a:solidFill>
                     <a:srgbClr val="000000"/>
                   </a:solidFill>
@@ -32242,7 +32264,7 @@
             </a:ln>
             <a:extLst>
               <a:ext uri="{91240B29-F687-4f45-9708-019B960494DF}">
-                <a14:hiddenLine xmlns="" xmlns:a16="http://schemas.microsoft.com/office/drawing/2014/main" xmlns:p14="http://schemas.microsoft.com/office/powerpoint/2010/main" xmlns:a14="http://schemas.microsoft.com/office/drawing/2010/main" w="9525">
+                <a14:hiddenLine xmlns:a14="http://schemas.microsoft.com/office/drawing/2010/main" xmlns:p14="http://schemas.microsoft.com/office/powerpoint/2010/main" xmlns:a16="http://schemas.microsoft.com/office/drawing/2014/main" xmlns="" w="9525">
                   <a:solidFill>
                     <a:srgbClr val="000000"/>
                   </a:solidFill>
@@ -32277,8 +32299,8 @@
         </p:blipFill>
         <p:spPr>
           <a:xfrm>
-            <a:off x="1035050" y="998538"/>
-            <a:ext cx="7637431" cy="2711288"/>
+            <a:off x="1063625" y="1038157"/>
+            <a:ext cx="8341594" cy="2961266"/>
           </a:xfrm>
           <a:prstGeom prst="round2DiagRect">
             <a:avLst>
@@ -32327,7 +32349,7 @@
         </p:blipFill>
         <p:spPr>
           <a:xfrm>
-            <a:off x="4221770" y="3850339"/>
+            <a:off x="3548813" y="4187541"/>
             <a:ext cx="7822592" cy="2033872"/>
           </a:xfrm>
           <a:prstGeom prst="round2DiagRect">
@@ -32501,7 +32523,7 @@
           <a:noFill/>
           <a:extLst>
             <a:ext uri="{909E8E84-426E-40dd-AFC4-6F175D3DCCD1}">
-              <a14:hiddenFill xmlns:a14="http://schemas.microsoft.com/office/drawing/2010/main" xmlns:p14="http://schemas.microsoft.com/office/powerpoint/2010/main" xmlns:a16="http://schemas.microsoft.com/office/drawing/2014/main" xmlns="">
+              <a14:hiddenFill xmlns="" xmlns:a16="http://schemas.microsoft.com/office/drawing/2014/main" xmlns:p14="http://schemas.microsoft.com/office/powerpoint/2010/main" xmlns:a14="http://schemas.microsoft.com/office/drawing/2010/main">
                 <a:solidFill>
                   <a:srgbClr val="FFFFFF"/>
                 </a:solidFill>
@@ -32629,7 +32651,7 @@
             </a:ln>
             <a:extLst>
               <a:ext uri="{91240B29-F687-4f45-9708-019B960494DF}">
-                <a14:hiddenLine xmlns:a14="http://schemas.microsoft.com/office/drawing/2010/main" xmlns:p14="http://schemas.microsoft.com/office/powerpoint/2010/main" xmlns:a16="http://schemas.microsoft.com/office/drawing/2014/main" xmlns="" w="9525">
+                <a14:hiddenLine xmlns="" xmlns:a16="http://schemas.microsoft.com/office/drawing/2014/main" xmlns:p14="http://schemas.microsoft.com/office/powerpoint/2010/main" xmlns:a14="http://schemas.microsoft.com/office/drawing/2010/main" w="9525">
                   <a:solidFill>
                     <a:srgbClr val="000000"/>
                   </a:solidFill>
@@ -32734,7 +32756,7 @@
             </a:ln>
             <a:extLst>
               <a:ext uri="{91240B29-F687-4f45-9708-019B960494DF}">
-                <a14:hiddenLine xmlns:a14="http://schemas.microsoft.com/office/drawing/2010/main" xmlns:p14="http://schemas.microsoft.com/office/powerpoint/2010/main" xmlns:a16="http://schemas.microsoft.com/office/drawing/2014/main" xmlns="" w="9525">
+                <a14:hiddenLine xmlns="" xmlns:a16="http://schemas.microsoft.com/office/drawing/2014/main" xmlns:p14="http://schemas.microsoft.com/office/powerpoint/2010/main" xmlns:a14="http://schemas.microsoft.com/office/drawing/2010/main" w="9525">
                   <a:solidFill>
                     <a:srgbClr val="000000"/>
                   </a:solidFill>
@@ -32839,7 +32861,7 @@
             </a:ln>
             <a:extLst>
               <a:ext uri="{91240B29-F687-4f45-9708-019B960494DF}">
-                <a14:hiddenLine xmlns:a14="http://schemas.microsoft.com/office/drawing/2010/main" xmlns:p14="http://schemas.microsoft.com/office/powerpoint/2010/main" xmlns:a16="http://schemas.microsoft.com/office/drawing/2014/main" xmlns="" w="9525">
+                <a14:hiddenLine xmlns="" xmlns:a16="http://schemas.microsoft.com/office/drawing/2014/main" xmlns:p14="http://schemas.microsoft.com/office/powerpoint/2010/main" xmlns:a14="http://schemas.microsoft.com/office/drawing/2010/main" w="9525">
                   <a:solidFill>
                     <a:srgbClr val="000000"/>
                   </a:solidFill>
@@ -32916,7 +32938,7 @@
             </a:ln>
             <a:extLst>
               <a:ext uri="{91240B29-F687-4f45-9708-019B960494DF}">
-                <a14:hiddenLine xmlns:a14="http://schemas.microsoft.com/office/drawing/2010/main" xmlns:p14="http://schemas.microsoft.com/office/powerpoint/2010/main" xmlns:a16="http://schemas.microsoft.com/office/drawing/2014/main" xmlns="" w="9525">
+                <a14:hiddenLine xmlns="" xmlns:a16="http://schemas.microsoft.com/office/drawing/2014/main" xmlns:p14="http://schemas.microsoft.com/office/powerpoint/2010/main" xmlns:a14="http://schemas.microsoft.com/office/drawing/2010/main" w="9525">
                   <a:solidFill>
                     <a:srgbClr val="000000"/>
                   </a:solidFill>
@@ -33021,7 +33043,7 @@
             </a:ln>
             <a:extLst>
               <a:ext uri="{91240B29-F687-4f45-9708-019B960494DF}">
-                <a14:hiddenLine xmlns:a14="http://schemas.microsoft.com/office/drawing/2010/main" xmlns:p14="http://schemas.microsoft.com/office/powerpoint/2010/main" xmlns:a16="http://schemas.microsoft.com/office/drawing/2014/main" xmlns="" w="9525">
+                <a14:hiddenLine xmlns="" xmlns:a16="http://schemas.microsoft.com/office/drawing/2014/main" xmlns:p14="http://schemas.microsoft.com/office/powerpoint/2010/main" xmlns:a14="http://schemas.microsoft.com/office/drawing/2010/main" w="9525">
                   <a:solidFill>
                     <a:srgbClr val="000000"/>
                   </a:solidFill>
@@ -33098,7 +33120,7 @@
             </a:ln>
             <a:extLst>
               <a:ext uri="{91240B29-F687-4f45-9708-019B960494DF}">
-                <a14:hiddenLine xmlns:a14="http://schemas.microsoft.com/office/drawing/2010/main" xmlns:p14="http://schemas.microsoft.com/office/powerpoint/2010/main" xmlns:a16="http://schemas.microsoft.com/office/drawing/2014/main" xmlns="" w="9525">
+                <a14:hiddenLine xmlns="" xmlns:a16="http://schemas.microsoft.com/office/drawing/2014/main" xmlns:p14="http://schemas.microsoft.com/office/powerpoint/2010/main" xmlns:a14="http://schemas.microsoft.com/office/drawing/2010/main" w="9525">
                   <a:solidFill>
                     <a:srgbClr val="000000"/>
                   </a:solidFill>
@@ -33175,7 +33197,7 @@
             </a:ln>
             <a:extLst>
               <a:ext uri="{91240B29-F687-4f45-9708-019B960494DF}">
-                <a14:hiddenLine xmlns:a14="http://schemas.microsoft.com/office/drawing/2010/main" xmlns:p14="http://schemas.microsoft.com/office/powerpoint/2010/main" xmlns:a16="http://schemas.microsoft.com/office/drawing/2014/main" xmlns="" w="9525">
+                <a14:hiddenLine xmlns="" xmlns:a16="http://schemas.microsoft.com/office/drawing/2014/main" xmlns:p14="http://schemas.microsoft.com/office/powerpoint/2010/main" xmlns:a14="http://schemas.microsoft.com/office/drawing/2010/main" w="9525">
                   <a:solidFill>
                     <a:srgbClr val="000000"/>
                   </a:solidFill>
@@ -33280,7 +33302,7 @@
             </a:ln>
             <a:extLst>
               <a:ext uri="{91240B29-F687-4f45-9708-019B960494DF}">
-                <a14:hiddenLine xmlns:a14="http://schemas.microsoft.com/office/drawing/2010/main" xmlns:p14="http://schemas.microsoft.com/office/powerpoint/2010/main" xmlns:a16="http://schemas.microsoft.com/office/drawing/2014/main" xmlns="" w="9525">
+                <a14:hiddenLine xmlns="" xmlns:a16="http://schemas.microsoft.com/office/drawing/2014/main" xmlns:p14="http://schemas.microsoft.com/office/powerpoint/2010/main" xmlns:a14="http://schemas.microsoft.com/office/drawing/2010/main" w="9525">
                   <a:solidFill>
                     <a:srgbClr val="000000"/>
                   </a:solidFill>
@@ -33385,7 +33407,7 @@
             </a:ln>
             <a:extLst>
               <a:ext uri="{91240B29-F687-4f45-9708-019B960494DF}">
-                <a14:hiddenLine xmlns:a14="http://schemas.microsoft.com/office/drawing/2010/main" xmlns:p14="http://schemas.microsoft.com/office/powerpoint/2010/main" xmlns:a16="http://schemas.microsoft.com/office/drawing/2014/main" xmlns="" w="9525">
+                <a14:hiddenLine xmlns="" xmlns:a16="http://schemas.microsoft.com/office/drawing/2014/main" xmlns:p14="http://schemas.microsoft.com/office/powerpoint/2010/main" xmlns:a14="http://schemas.microsoft.com/office/drawing/2010/main" w="9525">
                   <a:solidFill>
                     <a:srgbClr val="000000"/>
                   </a:solidFill>
@@ -33462,7 +33484,7 @@
             </a:ln>
             <a:extLst>
               <a:ext uri="{91240B29-F687-4f45-9708-019B960494DF}">
-                <a14:hiddenLine xmlns:a14="http://schemas.microsoft.com/office/drawing/2010/main" xmlns:p14="http://schemas.microsoft.com/office/powerpoint/2010/main" xmlns:a16="http://schemas.microsoft.com/office/drawing/2014/main" xmlns="" w="9525">
+                <a14:hiddenLine xmlns="" xmlns:a16="http://schemas.microsoft.com/office/drawing/2014/main" xmlns:p14="http://schemas.microsoft.com/office/powerpoint/2010/main" xmlns:a14="http://schemas.microsoft.com/office/drawing/2010/main" w="9525">
                   <a:solidFill>
                     <a:srgbClr val="000000"/>
                   </a:solidFill>
@@ -33587,7 +33609,7 @@
             </a:ln>
             <a:extLst>
               <a:ext uri="{91240B29-F687-4f45-9708-019B960494DF}">
-                <a14:hiddenLine xmlns:a14="http://schemas.microsoft.com/office/drawing/2010/main" xmlns:p14="http://schemas.microsoft.com/office/powerpoint/2010/main" xmlns:a16="http://schemas.microsoft.com/office/drawing/2014/main" xmlns="" w="9525">
+                <a14:hiddenLine xmlns="" xmlns:a16="http://schemas.microsoft.com/office/drawing/2014/main" xmlns:p14="http://schemas.microsoft.com/office/powerpoint/2010/main" xmlns:a14="http://schemas.microsoft.com/office/drawing/2010/main" w="9525">
                   <a:solidFill>
                     <a:srgbClr val="000000"/>
                   </a:solidFill>
@@ -33701,7 +33723,7 @@
             </a:ln>
             <a:extLst>
               <a:ext uri="{91240B29-F687-4f45-9708-019B960494DF}">
-                <a14:hiddenLine xmlns:a14="http://schemas.microsoft.com/office/drawing/2010/main" xmlns:p14="http://schemas.microsoft.com/office/powerpoint/2010/main" xmlns:a16="http://schemas.microsoft.com/office/drawing/2014/main" xmlns="" w="9525">
+                <a14:hiddenLine xmlns="" xmlns:a16="http://schemas.microsoft.com/office/drawing/2014/main" xmlns:p14="http://schemas.microsoft.com/office/powerpoint/2010/main" xmlns:a14="http://schemas.microsoft.com/office/drawing/2010/main" w="9525">
                   <a:solidFill>
                     <a:srgbClr val="000000"/>
                   </a:solidFill>
@@ -33778,7 +33800,7 @@
             </a:ln>
             <a:extLst>
               <a:ext uri="{91240B29-F687-4f45-9708-019B960494DF}">
-                <a14:hiddenLine xmlns:a14="http://schemas.microsoft.com/office/drawing/2010/main" xmlns:p14="http://schemas.microsoft.com/office/powerpoint/2010/main" xmlns:a16="http://schemas.microsoft.com/office/drawing/2014/main" xmlns="" w="9525">
+                <a14:hiddenLine xmlns="" xmlns:a16="http://schemas.microsoft.com/office/drawing/2014/main" xmlns:p14="http://schemas.microsoft.com/office/powerpoint/2010/main" xmlns:a14="http://schemas.microsoft.com/office/drawing/2010/main" w="9525">
                   <a:solidFill>
                     <a:srgbClr val="000000"/>
                   </a:solidFill>
@@ -33855,7 +33877,7 @@
             </a:ln>
             <a:extLst>
               <a:ext uri="{91240B29-F687-4f45-9708-019B960494DF}">
-                <a14:hiddenLine xmlns:a14="http://schemas.microsoft.com/office/drawing/2010/main" xmlns:p14="http://schemas.microsoft.com/office/powerpoint/2010/main" xmlns:a16="http://schemas.microsoft.com/office/drawing/2014/main" xmlns="" w="9525">
+                <a14:hiddenLine xmlns="" xmlns:a16="http://schemas.microsoft.com/office/drawing/2014/main" xmlns:p14="http://schemas.microsoft.com/office/powerpoint/2010/main" xmlns:a14="http://schemas.microsoft.com/office/drawing/2010/main" w="9525">
                   <a:solidFill>
                     <a:srgbClr val="000000"/>
                   </a:solidFill>
@@ -33960,7 +33982,7 @@
             </a:ln>
             <a:extLst>
               <a:ext uri="{91240B29-F687-4f45-9708-019B960494DF}">
-                <a14:hiddenLine xmlns:a14="http://schemas.microsoft.com/office/drawing/2010/main" xmlns:p14="http://schemas.microsoft.com/office/powerpoint/2010/main" xmlns:a16="http://schemas.microsoft.com/office/drawing/2014/main" xmlns="" w="9525">
+                <a14:hiddenLine xmlns="" xmlns:a16="http://schemas.microsoft.com/office/drawing/2014/main" xmlns:p14="http://schemas.microsoft.com/office/powerpoint/2010/main" xmlns:a14="http://schemas.microsoft.com/office/drawing/2010/main" w="9525">
                   <a:solidFill>
                     <a:srgbClr val="000000"/>
                   </a:solidFill>
@@ -34009,7 +34031,7 @@
             </a:ln>
             <a:extLst>
               <a:ext uri="{91240B29-F687-4f45-9708-019B960494DF}">
-                <a14:hiddenLine xmlns:a14="http://schemas.microsoft.com/office/drawing/2010/main" xmlns:p14="http://schemas.microsoft.com/office/powerpoint/2010/main" xmlns:a16="http://schemas.microsoft.com/office/drawing/2014/main" xmlns="" w="9525">
+                <a14:hiddenLine xmlns="" xmlns:a16="http://schemas.microsoft.com/office/drawing/2014/main" xmlns:p14="http://schemas.microsoft.com/office/powerpoint/2010/main" xmlns:a14="http://schemas.microsoft.com/office/drawing/2010/main" w="9525">
                   <a:solidFill>
                     <a:srgbClr val="000000"/>
                   </a:solidFill>
@@ -34089,7 +34111,7 @@
             </a:ln>
             <a:extLst>
               <a:ext uri="{91240B29-F687-4f45-9708-019B960494DF}">
-                <a14:hiddenLine xmlns:a14="http://schemas.microsoft.com/office/drawing/2010/main" xmlns:p14="http://schemas.microsoft.com/office/powerpoint/2010/main" xmlns:a16="http://schemas.microsoft.com/office/drawing/2014/main" xmlns="" w="9525">
+                <a14:hiddenLine xmlns="" xmlns:a16="http://schemas.microsoft.com/office/drawing/2014/main" xmlns:p14="http://schemas.microsoft.com/office/powerpoint/2010/main" xmlns:a14="http://schemas.microsoft.com/office/drawing/2010/main" w="9525">
                   <a:solidFill>
                     <a:srgbClr val="000000"/>
                   </a:solidFill>
@@ -34194,7 +34216,7 @@
             </a:ln>
             <a:extLst>
               <a:ext uri="{91240B29-F687-4f45-9708-019B960494DF}">
-                <a14:hiddenLine xmlns:a14="http://schemas.microsoft.com/office/drawing/2010/main" xmlns:p14="http://schemas.microsoft.com/office/powerpoint/2010/main" xmlns:a16="http://schemas.microsoft.com/office/drawing/2014/main" xmlns="" w="9525">
+                <a14:hiddenLine xmlns="" xmlns:a16="http://schemas.microsoft.com/office/drawing/2014/main" xmlns:p14="http://schemas.microsoft.com/office/powerpoint/2010/main" xmlns:a14="http://schemas.microsoft.com/office/drawing/2010/main" w="9525">
                   <a:solidFill>
                     <a:srgbClr val="000000"/>
                   </a:solidFill>
@@ -34271,7 +34293,7 @@
             </a:ln>
             <a:extLst>
               <a:ext uri="{91240B29-F687-4f45-9708-019B960494DF}">
-                <a14:hiddenLine xmlns:a14="http://schemas.microsoft.com/office/drawing/2010/main" xmlns:p14="http://schemas.microsoft.com/office/powerpoint/2010/main" xmlns:a16="http://schemas.microsoft.com/office/drawing/2014/main" xmlns="" w="9525">
+                <a14:hiddenLine xmlns="" xmlns:a16="http://schemas.microsoft.com/office/drawing/2014/main" xmlns:p14="http://schemas.microsoft.com/office/powerpoint/2010/main" xmlns:a14="http://schemas.microsoft.com/office/drawing/2010/main" w="9525">
                   <a:solidFill>
                     <a:srgbClr val="000000"/>
                   </a:solidFill>
@@ -34376,7 +34398,7 @@
             </a:ln>
             <a:extLst>
               <a:ext uri="{91240B29-F687-4f45-9708-019B960494DF}">
-                <a14:hiddenLine xmlns:a14="http://schemas.microsoft.com/office/drawing/2010/main" xmlns:p14="http://schemas.microsoft.com/office/powerpoint/2010/main" xmlns:a16="http://schemas.microsoft.com/office/drawing/2014/main" xmlns="" w="9525">
+                <a14:hiddenLine xmlns="" xmlns:a16="http://schemas.microsoft.com/office/drawing/2014/main" xmlns:p14="http://schemas.microsoft.com/office/powerpoint/2010/main" xmlns:a14="http://schemas.microsoft.com/office/drawing/2010/main" w="9525">
                   <a:solidFill>
                     <a:srgbClr val="000000"/>
                   </a:solidFill>
@@ -34456,7 +34478,7 @@
             </a:ln>
             <a:extLst>
               <a:ext uri="{91240B29-F687-4f45-9708-019B960494DF}">
-                <a14:hiddenLine xmlns:a14="http://schemas.microsoft.com/office/drawing/2010/main" xmlns:p14="http://schemas.microsoft.com/office/powerpoint/2010/main" xmlns:a16="http://schemas.microsoft.com/office/drawing/2014/main" xmlns="" w="9525">
+                <a14:hiddenLine xmlns="" xmlns:a16="http://schemas.microsoft.com/office/drawing/2014/main" xmlns:p14="http://schemas.microsoft.com/office/powerpoint/2010/main" xmlns:a14="http://schemas.microsoft.com/office/drawing/2010/main" w="9525">
                   <a:solidFill>
                     <a:srgbClr val="000000"/>
                   </a:solidFill>
@@ -34533,7 +34555,7 @@
             </a:ln>
             <a:extLst>
               <a:ext uri="{91240B29-F687-4f45-9708-019B960494DF}">
-                <a14:hiddenLine xmlns:a14="http://schemas.microsoft.com/office/drawing/2010/main" xmlns:p14="http://schemas.microsoft.com/office/powerpoint/2010/main" xmlns:a16="http://schemas.microsoft.com/office/drawing/2014/main" xmlns="" w="9525">
+                <a14:hiddenLine xmlns="" xmlns:a16="http://schemas.microsoft.com/office/drawing/2014/main" xmlns:p14="http://schemas.microsoft.com/office/powerpoint/2010/main" xmlns:a14="http://schemas.microsoft.com/office/drawing/2010/main" w="9525">
                   <a:solidFill>
                     <a:srgbClr val="000000"/>
                   </a:solidFill>
@@ -34638,7 +34660,7 @@
             </a:ln>
             <a:extLst>
               <a:ext uri="{91240B29-F687-4f45-9708-019B960494DF}">
-                <a14:hiddenLine xmlns:a14="http://schemas.microsoft.com/office/drawing/2010/main" xmlns:p14="http://schemas.microsoft.com/office/powerpoint/2010/main" xmlns:a16="http://schemas.microsoft.com/office/drawing/2014/main" xmlns="" w="9525">
+                <a14:hiddenLine xmlns="" xmlns:a16="http://schemas.microsoft.com/office/drawing/2014/main" xmlns:p14="http://schemas.microsoft.com/office/powerpoint/2010/main" xmlns:a14="http://schemas.microsoft.com/office/drawing/2010/main" w="9525">
                   <a:solidFill>
                     <a:srgbClr val="000000"/>
                   </a:solidFill>
@@ -34743,7 +34765,7 @@
             </a:ln>
             <a:extLst>
               <a:ext uri="{91240B29-F687-4f45-9708-019B960494DF}">
-                <a14:hiddenLine xmlns:a14="http://schemas.microsoft.com/office/drawing/2010/main" xmlns:p14="http://schemas.microsoft.com/office/powerpoint/2010/main" xmlns:a16="http://schemas.microsoft.com/office/drawing/2014/main" xmlns="" w="9525">
+                <a14:hiddenLine xmlns="" xmlns:a16="http://schemas.microsoft.com/office/drawing/2014/main" xmlns:p14="http://schemas.microsoft.com/office/powerpoint/2010/main" xmlns:a14="http://schemas.microsoft.com/office/drawing/2010/main" w="9525">
                   <a:solidFill>
                     <a:srgbClr val="000000"/>
                   </a:solidFill>
@@ -34823,7 +34845,7 @@
             </a:ln>
             <a:extLst>
               <a:ext uri="{91240B29-F687-4f45-9708-019B960494DF}">
-                <a14:hiddenLine xmlns:a14="http://schemas.microsoft.com/office/drawing/2010/main" xmlns:p14="http://schemas.microsoft.com/office/powerpoint/2010/main" xmlns:a16="http://schemas.microsoft.com/office/drawing/2014/main" xmlns="" w="9525">
+                <a14:hiddenLine xmlns="" xmlns:a16="http://schemas.microsoft.com/office/drawing/2014/main" xmlns:p14="http://schemas.microsoft.com/office/powerpoint/2010/main" xmlns:a14="http://schemas.microsoft.com/office/drawing/2010/main" w="9525">
                   <a:solidFill>
                     <a:srgbClr val="000000"/>
                   </a:solidFill>
@@ -34958,7 +34980,7 @@
             </a:ln>
             <a:extLst>
               <a:ext uri="{91240B29-F687-4f45-9708-019B960494DF}">
-                <a14:hiddenLine xmlns:a14="http://schemas.microsoft.com/office/drawing/2010/main" xmlns:p14="http://schemas.microsoft.com/office/powerpoint/2010/main" xmlns:a16="http://schemas.microsoft.com/office/drawing/2014/main" xmlns="" w="9525">
+                <a14:hiddenLine xmlns="" xmlns:a16="http://schemas.microsoft.com/office/drawing/2014/main" xmlns:p14="http://schemas.microsoft.com/office/powerpoint/2010/main" xmlns:a14="http://schemas.microsoft.com/office/drawing/2010/main" w="9525">
                   <a:solidFill>
                     <a:srgbClr val="000000"/>
                   </a:solidFill>
@@ -34998,8 +35020,8 @@
           </a:xfrm>
           <a:prstGeom prst="round2DiagRect">
             <a:avLst>
-              <a:gd name="adj1" fmla="val 5608"/>
-              <a:gd name="adj2" fmla="val 8292"/>
+              <a:gd name="adj1" fmla="val 0"/>
+              <a:gd name="adj2" fmla="val 11699"/>
             </a:avLst>
           </a:prstGeom>
           <a:ln w="19050" cap="sq">
@@ -35043,7 +35065,7 @@
         </p:blipFill>
         <p:spPr>
           <a:xfrm>
-            <a:off x="5621194" y="4248586"/>
+            <a:off x="4989334" y="4148908"/>
             <a:ext cx="6423168" cy="2440804"/>
           </a:xfrm>
           <a:prstGeom prst="round2DiagRect">
@@ -35217,7 +35239,7 @@
           <a:noFill/>
           <a:extLst>
             <a:ext uri="{909E8E84-426E-40dd-AFC4-6F175D3DCCD1}">
-              <a14:hiddenFill xmlns="" xmlns:a16="http://schemas.microsoft.com/office/drawing/2014/main" xmlns:p14="http://schemas.microsoft.com/office/powerpoint/2010/main" xmlns:a14="http://schemas.microsoft.com/office/drawing/2010/main">
+              <a14:hiddenFill xmlns:a14="http://schemas.microsoft.com/office/drawing/2010/main" xmlns:p14="http://schemas.microsoft.com/office/powerpoint/2010/main" xmlns:a16="http://schemas.microsoft.com/office/drawing/2014/main" xmlns="">
                 <a:solidFill>
                   <a:srgbClr val="FFFFFF"/>
                 </a:solidFill>
@@ -35345,7 +35367,7 @@
             </a:ln>
             <a:extLst>
               <a:ext uri="{91240B29-F687-4f45-9708-019B960494DF}">
-                <a14:hiddenLine xmlns="" xmlns:a16="http://schemas.microsoft.com/office/drawing/2014/main" xmlns:p14="http://schemas.microsoft.com/office/powerpoint/2010/main" xmlns:a14="http://schemas.microsoft.com/office/drawing/2010/main" w="9525">
+                <a14:hiddenLine xmlns:a14="http://schemas.microsoft.com/office/drawing/2010/main" xmlns:p14="http://schemas.microsoft.com/office/powerpoint/2010/main" xmlns:a16="http://schemas.microsoft.com/office/drawing/2014/main" xmlns="" w="9525">
                   <a:solidFill>
                     <a:srgbClr val="000000"/>
                   </a:solidFill>
@@ -35450,7 +35472,7 @@
             </a:ln>
             <a:extLst>
               <a:ext uri="{91240B29-F687-4f45-9708-019B960494DF}">
-                <a14:hiddenLine xmlns="" xmlns:a16="http://schemas.microsoft.com/office/drawing/2014/main" xmlns:p14="http://schemas.microsoft.com/office/powerpoint/2010/main" xmlns:a14="http://schemas.microsoft.com/office/drawing/2010/main" w="9525">
+                <a14:hiddenLine xmlns:a14="http://schemas.microsoft.com/office/drawing/2010/main" xmlns:p14="http://schemas.microsoft.com/office/powerpoint/2010/main" xmlns:a16="http://schemas.microsoft.com/office/drawing/2014/main" xmlns="" w="9525">
                   <a:solidFill>
                     <a:srgbClr val="000000"/>
                   </a:solidFill>
@@ -35555,7 +35577,7 @@
             </a:ln>
             <a:extLst>
               <a:ext uri="{91240B29-F687-4f45-9708-019B960494DF}">
-                <a14:hiddenLine xmlns="" xmlns:a16="http://schemas.microsoft.com/office/drawing/2014/main" xmlns:p14="http://schemas.microsoft.com/office/powerpoint/2010/main" xmlns:a14="http://schemas.microsoft.com/office/drawing/2010/main" w="9525">
+                <a14:hiddenLine xmlns:a14="http://schemas.microsoft.com/office/drawing/2010/main" xmlns:p14="http://schemas.microsoft.com/office/powerpoint/2010/main" xmlns:a16="http://schemas.microsoft.com/office/drawing/2014/main" xmlns="" w="9525">
                   <a:solidFill>
                     <a:srgbClr val="000000"/>
                   </a:solidFill>
@@ -35632,7 +35654,7 @@
             </a:ln>
             <a:extLst>
               <a:ext uri="{91240B29-F687-4f45-9708-019B960494DF}">
-                <a14:hiddenLine xmlns="" xmlns:a16="http://schemas.microsoft.com/office/drawing/2014/main" xmlns:p14="http://schemas.microsoft.com/office/powerpoint/2010/main" xmlns:a14="http://schemas.microsoft.com/office/drawing/2010/main" w="9525">
+                <a14:hiddenLine xmlns:a14="http://schemas.microsoft.com/office/drawing/2010/main" xmlns:p14="http://schemas.microsoft.com/office/powerpoint/2010/main" xmlns:a16="http://schemas.microsoft.com/office/drawing/2014/main" xmlns="" w="9525">
                   <a:solidFill>
                     <a:srgbClr val="000000"/>
                   </a:solidFill>
@@ -35737,7 +35759,7 @@
             </a:ln>
             <a:extLst>
               <a:ext uri="{91240B29-F687-4f45-9708-019B960494DF}">
-                <a14:hiddenLine xmlns="" xmlns:a16="http://schemas.microsoft.com/office/drawing/2014/main" xmlns:p14="http://schemas.microsoft.com/office/powerpoint/2010/main" xmlns:a14="http://schemas.microsoft.com/office/drawing/2010/main" w="9525">
+                <a14:hiddenLine xmlns:a14="http://schemas.microsoft.com/office/drawing/2010/main" xmlns:p14="http://schemas.microsoft.com/office/powerpoint/2010/main" xmlns:a16="http://schemas.microsoft.com/office/drawing/2014/main" xmlns="" w="9525">
                   <a:solidFill>
                     <a:srgbClr val="000000"/>
                   </a:solidFill>
@@ -35814,7 +35836,7 @@
             </a:ln>
             <a:extLst>
               <a:ext uri="{91240B29-F687-4f45-9708-019B960494DF}">
-                <a14:hiddenLine xmlns="" xmlns:a16="http://schemas.microsoft.com/office/drawing/2014/main" xmlns:p14="http://schemas.microsoft.com/office/powerpoint/2010/main" xmlns:a14="http://schemas.microsoft.com/office/drawing/2010/main" w="9525">
+                <a14:hiddenLine xmlns:a14="http://schemas.microsoft.com/office/drawing/2010/main" xmlns:p14="http://schemas.microsoft.com/office/powerpoint/2010/main" xmlns:a16="http://schemas.microsoft.com/office/drawing/2014/main" xmlns="" w="9525">
                   <a:solidFill>
                     <a:srgbClr val="000000"/>
                   </a:solidFill>
@@ -35891,7 +35913,7 @@
             </a:ln>
             <a:extLst>
               <a:ext uri="{91240B29-F687-4f45-9708-019B960494DF}">
-                <a14:hiddenLine xmlns="" xmlns:a16="http://schemas.microsoft.com/office/drawing/2014/main" xmlns:p14="http://schemas.microsoft.com/office/powerpoint/2010/main" xmlns:a14="http://schemas.microsoft.com/office/drawing/2010/main" w="9525">
+                <a14:hiddenLine xmlns:a14="http://schemas.microsoft.com/office/drawing/2010/main" xmlns:p14="http://schemas.microsoft.com/office/powerpoint/2010/main" xmlns:a16="http://schemas.microsoft.com/office/drawing/2014/main" xmlns="" w="9525">
                   <a:solidFill>
                     <a:srgbClr val="000000"/>
                   </a:solidFill>
@@ -35996,7 +36018,7 @@
             </a:ln>
             <a:extLst>
               <a:ext uri="{91240B29-F687-4f45-9708-019B960494DF}">
-                <a14:hiddenLine xmlns="" xmlns:a16="http://schemas.microsoft.com/office/drawing/2014/main" xmlns:p14="http://schemas.microsoft.com/office/powerpoint/2010/main" xmlns:a14="http://schemas.microsoft.com/office/drawing/2010/main" w="9525">
+                <a14:hiddenLine xmlns:a14="http://schemas.microsoft.com/office/drawing/2010/main" xmlns:p14="http://schemas.microsoft.com/office/powerpoint/2010/main" xmlns:a16="http://schemas.microsoft.com/office/drawing/2014/main" xmlns="" w="9525">
                   <a:solidFill>
                     <a:srgbClr val="000000"/>
                   </a:solidFill>
@@ -36101,7 +36123,7 @@
             </a:ln>
             <a:extLst>
               <a:ext uri="{91240B29-F687-4f45-9708-019B960494DF}">
-                <a14:hiddenLine xmlns="" xmlns:a16="http://schemas.microsoft.com/office/drawing/2014/main" xmlns:p14="http://schemas.microsoft.com/office/powerpoint/2010/main" xmlns:a14="http://schemas.microsoft.com/office/drawing/2010/main" w="9525">
+                <a14:hiddenLine xmlns:a14="http://schemas.microsoft.com/office/drawing/2010/main" xmlns:p14="http://schemas.microsoft.com/office/powerpoint/2010/main" xmlns:a16="http://schemas.microsoft.com/office/drawing/2014/main" xmlns="" w="9525">
                   <a:solidFill>
                     <a:srgbClr val="000000"/>
                   </a:solidFill>
@@ -36178,7 +36200,7 @@
             </a:ln>
             <a:extLst>
               <a:ext uri="{91240B29-F687-4f45-9708-019B960494DF}">
-                <a14:hiddenLine xmlns="" xmlns:a16="http://schemas.microsoft.com/office/drawing/2014/main" xmlns:p14="http://schemas.microsoft.com/office/powerpoint/2010/main" xmlns:a14="http://schemas.microsoft.com/office/drawing/2010/main" w="9525">
+                <a14:hiddenLine xmlns:a14="http://schemas.microsoft.com/office/drawing/2010/main" xmlns:p14="http://schemas.microsoft.com/office/powerpoint/2010/main" xmlns:a16="http://schemas.microsoft.com/office/drawing/2014/main" xmlns="" w="9525">
                   <a:solidFill>
                     <a:srgbClr val="000000"/>
                   </a:solidFill>
@@ -36303,7 +36325,7 @@
             </a:ln>
             <a:extLst>
               <a:ext uri="{91240B29-F687-4f45-9708-019B960494DF}">
-                <a14:hiddenLine xmlns="" xmlns:a16="http://schemas.microsoft.com/office/drawing/2014/main" xmlns:p14="http://schemas.microsoft.com/office/powerpoint/2010/main" xmlns:a14="http://schemas.microsoft.com/office/drawing/2010/main" w="9525">
+                <a14:hiddenLine xmlns:a14="http://schemas.microsoft.com/office/drawing/2010/main" xmlns:p14="http://schemas.microsoft.com/office/powerpoint/2010/main" xmlns:a16="http://schemas.microsoft.com/office/drawing/2014/main" xmlns="" w="9525">
                   <a:solidFill>
                     <a:srgbClr val="000000"/>
                   </a:solidFill>
@@ -36417,7 +36439,7 @@
             </a:ln>
             <a:extLst>
               <a:ext uri="{91240B29-F687-4f45-9708-019B960494DF}">
-                <a14:hiddenLine xmlns="" xmlns:a16="http://schemas.microsoft.com/office/drawing/2014/main" xmlns:p14="http://schemas.microsoft.com/office/powerpoint/2010/main" xmlns:a14="http://schemas.microsoft.com/office/drawing/2010/main" w="9525">
+                <a14:hiddenLine xmlns:a14="http://schemas.microsoft.com/office/drawing/2010/main" xmlns:p14="http://schemas.microsoft.com/office/powerpoint/2010/main" xmlns:a16="http://schemas.microsoft.com/office/drawing/2014/main" xmlns="" w="9525">
                   <a:solidFill>
                     <a:srgbClr val="000000"/>
                   </a:solidFill>
@@ -36494,7 +36516,7 @@
             </a:ln>
             <a:extLst>
               <a:ext uri="{91240B29-F687-4f45-9708-019B960494DF}">
-                <a14:hiddenLine xmlns="" xmlns:a16="http://schemas.microsoft.com/office/drawing/2014/main" xmlns:p14="http://schemas.microsoft.com/office/powerpoint/2010/main" xmlns:a14="http://schemas.microsoft.com/office/drawing/2010/main" w="9525">
+                <a14:hiddenLine xmlns:a14="http://schemas.microsoft.com/office/drawing/2010/main" xmlns:p14="http://schemas.microsoft.com/office/powerpoint/2010/main" xmlns:a16="http://schemas.microsoft.com/office/drawing/2014/main" xmlns="" w="9525">
                   <a:solidFill>
                     <a:srgbClr val="000000"/>
                   </a:solidFill>
@@ -36571,7 +36593,7 @@
             </a:ln>
             <a:extLst>
               <a:ext uri="{91240B29-F687-4f45-9708-019B960494DF}">
-                <a14:hiddenLine xmlns="" xmlns:a16="http://schemas.microsoft.com/office/drawing/2014/main" xmlns:p14="http://schemas.microsoft.com/office/powerpoint/2010/main" xmlns:a14="http://schemas.microsoft.com/office/drawing/2010/main" w="9525">
+                <a14:hiddenLine xmlns:a14="http://schemas.microsoft.com/office/drawing/2010/main" xmlns:p14="http://schemas.microsoft.com/office/powerpoint/2010/main" xmlns:a16="http://schemas.microsoft.com/office/drawing/2014/main" xmlns="" w="9525">
                   <a:solidFill>
                     <a:srgbClr val="000000"/>
                   </a:solidFill>
@@ -36676,7 +36698,7 @@
             </a:ln>
             <a:extLst>
               <a:ext uri="{91240B29-F687-4f45-9708-019B960494DF}">
-                <a14:hiddenLine xmlns="" xmlns:a16="http://schemas.microsoft.com/office/drawing/2014/main" xmlns:p14="http://schemas.microsoft.com/office/powerpoint/2010/main" xmlns:a14="http://schemas.microsoft.com/office/drawing/2010/main" w="9525">
+                <a14:hiddenLine xmlns:a14="http://schemas.microsoft.com/office/drawing/2010/main" xmlns:p14="http://schemas.microsoft.com/office/powerpoint/2010/main" xmlns:a16="http://schemas.microsoft.com/office/drawing/2014/main" xmlns="" w="9525">
                   <a:solidFill>
                     <a:srgbClr val="000000"/>
                   </a:solidFill>
@@ -36725,7 +36747,7 @@
             </a:ln>
             <a:extLst>
               <a:ext uri="{91240B29-F687-4f45-9708-019B960494DF}">
-                <a14:hiddenLine xmlns="" xmlns:a16="http://schemas.microsoft.com/office/drawing/2014/main" xmlns:p14="http://schemas.microsoft.com/office/powerpoint/2010/main" xmlns:a14="http://schemas.microsoft.com/office/drawing/2010/main" w="9525">
+                <a14:hiddenLine xmlns:a14="http://schemas.microsoft.com/office/drawing/2010/main" xmlns:p14="http://schemas.microsoft.com/office/powerpoint/2010/main" xmlns:a16="http://schemas.microsoft.com/office/drawing/2014/main" xmlns="" w="9525">
                   <a:solidFill>
                     <a:srgbClr val="000000"/>
                   </a:solidFill>
@@ -36805,7 +36827,7 @@
             </a:ln>
             <a:extLst>
               <a:ext uri="{91240B29-F687-4f45-9708-019B960494DF}">
-                <a14:hiddenLine xmlns="" xmlns:a16="http://schemas.microsoft.com/office/drawing/2014/main" xmlns:p14="http://schemas.microsoft.com/office/powerpoint/2010/main" xmlns:a14="http://schemas.microsoft.com/office/drawing/2010/main" w="9525">
+                <a14:hiddenLine xmlns:a14="http://schemas.microsoft.com/office/drawing/2010/main" xmlns:p14="http://schemas.microsoft.com/office/powerpoint/2010/main" xmlns:a16="http://schemas.microsoft.com/office/drawing/2014/main" xmlns="" w="9525">
                   <a:solidFill>
                     <a:srgbClr val="000000"/>
                   </a:solidFill>
@@ -36910,7 +36932,7 @@
             </a:ln>
             <a:extLst>
               <a:ext uri="{91240B29-F687-4f45-9708-019B960494DF}">
-                <a14:hiddenLine xmlns="" xmlns:a16="http://schemas.microsoft.com/office/drawing/2014/main" xmlns:p14="http://schemas.microsoft.com/office/powerpoint/2010/main" xmlns:a14="http://schemas.microsoft.com/office/drawing/2010/main" w="9525">
+                <a14:hiddenLine xmlns:a14="http://schemas.microsoft.com/office/drawing/2010/main" xmlns:p14="http://schemas.microsoft.com/office/powerpoint/2010/main" xmlns:a16="http://schemas.microsoft.com/office/drawing/2014/main" xmlns="" w="9525">
                   <a:solidFill>
                     <a:srgbClr val="000000"/>
                   </a:solidFill>
@@ -36987,7 +37009,7 @@
             </a:ln>
             <a:extLst>
               <a:ext uri="{91240B29-F687-4f45-9708-019B960494DF}">
-                <a14:hiddenLine xmlns="" xmlns:a16="http://schemas.microsoft.com/office/drawing/2014/main" xmlns:p14="http://schemas.microsoft.com/office/powerpoint/2010/main" xmlns:a14="http://schemas.microsoft.com/office/drawing/2010/main" w="9525">
+                <a14:hiddenLine xmlns:a14="http://schemas.microsoft.com/office/drawing/2010/main" xmlns:p14="http://schemas.microsoft.com/office/powerpoint/2010/main" xmlns:a16="http://schemas.microsoft.com/office/drawing/2014/main" xmlns="" w="9525">
                   <a:solidFill>
                     <a:srgbClr val="000000"/>
                   </a:solidFill>
@@ -37092,7 +37114,7 @@
             </a:ln>
             <a:extLst>
               <a:ext uri="{91240B29-F687-4f45-9708-019B960494DF}">
-                <a14:hiddenLine xmlns="" xmlns:a16="http://schemas.microsoft.com/office/drawing/2014/main" xmlns:p14="http://schemas.microsoft.com/office/powerpoint/2010/main" xmlns:a14="http://schemas.microsoft.com/office/drawing/2010/main" w="9525">
+                <a14:hiddenLine xmlns:a14="http://schemas.microsoft.com/office/drawing/2010/main" xmlns:p14="http://schemas.microsoft.com/office/powerpoint/2010/main" xmlns:a16="http://schemas.microsoft.com/office/drawing/2014/main" xmlns="" w="9525">
                   <a:solidFill>
                     <a:srgbClr val="000000"/>
                   </a:solidFill>
@@ -37172,7 +37194,7 @@
             </a:ln>
             <a:extLst>
               <a:ext uri="{91240B29-F687-4f45-9708-019B960494DF}">
-                <a14:hiddenLine xmlns="" xmlns:a16="http://schemas.microsoft.com/office/drawing/2014/main" xmlns:p14="http://schemas.microsoft.com/office/powerpoint/2010/main" xmlns:a14="http://schemas.microsoft.com/office/drawing/2010/main" w="9525">
+                <a14:hiddenLine xmlns:a14="http://schemas.microsoft.com/office/drawing/2010/main" xmlns:p14="http://schemas.microsoft.com/office/powerpoint/2010/main" xmlns:a16="http://schemas.microsoft.com/office/drawing/2014/main" xmlns="" w="9525">
                   <a:solidFill>
                     <a:srgbClr val="000000"/>
                   </a:solidFill>
@@ -37249,7 +37271,7 @@
             </a:ln>
             <a:extLst>
               <a:ext uri="{91240B29-F687-4f45-9708-019B960494DF}">
-                <a14:hiddenLine xmlns="" xmlns:a16="http://schemas.microsoft.com/office/drawing/2014/main" xmlns:p14="http://schemas.microsoft.com/office/powerpoint/2010/main" xmlns:a14="http://schemas.microsoft.com/office/drawing/2010/main" w="9525">
+                <a14:hiddenLine xmlns:a14="http://schemas.microsoft.com/office/drawing/2010/main" xmlns:p14="http://schemas.microsoft.com/office/powerpoint/2010/main" xmlns:a16="http://schemas.microsoft.com/office/drawing/2014/main" xmlns="" w="9525">
                   <a:solidFill>
                     <a:srgbClr val="000000"/>
                   </a:solidFill>
@@ -37354,7 +37376,7 @@
             </a:ln>
             <a:extLst>
               <a:ext uri="{91240B29-F687-4f45-9708-019B960494DF}">
-                <a14:hiddenLine xmlns="" xmlns:a16="http://schemas.microsoft.com/office/drawing/2014/main" xmlns:p14="http://schemas.microsoft.com/office/powerpoint/2010/main" xmlns:a14="http://schemas.microsoft.com/office/drawing/2010/main" w="9525">
+                <a14:hiddenLine xmlns:a14="http://schemas.microsoft.com/office/drawing/2010/main" xmlns:p14="http://schemas.microsoft.com/office/powerpoint/2010/main" xmlns:a16="http://schemas.microsoft.com/office/drawing/2014/main" xmlns="" w="9525">
                   <a:solidFill>
                     <a:srgbClr val="000000"/>
                   </a:solidFill>
@@ -37459,7 +37481,7 @@
             </a:ln>
             <a:extLst>
               <a:ext uri="{91240B29-F687-4f45-9708-019B960494DF}">
-                <a14:hiddenLine xmlns="" xmlns:a16="http://schemas.microsoft.com/office/drawing/2014/main" xmlns:p14="http://schemas.microsoft.com/office/powerpoint/2010/main" xmlns:a14="http://schemas.microsoft.com/office/drawing/2010/main" w="9525">
+                <a14:hiddenLine xmlns:a14="http://schemas.microsoft.com/office/drawing/2010/main" xmlns:p14="http://schemas.microsoft.com/office/powerpoint/2010/main" xmlns:a16="http://schemas.microsoft.com/office/drawing/2014/main" xmlns="" w="9525">
                   <a:solidFill>
                     <a:srgbClr val="000000"/>
                   </a:solidFill>
@@ -37539,7 +37561,7 @@
             </a:ln>
             <a:extLst>
               <a:ext uri="{91240B29-F687-4f45-9708-019B960494DF}">
-                <a14:hiddenLine xmlns="" xmlns:a16="http://schemas.microsoft.com/office/drawing/2014/main" xmlns:p14="http://schemas.microsoft.com/office/powerpoint/2010/main" xmlns:a14="http://schemas.microsoft.com/office/drawing/2010/main" w="9525">
+                <a14:hiddenLine xmlns:a14="http://schemas.microsoft.com/office/drawing/2010/main" xmlns:p14="http://schemas.microsoft.com/office/powerpoint/2010/main" xmlns:a16="http://schemas.microsoft.com/office/drawing/2014/main" xmlns="" w="9525">
                   <a:solidFill>
                     <a:srgbClr val="000000"/>
                   </a:solidFill>
@@ -37674,7 +37696,7 @@
             </a:ln>
             <a:extLst>
               <a:ext uri="{91240B29-F687-4f45-9708-019B960494DF}">
-                <a14:hiddenLine xmlns="" xmlns:a16="http://schemas.microsoft.com/office/drawing/2014/main" xmlns:p14="http://schemas.microsoft.com/office/powerpoint/2010/main" xmlns:a14="http://schemas.microsoft.com/office/drawing/2010/main" w="9525">
+                <a14:hiddenLine xmlns:a14="http://schemas.microsoft.com/office/drawing/2010/main" xmlns:p14="http://schemas.microsoft.com/office/powerpoint/2010/main" xmlns:a16="http://schemas.microsoft.com/office/drawing/2014/main" xmlns="" w="9525">
                   <a:solidFill>
                     <a:srgbClr val="000000"/>
                   </a:solidFill>
@@ -37709,8 +37731,8 @@
         </p:blipFill>
         <p:spPr>
           <a:xfrm>
-            <a:off x="2451408" y="1293814"/>
-            <a:ext cx="7327284" cy="4927599"/>
+            <a:off x="1292225" y="997213"/>
+            <a:ext cx="7854972" cy="5282469"/>
           </a:xfrm>
           <a:prstGeom prst="round2DiagRect">
             <a:avLst>
@@ -37737,6 +37759,188 @@
           </a:effectLst>
         </p:spPr>
       </p:pic>
+      <p:pic>
+        <p:nvPicPr>
+          <p:cNvPr id="34" name="Immagine 33">
+            <a:extLst>
+              <a:ext uri="{FF2B5EF4-FFF2-40B4-BE49-F238E27FC236}">
+                <a16:creationId xmlns:a16="http://schemas.microsoft.com/office/drawing/2014/main" id="{3A246029-4360-4431-AC19-324512C3EEC0}"/>
+              </a:ext>
+            </a:extLst>
+          </p:cNvPr>
+          <p:cNvPicPr>
+            <a:picLocks noChangeAspect="1"/>
+          </p:cNvPicPr>
+          <p:nvPr/>
+        </p:nvPicPr>
+        <p:blipFill>
+          <a:blip r:embed="rId4"/>
+          <a:stretch>
+            <a:fillRect/>
+          </a:stretch>
+        </p:blipFill>
+        <p:spPr>
+          <a:xfrm>
+            <a:off x="8023400" y="1444623"/>
+            <a:ext cx="2930087" cy="1025530"/>
+          </a:xfrm>
+          <a:prstGeom prst="round2DiagRect">
+            <a:avLst>
+              <a:gd name="adj1" fmla="val 14567"/>
+              <a:gd name="adj2" fmla="val 18131"/>
+            </a:avLst>
+          </a:prstGeom>
+          <a:ln w="19050" cap="sq">
+            <a:solidFill>
+              <a:schemeClr val="tx2">
+                <a:lumMod val="60000"/>
+                <a:lumOff val="40000"/>
+                <a:alpha val="60000"/>
+              </a:schemeClr>
+            </a:solidFill>
+            <a:miter lim="800000"/>
+          </a:ln>
+          <a:effectLst>
+            <a:outerShdw blurRad="88900" dist="38100" dir="5400000" algn="t" rotWithShape="0">
+              <a:prstClr val="black">
+                <a:alpha val="40000"/>
+              </a:prstClr>
+            </a:outerShdw>
+          </a:effectLst>
+        </p:spPr>
+      </p:pic>
+      <p:cxnSp>
+        <p:nvCxnSpPr>
+          <p:cNvPr id="20" name="Connettore diritto 19">
+            <a:extLst>
+              <a:ext uri="{FF2B5EF4-FFF2-40B4-BE49-F238E27FC236}">
+                <a16:creationId xmlns:a16="http://schemas.microsoft.com/office/drawing/2014/main" id="{E298474C-1184-43EA-BC99-7221524FD705}"/>
+              </a:ext>
+            </a:extLst>
+          </p:cNvPr>
+          <p:cNvCxnSpPr/>
+          <p:nvPr/>
+        </p:nvCxnSpPr>
+        <p:spPr>
+          <a:xfrm>
+            <a:off x="5254388" y="3148084"/>
+            <a:ext cx="0" cy="204716"/>
+          </a:xfrm>
+          <a:prstGeom prst="line">
+            <a:avLst/>
+          </a:prstGeom>
+          <a:ln w="12700">
+            <a:solidFill>
+              <a:schemeClr val="tx2">
+                <a:lumMod val="50000"/>
+              </a:schemeClr>
+            </a:solidFill>
+          </a:ln>
+        </p:spPr>
+        <p:style>
+          <a:lnRef idx="1">
+            <a:schemeClr val="accent1"/>
+          </a:lnRef>
+          <a:fillRef idx="0">
+            <a:schemeClr val="accent1"/>
+          </a:fillRef>
+          <a:effectRef idx="0">
+            <a:schemeClr val="accent1"/>
+          </a:effectRef>
+          <a:fontRef idx="minor">
+            <a:schemeClr val="tx1"/>
+          </a:fontRef>
+        </p:style>
+      </p:cxnSp>
+      <p:cxnSp>
+        <p:nvCxnSpPr>
+          <p:cNvPr id="78" name="Connettore diritto 77">
+            <a:extLst>
+              <a:ext uri="{FF2B5EF4-FFF2-40B4-BE49-F238E27FC236}">
+                <a16:creationId xmlns:a16="http://schemas.microsoft.com/office/drawing/2014/main" id="{264C5CBF-85FD-422C-B569-94B98067D1A0}"/>
+              </a:ext>
+            </a:extLst>
+          </p:cNvPr>
+          <p:cNvCxnSpPr>
+            <a:cxnSpLocks/>
+          </p:cNvCxnSpPr>
+          <p:nvPr/>
+        </p:nvCxnSpPr>
+        <p:spPr>
+          <a:xfrm flipV="1">
+            <a:off x="5254388" y="3346848"/>
+            <a:ext cx="4197194" cy="5952"/>
+          </a:xfrm>
+          <a:prstGeom prst="line">
+            <a:avLst/>
+          </a:prstGeom>
+          <a:ln w="12700">
+            <a:solidFill>
+              <a:schemeClr val="tx2">
+                <a:lumMod val="50000"/>
+              </a:schemeClr>
+            </a:solidFill>
+          </a:ln>
+        </p:spPr>
+        <p:style>
+          <a:lnRef idx="1">
+            <a:schemeClr val="accent1"/>
+          </a:lnRef>
+          <a:fillRef idx="0">
+            <a:schemeClr val="accent1"/>
+          </a:fillRef>
+          <a:effectRef idx="0">
+            <a:schemeClr val="accent1"/>
+          </a:effectRef>
+          <a:fontRef idx="minor">
+            <a:schemeClr val="tx1"/>
+          </a:fontRef>
+        </p:style>
+      </p:cxnSp>
+      <p:cxnSp>
+        <p:nvCxnSpPr>
+          <p:cNvPr id="24" name="Connettore 2 23">
+            <a:extLst>
+              <a:ext uri="{FF2B5EF4-FFF2-40B4-BE49-F238E27FC236}">
+                <a16:creationId xmlns:a16="http://schemas.microsoft.com/office/drawing/2014/main" id="{F4BE9BD0-CE50-4B75-B41F-216BF640055E}"/>
+              </a:ext>
+            </a:extLst>
+          </p:cNvPr>
+          <p:cNvCxnSpPr/>
+          <p:nvPr/>
+        </p:nvCxnSpPr>
+        <p:spPr>
+          <a:xfrm flipV="1">
+            <a:off x="9451582" y="2588525"/>
+            <a:ext cx="0" cy="764275"/>
+          </a:xfrm>
+          <a:prstGeom prst="straightConnector1">
+            <a:avLst/>
+          </a:prstGeom>
+          <a:ln w="12700">
+            <a:solidFill>
+              <a:schemeClr val="tx2">
+                <a:lumMod val="50000"/>
+              </a:schemeClr>
+            </a:solidFill>
+            <a:tailEnd type="triangle"/>
+          </a:ln>
+        </p:spPr>
+        <p:style>
+          <a:lnRef idx="1">
+            <a:schemeClr val="accent1"/>
+          </a:lnRef>
+          <a:fillRef idx="0">
+            <a:schemeClr val="accent1"/>
+          </a:fillRef>
+          <a:effectRef idx="0">
+            <a:schemeClr val="accent1"/>
+          </a:effectRef>
+          <a:fontRef idx="minor">
+            <a:schemeClr val="tx1"/>
+          </a:fontRef>
+        </p:style>
+      </p:cxnSp>
     </p:spTree>
     <p:extLst>
       <p:ext uri="{BB962C8B-B14F-4D97-AF65-F5344CB8AC3E}">
@@ -37883,7 +38087,7 @@
           <a:noFill/>
           <a:extLst>
             <a:ext uri="{909E8E84-426E-40dd-AFC4-6F175D3DCCD1}">
-              <a14:hiddenFill xmlns="" xmlns:a16="http://schemas.microsoft.com/office/drawing/2014/main" xmlns:p14="http://schemas.microsoft.com/office/powerpoint/2010/main" xmlns:a14="http://schemas.microsoft.com/office/drawing/2010/main">
+              <a14:hiddenFill xmlns:a14="http://schemas.microsoft.com/office/drawing/2010/main" xmlns:p14="http://schemas.microsoft.com/office/powerpoint/2010/main" xmlns:a16="http://schemas.microsoft.com/office/drawing/2014/main" xmlns="">
                 <a:solidFill>
                   <a:srgbClr val="FFFFFF"/>
                 </a:solidFill>
@@ -38010,7 +38214,7 @@
             </a:ln>
             <a:extLst>
               <a:ext uri="{91240B29-F687-4f45-9708-019B960494DF}">
-                <a14:hiddenLine xmlns="" xmlns:a16="http://schemas.microsoft.com/office/drawing/2014/main" xmlns:p14="http://schemas.microsoft.com/office/powerpoint/2010/main" xmlns:a14="http://schemas.microsoft.com/office/drawing/2010/main" w="9525">
+                <a14:hiddenLine xmlns:a14="http://schemas.microsoft.com/office/drawing/2010/main" xmlns:p14="http://schemas.microsoft.com/office/powerpoint/2010/main" xmlns:a16="http://schemas.microsoft.com/office/drawing/2014/main" xmlns="" w="9525">
                   <a:solidFill>
                     <a:srgbClr val="000000"/>
                   </a:solidFill>
@@ -38115,7 +38319,7 @@
             </a:ln>
             <a:extLst>
               <a:ext uri="{91240B29-F687-4f45-9708-019B960494DF}">
-                <a14:hiddenLine xmlns="" xmlns:a16="http://schemas.microsoft.com/office/drawing/2014/main" xmlns:p14="http://schemas.microsoft.com/office/powerpoint/2010/main" xmlns:a14="http://schemas.microsoft.com/office/drawing/2010/main" w="9525">
+                <a14:hiddenLine xmlns:a14="http://schemas.microsoft.com/office/drawing/2010/main" xmlns:p14="http://schemas.microsoft.com/office/powerpoint/2010/main" xmlns:a16="http://schemas.microsoft.com/office/drawing/2014/main" xmlns="" w="9525">
                   <a:solidFill>
                     <a:srgbClr val="000000"/>
                   </a:solidFill>
@@ -38220,7 +38424,7 @@
             </a:ln>
             <a:extLst>
               <a:ext uri="{91240B29-F687-4f45-9708-019B960494DF}">
-                <a14:hiddenLine xmlns="" xmlns:a16="http://schemas.microsoft.com/office/drawing/2014/main" xmlns:p14="http://schemas.microsoft.com/office/powerpoint/2010/main" xmlns:a14="http://schemas.microsoft.com/office/drawing/2010/main" w="9525">
+                <a14:hiddenLine xmlns:a14="http://schemas.microsoft.com/office/drawing/2010/main" xmlns:p14="http://schemas.microsoft.com/office/powerpoint/2010/main" xmlns:a16="http://schemas.microsoft.com/office/drawing/2014/main" xmlns="" w="9525">
                   <a:solidFill>
                     <a:srgbClr val="000000"/>
                   </a:solidFill>
@@ -38297,7 +38501,7 @@
             </a:ln>
             <a:extLst>
               <a:ext uri="{91240B29-F687-4f45-9708-019B960494DF}">
-                <a14:hiddenLine xmlns="" xmlns:a16="http://schemas.microsoft.com/office/drawing/2014/main" xmlns:p14="http://schemas.microsoft.com/office/powerpoint/2010/main" xmlns:a14="http://schemas.microsoft.com/office/drawing/2010/main" w="9525">
+                <a14:hiddenLine xmlns:a14="http://schemas.microsoft.com/office/drawing/2010/main" xmlns:p14="http://schemas.microsoft.com/office/powerpoint/2010/main" xmlns:a16="http://schemas.microsoft.com/office/drawing/2014/main" xmlns="" w="9525">
                   <a:solidFill>
                     <a:srgbClr val="000000"/>
                   </a:solidFill>
@@ -38402,7 +38606,7 @@
             </a:ln>
             <a:extLst>
               <a:ext uri="{91240B29-F687-4f45-9708-019B960494DF}">
-                <a14:hiddenLine xmlns="" xmlns:a16="http://schemas.microsoft.com/office/drawing/2014/main" xmlns:p14="http://schemas.microsoft.com/office/powerpoint/2010/main" xmlns:a14="http://schemas.microsoft.com/office/drawing/2010/main" w="9525">
+                <a14:hiddenLine xmlns:a14="http://schemas.microsoft.com/office/drawing/2010/main" xmlns:p14="http://schemas.microsoft.com/office/powerpoint/2010/main" xmlns:a16="http://schemas.microsoft.com/office/drawing/2014/main" xmlns="" w="9525">
                   <a:solidFill>
                     <a:srgbClr val="000000"/>
                   </a:solidFill>
@@ -38479,7 +38683,7 @@
             </a:ln>
             <a:extLst>
               <a:ext uri="{91240B29-F687-4f45-9708-019B960494DF}">
-                <a14:hiddenLine xmlns="" xmlns:a16="http://schemas.microsoft.com/office/drawing/2014/main" xmlns:p14="http://schemas.microsoft.com/office/powerpoint/2010/main" xmlns:a14="http://schemas.microsoft.com/office/drawing/2010/main" w="9525">
+                <a14:hiddenLine xmlns:a14="http://schemas.microsoft.com/office/drawing/2010/main" xmlns:p14="http://schemas.microsoft.com/office/powerpoint/2010/main" xmlns:a16="http://schemas.microsoft.com/office/drawing/2014/main" xmlns="" w="9525">
                   <a:solidFill>
                     <a:srgbClr val="000000"/>
                   </a:solidFill>
@@ -38556,7 +38760,7 @@
             </a:ln>
             <a:extLst>
               <a:ext uri="{91240B29-F687-4f45-9708-019B960494DF}">
-                <a14:hiddenLine xmlns="" xmlns:a16="http://schemas.microsoft.com/office/drawing/2014/main" xmlns:p14="http://schemas.microsoft.com/office/powerpoint/2010/main" xmlns:a14="http://schemas.microsoft.com/office/drawing/2010/main" w="9525">
+                <a14:hiddenLine xmlns:a14="http://schemas.microsoft.com/office/drawing/2010/main" xmlns:p14="http://schemas.microsoft.com/office/powerpoint/2010/main" xmlns:a16="http://schemas.microsoft.com/office/drawing/2014/main" xmlns="" w="9525">
                   <a:solidFill>
                     <a:srgbClr val="000000"/>
                   </a:solidFill>
@@ -38661,7 +38865,7 @@
             </a:ln>
             <a:extLst>
               <a:ext uri="{91240B29-F687-4f45-9708-019B960494DF}">
-                <a14:hiddenLine xmlns="" xmlns:a16="http://schemas.microsoft.com/office/drawing/2014/main" xmlns:p14="http://schemas.microsoft.com/office/powerpoint/2010/main" xmlns:a14="http://schemas.microsoft.com/office/drawing/2010/main" w="9525">
+                <a14:hiddenLine xmlns:a14="http://schemas.microsoft.com/office/drawing/2010/main" xmlns:p14="http://schemas.microsoft.com/office/powerpoint/2010/main" xmlns:a16="http://schemas.microsoft.com/office/drawing/2014/main" xmlns="" w="9525">
                   <a:solidFill>
                     <a:srgbClr val="000000"/>
                   </a:solidFill>
@@ -38766,7 +38970,7 @@
             </a:ln>
             <a:extLst>
               <a:ext uri="{91240B29-F687-4f45-9708-019B960494DF}">
-                <a14:hiddenLine xmlns="" xmlns:a16="http://schemas.microsoft.com/office/drawing/2014/main" xmlns:p14="http://schemas.microsoft.com/office/powerpoint/2010/main" xmlns:a14="http://schemas.microsoft.com/office/drawing/2010/main" w="9525">
+                <a14:hiddenLine xmlns:a14="http://schemas.microsoft.com/office/drawing/2010/main" xmlns:p14="http://schemas.microsoft.com/office/powerpoint/2010/main" xmlns:a16="http://schemas.microsoft.com/office/drawing/2014/main" xmlns="" w="9525">
                   <a:solidFill>
                     <a:srgbClr val="000000"/>
                   </a:solidFill>
@@ -38843,7 +39047,7 @@
             </a:ln>
             <a:extLst>
               <a:ext uri="{91240B29-F687-4f45-9708-019B960494DF}">
-                <a14:hiddenLine xmlns="" xmlns:a16="http://schemas.microsoft.com/office/drawing/2014/main" xmlns:p14="http://schemas.microsoft.com/office/powerpoint/2010/main" xmlns:a14="http://schemas.microsoft.com/office/drawing/2010/main" w="9525">
+                <a14:hiddenLine xmlns:a14="http://schemas.microsoft.com/office/drawing/2010/main" xmlns:p14="http://schemas.microsoft.com/office/powerpoint/2010/main" xmlns:a16="http://schemas.microsoft.com/office/drawing/2014/main" xmlns="" w="9525">
                   <a:solidFill>
                     <a:srgbClr val="000000"/>
                   </a:solidFill>
@@ -38968,7 +39172,7 @@
             </a:ln>
             <a:extLst>
               <a:ext uri="{91240B29-F687-4f45-9708-019B960494DF}">
-                <a14:hiddenLine xmlns="" xmlns:a16="http://schemas.microsoft.com/office/drawing/2014/main" xmlns:p14="http://schemas.microsoft.com/office/powerpoint/2010/main" xmlns:a14="http://schemas.microsoft.com/office/drawing/2010/main" w="9525">
+                <a14:hiddenLine xmlns:a14="http://schemas.microsoft.com/office/drawing/2010/main" xmlns:p14="http://schemas.microsoft.com/office/powerpoint/2010/main" xmlns:a16="http://schemas.microsoft.com/office/drawing/2014/main" xmlns="" w="9525">
                   <a:solidFill>
                     <a:srgbClr val="000000"/>
                   </a:solidFill>
@@ -39082,7 +39286,7 @@
             </a:ln>
             <a:extLst>
               <a:ext uri="{91240B29-F687-4f45-9708-019B960494DF}">
-                <a14:hiddenLine xmlns="" xmlns:a16="http://schemas.microsoft.com/office/drawing/2014/main" xmlns:p14="http://schemas.microsoft.com/office/powerpoint/2010/main" xmlns:a14="http://schemas.microsoft.com/office/drawing/2010/main" w="9525">
+                <a14:hiddenLine xmlns:a14="http://schemas.microsoft.com/office/drawing/2010/main" xmlns:p14="http://schemas.microsoft.com/office/powerpoint/2010/main" xmlns:a16="http://schemas.microsoft.com/office/drawing/2014/main" xmlns="" w="9525">
                   <a:solidFill>
                     <a:srgbClr val="000000"/>
                   </a:solidFill>
@@ -39159,7 +39363,7 @@
             </a:ln>
             <a:extLst>
               <a:ext uri="{91240B29-F687-4f45-9708-019B960494DF}">
-                <a14:hiddenLine xmlns="" xmlns:a16="http://schemas.microsoft.com/office/drawing/2014/main" xmlns:p14="http://schemas.microsoft.com/office/powerpoint/2010/main" xmlns:a14="http://schemas.microsoft.com/office/drawing/2010/main" w="9525">
+                <a14:hiddenLine xmlns:a14="http://schemas.microsoft.com/office/drawing/2010/main" xmlns:p14="http://schemas.microsoft.com/office/powerpoint/2010/main" xmlns:a16="http://schemas.microsoft.com/office/drawing/2014/main" xmlns="" w="9525">
                   <a:solidFill>
                     <a:srgbClr val="000000"/>
                   </a:solidFill>
@@ -39236,7 +39440,7 @@
             </a:ln>
             <a:extLst>
               <a:ext uri="{91240B29-F687-4f45-9708-019B960494DF}">
-                <a14:hiddenLine xmlns="" xmlns:a16="http://schemas.microsoft.com/office/drawing/2014/main" xmlns:p14="http://schemas.microsoft.com/office/powerpoint/2010/main" xmlns:a14="http://schemas.microsoft.com/office/drawing/2010/main" w="9525">
+                <a14:hiddenLine xmlns:a14="http://schemas.microsoft.com/office/drawing/2010/main" xmlns:p14="http://schemas.microsoft.com/office/powerpoint/2010/main" xmlns:a16="http://schemas.microsoft.com/office/drawing/2014/main" xmlns="" w="9525">
                   <a:solidFill>
                     <a:srgbClr val="000000"/>
                   </a:solidFill>
@@ -39341,7 +39545,7 @@
             </a:ln>
             <a:extLst>
               <a:ext uri="{91240B29-F687-4f45-9708-019B960494DF}">
-                <a14:hiddenLine xmlns="" xmlns:a16="http://schemas.microsoft.com/office/drawing/2014/main" xmlns:p14="http://schemas.microsoft.com/office/powerpoint/2010/main" xmlns:a14="http://schemas.microsoft.com/office/drawing/2010/main" w="9525">
+                <a14:hiddenLine xmlns:a14="http://schemas.microsoft.com/office/drawing/2010/main" xmlns:p14="http://schemas.microsoft.com/office/powerpoint/2010/main" xmlns:a16="http://schemas.microsoft.com/office/drawing/2014/main" xmlns="" w="9525">
                   <a:solidFill>
                     <a:srgbClr val="000000"/>
                   </a:solidFill>
@@ -39390,7 +39594,7 @@
             </a:ln>
             <a:extLst>
               <a:ext uri="{91240B29-F687-4f45-9708-019B960494DF}">
-                <a14:hiddenLine xmlns="" xmlns:a16="http://schemas.microsoft.com/office/drawing/2014/main" xmlns:p14="http://schemas.microsoft.com/office/powerpoint/2010/main" xmlns:a14="http://schemas.microsoft.com/office/drawing/2010/main" w="9525">
+                <a14:hiddenLine xmlns:a14="http://schemas.microsoft.com/office/drawing/2010/main" xmlns:p14="http://schemas.microsoft.com/office/powerpoint/2010/main" xmlns:a16="http://schemas.microsoft.com/office/drawing/2014/main" xmlns="" w="9525">
                   <a:solidFill>
                     <a:srgbClr val="000000"/>
                   </a:solidFill>
@@ -39470,7 +39674,7 @@
             </a:ln>
             <a:extLst>
               <a:ext uri="{91240B29-F687-4f45-9708-019B960494DF}">
-                <a14:hiddenLine xmlns="" xmlns:a16="http://schemas.microsoft.com/office/drawing/2014/main" xmlns:p14="http://schemas.microsoft.com/office/powerpoint/2010/main" xmlns:a14="http://schemas.microsoft.com/office/drawing/2010/main" w="9525">
+                <a14:hiddenLine xmlns:a14="http://schemas.microsoft.com/office/drawing/2010/main" xmlns:p14="http://schemas.microsoft.com/office/powerpoint/2010/main" xmlns:a16="http://schemas.microsoft.com/office/drawing/2014/main" xmlns="" w="9525">
                   <a:solidFill>
                     <a:srgbClr val="000000"/>
                   </a:solidFill>
@@ -39575,7 +39779,7 @@
             </a:ln>
             <a:extLst>
               <a:ext uri="{91240B29-F687-4f45-9708-019B960494DF}">
-                <a14:hiddenLine xmlns="" xmlns:a16="http://schemas.microsoft.com/office/drawing/2014/main" xmlns:p14="http://schemas.microsoft.com/office/powerpoint/2010/main" xmlns:a14="http://schemas.microsoft.com/office/drawing/2010/main" w="9525">
+                <a14:hiddenLine xmlns:a14="http://schemas.microsoft.com/office/drawing/2010/main" xmlns:p14="http://schemas.microsoft.com/office/powerpoint/2010/main" xmlns:a16="http://schemas.microsoft.com/office/drawing/2014/main" xmlns="" w="9525">
                   <a:solidFill>
                     <a:srgbClr val="000000"/>
                   </a:solidFill>
@@ -39652,7 +39856,7 @@
             </a:ln>
             <a:extLst>
               <a:ext uri="{91240B29-F687-4f45-9708-019B960494DF}">
-                <a14:hiddenLine xmlns="" xmlns:a16="http://schemas.microsoft.com/office/drawing/2014/main" xmlns:p14="http://schemas.microsoft.com/office/powerpoint/2010/main" xmlns:a14="http://schemas.microsoft.com/office/drawing/2010/main" w="9525">
+                <a14:hiddenLine xmlns:a14="http://schemas.microsoft.com/office/drawing/2010/main" xmlns:p14="http://schemas.microsoft.com/office/powerpoint/2010/main" xmlns:a16="http://schemas.microsoft.com/office/drawing/2014/main" xmlns="" w="9525">
                   <a:solidFill>
                     <a:srgbClr val="000000"/>
                   </a:solidFill>
@@ -39757,7 +39961,7 @@
             </a:ln>
             <a:extLst>
               <a:ext uri="{91240B29-F687-4f45-9708-019B960494DF}">
-                <a14:hiddenLine xmlns="" xmlns:a16="http://schemas.microsoft.com/office/drawing/2014/main" xmlns:p14="http://schemas.microsoft.com/office/powerpoint/2010/main" xmlns:a14="http://schemas.microsoft.com/office/drawing/2010/main" w="9525">
+                <a14:hiddenLine xmlns:a14="http://schemas.microsoft.com/office/drawing/2010/main" xmlns:p14="http://schemas.microsoft.com/office/powerpoint/2010/main" xmlns:a16="http://schemas.microsoft.com/office/drawing/2014/main" xmlns="" w="9525">
                   <a:solidFill>
                     <a:srgbClr val="000000"/>
                   </a:solidFill>
@@ -39837,7 +40041,7 @@
             </a:ln>
             <a:extLst>
               <a:ext uri="{91240B29-F687-4f45-9708-019B960494DF}">
-                <a14:hiddenLine xmlns="" xmlns:a16="http://schemas.microsoft.com/office/drawing/2014/main" xmlns:p14="http://schemas.microsoft.com/office/powerpoint/2010/main" xmlns:a14="http://schemas.microsoft.com/office/drawing/2010/main" w="9525">
+                <a14:hiddenLine xmlns:a14="http://schemas.microsoft.com/office/drawing/2010/main" xmlns:p14="http://schemas.microsoft.com/office/powerpoint/2010/main" xmlns:a16="http://schemas.microsoft.com/office/drawing/2014/main" xmlns="" w="9525">
                   <a:solidFill>
                     <a:srgbClr val="000000"/>
                   </a:solidFill>
@@ -39914,7 +40118,7 @@
             </a:ln>
             <a:extLst>
               <a:ext uri="{91240B29-F687-4f45-9708-019B960494DF}">
-                <a14:hiddenLine xmlns="" xmlns:a16="http://schemas.microsoft.com/office/drawing/2014/main" xmlns:p14="http://schemas.microsoft.com/office/powerpoint/2010/main" xmlns:a14="http://schemas.microsoft.com/office/drawing/2010/main" w="9525">
+                <a14:hiddenLine xmlns:a14="http://schemas.microsoft.com/office/drawing/2010/main" xmlns:p14="http://schemas.microsoft.com/office/powerpoint/2010/main" xmlns:a16="http://schemas.microsoft.com/office/drawing/2014/main" xmlns="" w="9525">
                   <a:solidFill>
                     <a:srgbClr val="000000"/>
                   </a:solidFill>
@@ -40019,7 +40223,7 @@
             </a:ln>
             <a:extLst>
               <a:ext uri="{91240B29-F687-4f45-9708-019B960494DF}">
-                <a14:hiddenLine xmlns="" xmlns:a16="http://schemas.microsoft.com/office/drawing/2014/main" xmlns:p14="http://schemas.microsoft.com/office/powerpoint/2010/main" xmlns:a14="http://schemas.microsoft.com/office/drawing/2010/main" w="9525">
+                <a14:hiddenLine xmlns:a14="http://schemas.microsoft.com/office/drawing/2010/main" xmlns:p14="http://schemas.microsoft.com/office/powerpoint/2010/main" xmlns:a16="http://schemas.microsoft.com/office/drawing/2014/main" xmlns="" w="9525">
                   <a:solidFill>
                     <a:srgbClr val="000000"/>
                   </a:solidFill>
@@ -40124,7 +40328,7 @@
             </a:ln>
             <a:extLst>
               <a:ext uri="{91240B29-F687-4f45-9708-019B960494DF}">
-                <a14:hiddenLine xmlns="" xmlns:a16="http://schemas.microsoft.com/office/drawing/2014/main" xmlns:p14="http://schemas.microsoft.com/office/powerpoint/2010/main" xmlns:a14="http://schemas.microsoft.com/office/drawing/2010/main" w="9525">
+                <a14:hiddenLine xmlns:a14="http://schemas.microsoft.com/office/drawing/2010/main" xmlns:p14="http://schemas.microsoft.com/office/powerpoint/2010/main" xmlns:a16="http://schemas.microsoft.com/office/drawing/2014/main" xmlns="" w="9525">
                   <a:solidFill>
                     <a:srgbClr val="000000"/>
                   </a:solidFill>
@@ -40204,7 +40408,7 @@
             </a:ln>
             <a:extLst>
               <a:ext uri="{91240B29-F687-4f45-9708-019B960494DF}">
-                <a14:hiddenLine xmlns="" xmlns:a16="http://schemas.microsoft.com/office/drawing/2014/main" xmlns:p14="http://schemas.microsoft.com/office/powerpoint/2010/main" xmlns:a14="http://schemas.microsoft.com/office/drawing/2010/main" w="9525">
+                <a14:hiddenLine xmlns:a14="http://schemas.microsoft.com/office/drawing/2010/main" xmlns:p14="http://schemas.microsoft.com/office/powerpoint/2010/main" xmlns:a16="http://schemas.microsoft.com/office/drawing/2014/main" xmlns="" w="9525">
                   <a:solidFill>
                     <a:srgbClr val="000000"/>
                   </a:solidFill>
@@ -40339,7 +40543,7 @@
             </a:ln>
             <a:extLst>
               <a:ext uri="{91240B29-F687-4f45-9708-019B960494DF}">
-                <a14:hiddenLine xmlns="" xmlns:a16="http://schemas.microsoft.com/office/drawing/2014/main" xmlns:p14="http://schemas.microsoft.com/office/powerpoint/2010/main" xmlns:a14="http://schemas.microsoft.com/office/drawing/2010/main" w="9525">
+                <a14:hiddenLine xmlns:a14="http://schemas.microsoft.com/office/drawing/2010/main" xmlns:p14="http://schemas.microsoft.com/office/powerpoint/2010/main" xmlns:a16="http://schemas.microsoft.com/office/drawing/2014/main" xmlns="" w="9525">
                   <a:solidFill>
                     <a:srgbClr val="000000"/>
                   </a:solidFill>
@@ -40567,7 +40771,7 @@
           <a:noFill/>
           <a:extLst>
             <a:ext uri="{909E8E84-426E-40dd-AFC4-6F175D3DCCD1}">
-              <a14:hiddenFill xmlns="" xmlns:a16="http://schemas.microsoft.com/office/drawing/2014/main" xmlns:p14="http://schemas.microsoft.com/office/powerpoint/2010/main" xmlns:a14="http://schemas.microsoft.com/office/drawing/2010/main">
+              <a14:hiddenFill xmlns:a14="http://schemas.microsoft.com/office/drawing/2010/main" xmlns:p14="http://schemas.microsoft.com/office/powerpoint/2010/main" xmlns:a16="http://schemas.microsoft.com/office/drawing/2014/main" xmlns="">
                 <a:solidFill>
                   <a:srgbClr val="FFFFFF"/>
                 </a:solidFill>
@@ -40694,7 +40898,7 @@
             </a:ln>
             <a:extLst>
               <a:ext uri="{91240B29-F687-4f45-9708-019B960494DF}">
-                <a14:hiddenLine xmlns="" xmlns:a16="http://schemas.microsoft.com/office/drawing/2014/main" xmlns:p14="http://schemas.microsoft.com/office/powerpoint/2010/main" xmlns:a14="http://schemas.microsoft.com/office/drawing/2010/main" w="9525">
+                <a14:hiddenLine xmlns:a14="http://schemas.microsoft.com/office/drawing/2010/main" xmlns:p14="http://schemas.microsoft.com/office/powerpoint/2010/main" xmlns:a16="http://schemas.microsoft.com/office/drawing/2014/main" xmlns="" w="9525">
                   <a:solidFill>
                     <a:srgbClr val="000000"/>
                   </a:solidFill>
@@ -40799,7 +41003,7 @@
             </a:ln>
             <a:extLst>
               <a:ext uri="{91240B29-F687-4f45-9708-019B960494DF}">
-                <a14:hiddenLine xmlns="" xmlns:a16="http://schemas.microsoft.com/office/drawing/2014/main" xmlns:p14="http://schemas.microsoft.com/office/powerpoint/2010/main" xmlns:a14="http://schemas.microsoft.com/office/drawing/2010/main" w="9525">
+                <a14:hiddenLine xmlns:a14="http://schemas.microsoft.com/office/drawing/2010/main" xmlns:p14="http://schemas.microsoft.com/office/powerpoint/2010/main" xmlns:a16="http://schemas.microsoft.com/office/drawing/2014/main" xmlns="" w="9525">
                   <a:solidFill>
                     <a:srgbClr val="000000"/>
                   </a:solidFill>
@@ -40904,7 +41108,7 @@
             </a:ln>
             <a:extLst>
               <a:ext uri="{91240B29-F687-4f45-9708-019B960494DF}">
-                <a14:hiddenLine xmlns="" xmlns:a16="http://schemas.microsoft.com/office/drawing/2014/main" xmlns:p14="http://schemas.microsoft.com/office/powerpoint/2010/main" xmlns:a14="http://schemas.microsoft.com/office/drawing/2010/main" w="9525">
+                <a14:hiddenLine xmlns:a14="http://schemas.microsoft.com/office/drawing/2010/main" xmlns:p14="http://schemas.microsoft.com/office/powerpoint/2010/main" xmlns:a16="http://schemas.microsoft.com/office/drawing/2014/main" xmlns="" w="9525">
                   <a:solidFill>
                     <a:srgbClr val="000000"/>
                   </a:solidFill>
@@ -40981,7 +41185,7 @@
             </a:ln>
             <a:extLst>
               <a:ext uri="{91240B29-F687-4f45-9708-019B960494DF}">
-                <a14:hiddenLine xmlns="" xmlns:a16="http://schemas.microsoft.com/office/drawing/2014/main" xmlns:p14="http://schemas.microsoft.com/office/powerpoint/2010/main" xmlns:a14="http://schemas.microsoft.com/office/drawing/2010/main" w="9525">
+                <a14:hiddenLine xmlns:a14="http://schemas.microsoft.com/office/drawing/2010/main" xmlns:p14="http://schemas.microsoft.com/office/powerpoint/2010/main" xmlns:a16="http://schemas.microsoft.com/office/drawing/2014/main" xmlns="" w="9525">
                   <a:solidFill>
                     <a:srgbClr val="000000"/>
                   </a:solidFill>
@@ -41086,7 +41290,7 @@
             </a:ln>
             <a:extLst>
               <a:ext uri="{91240B29-F687-4f45-9708-019B960494DF}">
-                <a14:hiddenLine xmlns="" xmlns:a16="http://schemas.microsoft.com/office/drawing/2014/main" xmlns:p14="http://schemas.microsoft.com/office/powerpoint/2010/main" xmlns:a14="http://schemas.microsoft.com/office/drawing/2010/main" w="9525">
+                <a14:hiddenLine xmlns:a14="http://schemas.microsoft.com/office/drawing/2010/main" xmlns:p14="http://schemas.microsoft.com/office/powerpoint/2010/main" xmlns:a16="http://schemas.microsoft.com/office/drawing/2014/main" xmlns="" w="9525">
                   <a:solidFill>
                     <a:srgbClr val="000000"/>
                   </a:solidFill>
@@ -41163,7 +41367,7 @@
             </a:ln>
             <a:extLst>
               <a:ext uri="{91240B29-F687-4f45-9708-019B960494DF}">
-                <a14:hiddenLine xmlns="" xmlns:a16="http://schemas.microsoft.com/office/drawing/2014/main" xmlns:p14="http://schemas.microsoft.com/office/powerpoint/2010/main" xmlns:a14="http://schemas.microsoft.com/office/drawing/2010/main" w="9525">
+                <a14:hiddenLine xmlns:a14="http://schemas.microsoft.com/office/drawing/2010/main" xmlns:p14="http://schemas.microsoft.com/office/powerpoint/2010/main" xmlns:a16="http://schemas.microsoft.com/office/drawing/2014/main" xmlns="" w="9525">
                   <a:solidFill>
                     <a:srgbClr val="000000"/>
                   </a:solidFill>
@@ -41240,7 +41444,7 @@
             </a:ln>
             <a:extLst>
               <a:ext uri="{91240B29-F687-4f45-9708-019B960494DF}">
-                <a14:hiddenLine xmlns="" xmlns:a16="http://schemas.microsoft.com/office/drawing/2014/main" xmlns:p14="http://schemas.microsoft.com/office/powerpoint/2010/main" xmlns:a14="http://schemas.microsoft.com/office/drawing/2010/main" w="9525">
+                <a14:hiddenLine xmlns:a14="http://schemas.microsoft.com/office/drawing/2010/main" xmlns:p14="http://schemas.microsoft.com/office/powerpoint/2010/main" xmlns:a16="http://schemas.microsoft.com/office/drawing/2014/main" xmlns="" w="9525">
                   <a:solidFill>
                     <a:srgbClr val="000000"/>
                   </a:solidFill>
@@ -41345,7 +41549,7 @@
             </a:ln>
             <a:extLst>
               <a:ext uri="{91240B29-F687-4f45-9708-019B960494DF}">
-                <a14:hiddenLine xmlns="" xmlns:a16="http://schemas.microsoft.com/office/drawing/2014/main" xmlns:p14="http://schemas.microsoft.com/office/powerpoint/2010/main" xmlns:a14="http://schemas.microsoft.com/office/drawing/2010/main" w="9525">
+                <a14:hiddenLine xmlns:a14="http://schemas.microsoft.com/office/drawing/2010/main" xmlns:p14="http://schemas.microsoft.com/office/powerpoint/2010/main" xmlns:a16="http://schemas.microsoft.com/office/drawing/2014/main" xmlns="" w="9525">
                   <a:solidFill>
                     <a:srgbClr val="000000"/>
                   </a:solidFill>
@@ -41450,7 +41654,7 @@
             </a:ln>
             <a:extLst>
               <a:ext uri="{91240B29-F687-4f45-9708-019B960494DF}">
-                <a14:hiddenLine xmlns="" xmlns:a16="http://schemas.microsoft.com/office/drawing/2014/main" xmlns:p14="http://schemas.microsoft.com/office/powerpoint/2010/main" xmlns:a14="http://schemas.microsoft.com/office/drawing/2010/main" w="9525">
+                <a14:hiddenLine xmlns:a14="http://schemas.microsoft.com/office/drawing/2010/main" xmlns:p14="http://schemas.microsoft.com/office/powerpoint/2010/main" xmlns:a16="http://schemas.microsoft.com/office/drawing/2014/main" xmlns="" w="9525">
                   <a:solidFill>
                     <a:srgbClr val="000000"/>
                   </a:solidFill>
@@ -41527,7 +41731,7 @@
             </a:ln>
             <a:extLst>
               <a:ext uri="{91240B29-F687-4f45-9708-019B960494DF}">
-                <a14:hiddenLine xmlns="" xmlns:a16="http://schemas.microsoft.com/office/drawing/2014/main" xmlns:p14="http://schemas.microsoft.com/office/powerpoint/2010/main" xmlns:a14="http://schemas.microsoft.com/office/drawing/2010/main" w="9525">
+                <a14:hiddenLine xmlns:a14="http://schemas.microsoft.com/office/drawing/2010/main" xmlns:p14="http://schemas.microsoft.com/office/powerpoint/2010/main" xmlns:a16="http://schemas.microsoft.com/office/drawing/2014/main" xmlns="" w="9525">
                   <a:solidFill>
                     <a:srgbClr val="000000"/>
                   </a:solidFill>
@@ -41652,7 +41856,7 @@
             </a:ln>
             <a:extLst>
               <a:ext uri="{91240B29-F687-4f45-9708-019B960494DF}">
-                <a14:hiddenLine xmlns="" xmlns:a16="http://schemas.microsoft.com/office/drawing/2014/main" xmlns:p14="http://schemas.microsoft.com/office/powerpoint/2010/main" xmlns:a14="http://schemas.microsoft.com/office/drawing/2010/main" w="9525">
+                <a14:hiddenLine xmlns:a14="http://schemas.microsoft.com/office/drawing/2010/main" xmlns:p14="http://schemas.microsoft.com/office/powerpoint/2010/main" xmlns:a16="http://schemas.microsoft.com/office/drawing/2014/main" xmlns="" w="9525">
                   <a:solidFill>
                     <a:srgbClr val="000000"/>
                   </a:solidFill>
@@ -41766,7 +41970,7 @@
             </a:ln>
             <a:extLst>
               <a:ext uri="{91240B29-F687-4f45-9708-019B960494DF}">
-                <a14:hiddenLine xmlns="" xmlns:a16="http://schemas.microsoft.com/office/drawing/2014/main" xmlns:p14="http://schemas.microsoft.com/office/powerpoint/2010/main" xmlns:a14="http://schemas.microsoft.com/office/drawing/2010/main" w="9525">
+                <a14:hiddenLine xmlns:a14="http://schemas.microsoft.com/office/drawing/2010/main" xmlns:p14="http://schemas.microsoft.com/office/powerpoint/2010/main" xmlns:a16="http://schemas.microsoft.com/office/drawing/2014/main" xmlns="" w="9525">
                   <a:solidFill>
                     <a:srgbClr val="000000"/>
                   </a:solidFill>
@@ -41843,7 +42047,7 @@
             </a:ln>
             <a:extLst>
               <a:ext uri="{91240B29-F687-4f45-9708-019B960494DF}">
-                <a14:hiddenLine xmlns="" xmlns:a16="http://schemas.microsoft.com/office/drawing/2014/main" xmlns:p14="http://schemas.microsoft.com/office/powerpoint/2010/main" xmlns:a14="http://schemas.microsoft.com/office/drawing/2010/main" w="9525">
+                <a14:hiddenLine xmlns:a14="http://schemas.microsoft.com/office/drawing/2010/main" xmlns:p14="http://schemas.microsoft.com/office/powerpoint/2010/main" xmlns:a16="http://schemas.microsoft.com/office/drawing/2014/main" xmlns="" w="9525">
                   <a:solidFill>
                     <a:srgbClr val="000000"/>
                   </a:solidFill>
@@ -41920,7 +42124,7 @@
             </a:ln>
             <a:extLst>
               <a:ext uri="{91240B29-F687-4f45-9708-019B960494DF}">
-                <a14:hiddenLine xmlns="" xmlns:a16="http://schemas.microsoft.com/office/drawing/2014/main" xmlns:p14="http://schemas.microsoft.com/office/powerpoint/2010/main" xmlns:a14="http://schemas.microsoft.com/office/drawing/2010/main" w="9525">
+                <a14:hiddenLine xmlns:a14="http://schemas.microsoft.com/office/drawing/2010/main" xmlns:p14="http://schemas.microsoft.com/office/powerpoint/2010/main" xmlns:a16="http://schemas.microsoft.com/office/drawing/2014/main" xmlns="" w="9525">
                   <a:solidFill>
                     <a:srgbClr val="000000"/>
                   </a:solidFill>
@@ -42025,7 +42229,7 @@
             </a:ln>
             <a:extLst>
               <a:ext uri="{91240B29-F687-4f45-9708-019B960494DF}">
-                <a14:hiddenLine xmlns="" xmlns:a16="http://schemas.microsoft.com/office/drawing/2014/main" xmlns:p14="http://schemas.microsoft.com/office/powerpoint/2010/main" xmlns:a14="http://schemas.microsoft.com/office/drawing/2010/main" w="9525">
+                <a14:hiddenLine xmlns:a14="http://schemas.microsoft.com/office/drawing/2010/main" xmlns:p14="http://schemas.microsoft.com/office/powerpoint/2010/main" xmlns:a16="http://schemas.microsoft.com/office/drawing/2014/main" xmlns="" w="9525">
                   <a:solidFill>
                     <a:srgbClr val="000000"/>
                   </a:solidFill>
@@ -42074,7 +42278,7 @@
             </a:ln>
             <a:extLst>
               <a:ext uri="{91240B29-F687-4f45-9708-019B960494DF}">
-                <a14:hiddenLine xmlns="" xmlns:a16="http://schemas.microsoft.com/office/drawing/2014/main" xmlns:p14="http://schemas.microsoft.com/office/powerpoint/2010/main" xmlns:a14="http://schemas.microsoft.com/office/drawing/2010/main" w="9525">
+                <a14:hiddenLine xmlns:a14="http://schemas.microsoft.com/office/drawing/2010/main" xmlns:p14="http://schemas.microsoft.com/office/powerpoint/2010/main" xmlns:a16="http://schemas.microsoft.com/office/drawing/2014/main" xmlns="" w="9525">
                   <a:solidFill>
                     <a:srgbClr val="000000"/>
                   </a:solidFill>
@@ -42154,7 +42358,7 @@
             </a:ln>
             <a:extLst>
               <a:ext uri="{91240B29-F687-4f45-9708-019B960494DF}">
-                <a14:hiddenLine xmlns="" xmlns:a16="http://schemas.microsoft.com/office/drawing/2014/main" xmlns:p14="http://schemas.microsoft.com/office/powerpoint/2010/main" xmlns:a14="http://schemas.microsoft.com/office/drawing/2010/main" w="9525">
+                <a14:hiddenLine xmlns:a14="http://schemas.microsoft.com/office/drawing/2010/main" xmlns:p14="http://schemas.microsoft.com/office/powerpoint/2010/main" xmlns:a16="http://schemas.microsoft.com/office/drawing/2014/main" xmlns="" w="9525">
                   <a:solidFill>
                     <a:srgbClr val="000000"/>
                   </a:solidFill>
@@ -42259,7 +42463,7 @@
             </a:ln>
             <a:extLst>
               <a:ext uri="{91240B29-F687-4f45-9708-019B960494DF}">
-                <a14:hiddenLine xmlns="" xmlns:a16="http://schemas.microsoft.com/office/drawing/2014/main" xmlns:p14="http://schemas.microsoft.com/office/powerpoint/2010/main" xmlns:a14="http://schemas.microsoft.com/office/drawing/2010/main" w="9525">
+                <a14:hiddenLine xmlns:a14="http://schemas.microsoft.com/office/drawing/2010/main" xmlns:p14="http://schemas.microsoft.com/office/powerpoint/2010/main" xmlns:a16="http://schemas.microsoft.com/office/drawing/2014/main" xmlns="" w="9525">
                   <a:solidFill>
                     <a:srgbClr val="000000"/>
                   </a:solidFill>
@@ -42336,7 +42540,7 @@
             </a:ln>
             <a:extLst>
               <a:ext uri="{91240B29-F687-4f45-9708-019B960494DF}">
-                <a14:hiddenLine xmlns="" xmlns:a16="http://schemas.microsoft.com/office/drawing/2014/main" xmlns:p14="http://schemas.microsoft.com/office/powerpoint/2010/main" xmlns:a14="http://schemas.microsoft.com/office/drawing/2010/main" w="9525">
+                <a14:hiddenLine xmlns:a14="http://schemas.microsoft.com/office/drawing/2010/main" xmlns:p14="http://schemas.microsoft.com/office/powerpoint/2010/main" xmlns:a16="http://schemas.microsoft.com/office/drawing/2014/main" xmlns="" w="9525">
                   <a:solidFill>
                     <a:srgbClr val="000000"/>
                   </a:solidFill>
@@ -42441,7 +42645,7 @@
             </a:ln>
             <a:extLst>
               <a:ext uri="{91240B29-F687-4f45-9708-019B960494DF}">
-                <a14:hiddenLine xmlns="" xmlns:a16="http://schemas.microsoft.com/office/drawing/2014/main" xmlns:p14="http://schemas.microsoft.com/office/powerpoint/2010/main" xmlns:a14="http://schemas.microsoft.com/office/drawing/2010/main" w="9525">
+                <a14:hiddenLine xmlns:a14="http://schemas.microsoft.com/office/drawing/2010/main" xmlns:p14="http://schemas.microsoft.com/office/powerpoint/2010/main" xmlns:a16="http://schemas.microsoft.com/office/drawing/2014/main" xmlns="" w="9525">
                   <a:solidFill>
                     <a:srgbClr val="000000"/>
                   </a:solidFill>
@@ -42521,7 +42725,7 @@
             </a:ln>
             <a:extLst>
               <a:ext uri="{91240B29-F687-4f45-9708-019B960494DF}">
-                <a14:hiddenLine xmlns="" xmlns:a16="http://schemas.microsoft.com/office/drawing/2014/main" xmlns:p14="http://schemas.microsoft.com/office/powerpoint/2010/main" xmlns:a14="http://schemas.microsoft.com/office/drawing/2010/main" w="9525">
+                <a14:hiddenLine xmlns:a14="http://schemas.microsoft.com/office/drawing/2010/main" xmlns:p14="http://schemas.microsoft.com/office/powerpoint/2010/main" xmlns:a16="http://schemas.microsoft.com/office/drawing/2014/main" xmlns="" w="9525">
                   <a:solidFill>
                     <a:srgbClr val="000000"/>
                   </a:solidFill>
@@ -42598,7 +42802,7 @@
             </a:ln>
             <a:extLst>
               <a:ext uri="{91240B29-F687-4f45-9708-019B960494DF}">
-                <a14:hiddenLine xmlns="" xmlns:a16="http://schemas.microsoft.com/office/drawing/2014/main" xmlns:p14="http://schemas.microsoft.com/office/powerpoint/2010/main" xmlns:a14="http://schemas.microsoft.com/office/drawing/2010/main" w="9525">
+                <a14:hiddenLine xmlns:a14="http://schemas.microsoft.com/office/drawing/2010/main" xmlns:p14="http://schemas.microsoft.com/office/powerpoint/2010/main" xmlns:a16="http://schemas.microsoft.com/office/drawing/2014/main" xmlns="" w="9525">
                   <a:solidFill>
                     <a:srgbClr val="000000"/>
                   </a:solidFill>
@@ -42703,7 +42907,7 @@
             </a:ln>
             <a:extLst>
               <a:ext uri="{91240B29-F687-4f45-9708-019B960494DF}">
-                <a14:hiddenLine xmlns="" xmlns:a16="http://schemas.microsoft.com/office/drawing/2014/main" xmlns:p14="http://schemas.microsoft.com/office/powerpoint/2010/main" xmlns:a14="http://schemas.microsoft.com/office/drawing/2010/main" w="9525">
+                <a14:hiddenLine xmlns:a14="http://schemas.microsoft.com/office/drawing/2010/main" xmlns:p14="http://schemas.microsoft.com/office/powerpoint/2010/main" xmlns:a16="http://schemas.microsoft.com/office/drawing/2014/main" xmlns="" w="9525">
                   <a:solidFill>
                     <a:srgbClr val="000000"/>
                   </a:solidFill>
@@ -42808,7 +43012,7 @@
             </a:ln>
             <a:extLst>
               <a:ext uri="{91240B29-F687-4f45-9708-019B960494DF}">
-                <a14:hiddenLine xmlns="" xmlns:a16="http://schemas.microsoft.com/office/drawing/2014/main" xmlns:p14="http://schemas.microsoft.com/office/powerpoint/2010/main" xmlns:a14="http://schemas.microsoft.com/office/drawing/2010/main" w="9525">
+                <a14:hiddenLine xmlns:a14="http://schemas.microsoft.com/office/drawing/2010/main" xmlns:p14="http://schemas.microsoft.com/office/powerpoint/2010/main" xmlns:a16="http://schemas.microsoft.com/office/drawing/2014/main" xmlns="" w="9525">
                   <a:solidFill>
                     <a:srgbClr val="000000"/>
                   </a:solidFill>
@@ -42888,7 +43092,7 @@
             </a:ln>
             <a:extLst>
               <a:ext uri="{91240B29-F687-4f45-9708-019B960494DF}">
-                <a14:hiddenLine xmlns="" xmlns:a16="http://schemas.microsoft.com/office/drawing/2014/main" xmlns:p14="http://schemas.microsoft.com/office/powerpoint/2010/main" xmlns:a14="http://schemas.microsoft.com/office/drawing/2010/main" w="9525">
+                <a14:hiddenLine xmlns:a14="http://schemas.microsoft.com/office/drawing/2010/main" xmlns:p14="http://schemas.microsoft.com/office/powerpoint/2010/main" xmlns:a16="http://schemas.microsoft.com/office/drawing/2014/main" xmlns="" w="9525">
                   <a:solidFill>
                     <a:srgbClr val="000000"/>
                   </a:solidFill>
@@ -43023,7 +43227,7 @@
             </a:ln>
             <a:extLst>
               <a:ext uri="{91240B29-F687-4f45-9708-019B960494DF}">
-                <a14:hiddenLine xmlns="" xmlns:a16="http://schemas.microsoft.com/office/drawing/2014/main" xmlns:p14="http://schemas.microsoft.com/office/powerpoint/2010/main" xmlns:a14="http://schemas.microsoft.com/office/drawing/2010/main" w="9525">
+                <a14:hiddenLine xmlns:a14="http://schemas.microsoft.com/office/drawing/2010/main" xmlns:p14="http://schemas.microsoft.com/office/powerpoint/2010/main" xmlns:a16="http://schemas.microsoft.com/office/drawing/2014/main" xmlns="" w="9525">
                   <a:solidFill>
                     <a:srgbClr val="000000"/>
                   </a:solidFill>
@@ -43060,12 +43264,12 @@
         </p:blipFill>
         <p:spPr>
           <a:xfrm>
-            <a:off x="1228612" y="2526162"/>
+            <a:off x="1247662" y="2258324"/>
             <a:ext cx="9906226" cy="3178864"/>
           </a:xfrm>
           <a:prstGeom prst="round2DiagRect">
             <a:avLst>
-              <a:gd name="adj1" fmla="val 16667"/>
+              <a:gd name="adj1" fmla="val 10667"/>
               <a:gd name="adj2" fmla="val 0"/>
             </a:avLst>
           </a:prstGeom>
@@ -43951,12 +44155,6 @@
 </file>
 
 <file path=customXml/item2.xml><?xml version="1.0" encoding="utf-8"?>
-<p:properties xmlns:p="http://schemas.microsoft.com/office/2006/metadata/properties" xmlns:xsi="http://www.w3.org/2001/XMLSchema-instance" xmlns:pc="http://schemas.microsoft.com/office/infopath/2007/PartnerControls">
-  <documentManagement/>
-</p:properties>
-</file>
-
-<file path=customXml/item3.xml><?xml version="1.0" encoding="utf-8"?>
 <ct:contentTypeSchema xmlns:ct="http://schemas.microsoft.com/office/2006/metadata/contentType" xmlns:ma="http://schemas.microsoft.com/office/2006/metadata/properties/metaAttributes" ct:_="" ma:_="" ma:contentTypeName="Document" ma:contentTypeID="0x010100F6544C1E39CC704E9B655547C2A8EEA9" ma:contentTypeVersion="2" ma:contentTypeDescription="Create a new document." ma:contentTypeScope="" ma:versionID="3fe2086bbb13892a04151ef672109fb5">
   <xsd:schema xmlns:xsd="http://www.w3.org/2001/XMLSchema" xmlns:xs="http://www.w3.org/2001/XMLSchema" xmlns:p="http://schemas.microsoft.com/office/2006/metadata/properties" xmlns:ns3="b4ea0a96-3951-4160-baca-c74dadb8c17f" targetNamespace="http://schemas.microsoft.com/office/2006/metadata/properties" ma:root="true" ma:fieldsID="00c6c909f9b37d6c43d157d3aea4a463" ns3:_="">
     <xsd:import namespace="b4ea0a96-3951-4160-baca-c74dadb8c17f"/>
@@ -44088,6 +44286,12 @@
 </ct:contentTypeSchema>
 </file>
 
+<file path=customXml/item3.xml><?xml version="1.0" encoding="utf-8"?>
+<p:properties xmlns:p="http://schemas.microsoft.com/office/2006/metadata/properties" xmlns:xsi="http://www.w3.org/2001/XMLSchema-instance" xmlns:pc="http://schemas.microsoft.com/office/infopath/2007/PartnerControls">
+  <documentManagement/>
+</p:properties>
+</file>
+
 <file path=customXml/itemProps1.xml><?xml version="1.0" encoding="utf-8"?>
 <ds:datastoreItem xmlns:ds="http://schemas.openxmlformats.org/officeDocument/2006/customXml" ds:itemID="{3057252C-AA3B-4053-A64D-51B970623905}">
   <ds:schemaRefs>
@@ -44097,22 +44301,6 @@
 </file>
 
 <file path=customXml/itemProps2.xml><?xml version="1.0" encoding="utf-8"?>
-<ds:datastoreItem xmlns:ds="http://schemas.openxmlformats.org/officeDocument/2006/customXml" ds:itemID="{D8463AF2-9ABC-4087-AAED-E5A30A3C4C54}">
-  <ds:schemaRefs>
-    <ds:schemaRef ds:uri="http://schemas.microsoft.com/office/infopath/2007/PartnerControls"/>
-    <ds:schemaRef ds:uri="http://schemas.openxmlformats.org/package/2006/metadata/core-properties"/>
-    <ds:schemaRef ds:uri="http://schemas.microsoft.com/office/2006/metadata/properties"/>
-    <ds:schemaRef ds:uri="http://www.w3.org/XML/1998/namespace"/>
-    <ds:schemaRef ds:uri="http://purl.org/dc/elements/1.1/"/>
-    <ds:schemaRef ds:uri="http://schemas.microsoft.com/office/2006/documentManagement/types"/>
-    <ds:schemaRef ds:uri="http://purl.org/dc/dcmitype/"/>
-    <ds:schemaRef ds:uri="b4ea0a96-3951-4160-baca-c74dadb8c17f"/>
-    <ds:schemaRef ds:uri="http://purl.org/dc/terms/"/>
-  </ds:schemaRefs>
-</ds:datastoreItem>
-</file>
-
-<file path=customXml/itemProps3.xml><?xml version="1.0" encoding="utf-8"?>
 <ds:datastoreItem xmlns:ds="http://schemas.openxmlformats.org/officeDocument/2006/customXml" ds:itemID="{44ED1FCC-97A6-4B60-A765-2D292F04234A}">
   <ds:schemaRefs>
     <ds:schemaRef ds:uri="http://schemas.microsoft.com/office/2006/metadata/contentType"/>
@@ -44128,4 +44316,20 @@
     <ds:schemaRef ds:uri="http://schemas.microsoft.com/internal/obd"/>
   </ds:schemaRefs>
 </ds:datastoreItem>
+</file>
+
+<file path=customXml/itemProps3.xml><?xml version="1.0" encoding="utf-8"?>
+<ds:datastoreItem xmlns:ds="http://schemas.openxmlformats.org/officeDocument/2006/customXml" ds:itemID="{D8463AF2-9ABC-4087-AAED-E5A30A3C4C54}">
+  <ds:schemaRefs>
+    <ds:schemaRef ds:uri="http://schemas.microsoft.com/office/infopath/2007/PartnerControls"/>
+    <ds:schemaRef ds:uri="http://schemas.openxmlformats.org/package/2006/metadata/core-properties"/>
+    <ds:schemaRef ds:uri="http://schemas.microsoft.com/office/2006/metadata/properties"/>
+    <ds:schemaRef ds:uri="http://www.w3.org/XML/1998/namespace"/>
+    <ds:schemaRef ds:uri="http://purl.org/dc/elements/1.1/"/>
+    <ds:schemaRef ds:uri="http://schemas.microsoft.com/office/2006/documentManagement/types"/>
+    <ds:schemaRef ds:uri="http://purl.org/dc/dcmitype/"/>
+    <ds:schemaRef ds:uri="b4ea0a96-3951-4160-baca-c74dadb8c17f"/>
+    <ds:schemaRef ds:uri="http://purl.org/dc/terms/"/>
+  </ds:schemaRefs>
+</ds:datastoreItem>
 </file>